--- a/Slides/Developing with the Media API May 2012.pptx
+++ b/Slides/Developing with the Media API May 2012.pptx
@@ -19669,16 +19669,7 @@
                 </a:solidFill>
                 <a:cs typeface="ＭＳ Ｐゴシック"/>
               </a:rPr>
-              <a:t>Methods </a:t>
-            </a:r>
-            <a:r>
-              <a:rPr lang="en-US" sz="1800" dirty="0" smtClean="0">
-                <a:solidFill>
-                  <a:srgbClr val="23383A"/>
-                </a:solidFill>
-                <a:cs typeface="ＭＳ Ｐゴシック"/>
-              </a:rPr>
-              <a:t>which perform queries on our servers, and return sets of data in DTOs (Data Transfer Objects)</a:t>
+              <a:t>Methods which perform queries on our servers, and return sets of data in DTOs (Data Transfer Objects)</a:t>
             </a:r>
           </a:p>
           <a:p>
@@ -19707,16 +19698,7 @@
                 </a:solidFill>
                 <a:cs typeface="ＭＳ Ｐゴシック"/>
               </a:rPr>
-              <a:t>ata </a:t>
-            </a:r>
-            <a:r>
-              <a:rPr lang="en-US" sz="1800" dirty="0" smtClean="0">
-                <a:solidFill>
-                  <a:srgbClr val="23383A"/>
-                </a:solidFill>
-                <a:cs typeface="ＭＳ Ｐゴシック"/>
-              </a:rPr>
-              <a:t>is cached for performance (up to 20 minutes)</a:t>
+              <a:t>ata is cached for performance (up to 20 minutes)</a:t>
             </a:r>
           </a:p>
           <a:p>
@@ -25241,15 +25223,7 @@
             </a:pPr>
             <a:r>
               <a:rPr lang="en-US" sz="1800" i="1" dirty="0" smtClean="0"/>
-              <a:t>We will use </a:t>
-            </a:r>
-            <a:r>
-              <a:rPr lang="en-US" sz="1800" i="1" dirty="0" smtClean="0"/>
-              <a:t>PHP </a:t>
-            </a:r>
-            <a:r>
-              <a:rPr lang="en-US" sz="1800" i="1" dirty="0" smtClean="0"/>
-              <a:t>here - see </a:t>
+              <a:t>We will use PHP here - see </a:t>
             </a:r>
             <a:r>
               <a:rPr lang="en-US" sz="1800" i="1" dirty="0" smtClean="0">
@@ -25754,30 +25728,12 @@
               </a:lnSpc>
             </a:pPr>
             <a:r>
+              <a:rPr lang="en-US" sz="1800" smtClean="0"/>
+              <a:t>Moderation </a:t>
+            </a:r>
+            <a:r>
               <a:rPr lang="en-US" sz="1800" dirty="0" smtClean="0"/>
-              <a:t>Campaign Management</a:t>
-            </a:r>
-          </a:p>
-          <a:p>
-            <a:pPr lvl="1" eaLnBrk="1" hangingPunct="1">
-              <a:lnSpc>
-                <a:spcPct val="90000"/>
-              </a:lnSpc>
-            </a:pPr>
-            <a:r>
-              <a:rPr lang="en-US" sz="1800" dirty="0" smtClean="0"/>
-              <a:t>Switching Status of series of Videos</a:t>
-            </a:r>
-          </a:p>
-          <a:p>
-            <a:pPr eaLnBrk="1" hangingPunct="1">
-              <a:lnSpc>
-                <a:spcPct val="90000"/>
-              </a:lnSpc>
-            </a:pPr>
-            <a:r>
-              <a:rPr lang="en-US" sz="1800" dirty="0" smtClean="0"/>
-              <a:t>Moderation (providing limited access to your media library)</a:t>
+              <a:t>(providing limited access to your media library)</a:t>
             </a:r>
           </a:p>
           <a:p>
@@ -26147,86 +26103,6 @@
                       </p:childTnLst>
                     </p:cTn>
                   </p:par>
-                  <p:par>
-                    <p:cTn id="27" fill="hold">
-                      <p:stCondLst>
-                        <p:cond delay="indefinite"/>
-                      </p:stCondLst>
-                      <p:childTnLst>
-                        <p:par>
-                          <p:cTn id="28" fill="hold">
-                            <p:stCondLst>
-                              <p:cond delay="0"/>
-                            </p:stCondLst>
-                            <p:childTnLst>
-                              <p:par>
-                                <p:cTn id="29" presetID="1" presetClass="entr" presetSubtype="0" fill="hold" nodeType="clickEffect">
-                                  <p:stCondLst>
-                                    <p:cond delay="0"/>
-                                  </p:stCondLst>
-                                  <p:childTnLst>
-                                    <p:set>
-                                      <p:cBhvr>
-                                        <p:cTn id="30" dur="1" fill="hold">
-                                          <p:stCondLst>
-                                            <p:cond delay="0"/>
-                                          </p:stCondLst>
-                                        </p:cTn>
-                                        <p:tgtEl>
-                                          <p:spTgt spid="267267">
-                                            <p:txEl>
-                                              <p:pRg st="9" end="9"/>
-                                            </p:txEl>
-                                          </p:spTgt>
-                                        </p:tgtEl>
-                                        <p:attrNameLst>
-                                          <p:attrName>style.visibility</p:attrName>
-                                        </p:attrNameLst>
-                                      </p:cBhvr>
-                                      <p:to>
-                                        <p:strVal val="visible"/>
-                                      </p:to>
-                                    </p:set>
-                                  </p:childTnLst>
-                                </p:cTn>
-                              </p:par>
-                              <p:par>
-                                <p:cTn id="31" presetID="1" presetClass="entr" presetSubtype="0" fill="hold" nodeType="withEffect">
-                                  <p:stCondLst>
-                                    <p:cond delay="0"/>
-                                  </p:stCondLst>
-                                  <p:childTnLst>
-                                    <p:set>
-                                      <p:cBhvr>
-                                        <p:cTn id="32" dur="1" fill="hold">
-                                          <p:stCondLst>
-                                            <p:cond delay="0"/>
-                                          </p:stCondLst>
-                                        </p:cTn>
-                                        <p:tgtEl>
-                                          <p:spTgt spid="267267">
-                                            <p:txEl>
-                                              <p:pRg st="10" end="10"/>
-                                            </p:txEl>
-                                          </p:spTgt>
-                                        </p:tgtEl>
-                                        <p:attrNameLst>
-                                          <p:attrName>style.visibility</p:attrName>
-                                        </p:attrNameLst>
-                                      </p:cBhvr>
-                                      <p:to>
-                                        <p:strVal val="visible"/>
-                                      </p:to>
-                                    </p:set>
-                                  </p:childTnLst>
-                                </p:cTn>
-                              </p:par>
-                            </p:childTnLst>
-                          </p:cTn>
-                        </p:par>
-                      </p:childTnLst>
-                    </p:cTn>
-                  </p:par>
                 </p:childTnLst>
               </p:cTn>
               <p:prevCondLst>
@@ -26941,13 +26817,8 @@
             <a:pPr lvl="1"/>
             <a:r>
               <a:rPr lang="en-US" sz="1800" dirty="0" smtClean="0"/>
-              <a:t>Express </a:t>
-            </a:r>
-            <a:r>
-              <a:rPr lang="en-US" sz="1800" dirty="0" smtClean="0"/>
-              <a:t>3</a:t>
-            </a:r>
-            <a:endParaRPr lang="en-US" sz="1800" dirty="0" smtClean="0"/>
+              <a:t>Express 3</a:t>
+            </a:r>
           </a:p>
           <a:p>
             <a:pPr lvl="1"/>

--- a/Slides/Developing with the Media API May 2012.pptx
+++ b/Slides/Developing with the Media API May 2012.pptx
@@ -17515,14 +17515,34 @@
             <p:ph type="subTitle" idx="1"/>
           </p:nvPr>
         </p:nvSpPr>
-        <p:spPr/>
-        <p:txBody>
-          <a:bodyPr/>
+        <p:spPr>
+          <a:xfrm>
+            <a:off x="829413" y="3758550"/>
+            <a:ext cx="7848713" cy="889650"/>
+          </a:xfrm>
+        </p:spPr>
+        <p:txBody>
+          <a:bodyPr>
+            <a:normAutofit/>
+          </a:bodyPr>
           <a:lstStyle/>
           <a:p>
             <a:r>
               <a:rPr lang="en-US" dirty="0" smtClean="0"/>
-              <a:t>Brightcove Training</a:t>
+              <a:t>Brightcove </a:t>
+            </a:r>
+            <a:r>
+              <a:rPr lang="en-US" dirty="0" smtClean="0"/>
+              <a:t>Learning Services</a:t>
+            </a:r>
+          </a:p>
+          <a:p>
+            <a:endParaRPr lang="en-US" dirty="0"/>
+          </a:p>
+          <a:p>
+            <a:r>
+              <a:rPr lang="en-US" dirty="0" smtClean="0"/>
+              <a:t>Robert Crooks</a:t>
             </a:r>
             <a:endParaRPr lang="en-US" dirty="0"/>
           </a:p>

--- a/Slides/Developing with the Media API May 2012.pptx
+++ b/Slides/Developing with the Media API May 2012.pptx
@@ -1,6 +1,6 @@
 
 <file path=ppt/presentation.xml><?xml version="1.0" encoding="utf-8"?>
-<p:presentation xmlns:a="http://schemas.openxmlformats.org/drawingml/2006/main" xmlns:r="http://schemas.openxmlformats.org/officeDocument/2006/relationships" xmlns:p="http://schemas.openxmlformats.org/presentationml/2006/main" strictFirstAndLastChars="0" saveSubsetFonts="1">
+<p:presentation xmlns:a="http://schemas.openxmlformats.org/drawingml/2006/main" xmlns:r="http://schemas.openxmlformats.org/officeDocument/2006/relationships" xmlns:mc="http://schemas.openxmlformats.org/markup-compatibility/2006" xmlns:mv="urn:schemas-microsoft-com:mac:vml" xmlns:p="http://schemas.openxmlformats.org/presentationml/2006/main" mc:Ignorable="mv" mc:PreserveAttributes="mv:*" strictFirstAndLastChars="0" saveSubsetFonts="1">
   <p:sldMasterIdLst>
     <p:sldMasterId id="2147483650" r:id="rId1"/>
     <p:sldMasterId id="2147483652" r:id="rId2"/>
@@ -199,13 +199,13 @@
 </file>
 
 <file path=ppt/commentAuthors.xml><?xml version="1.0" encoding="utf-8"?>
-<p:cmAuthorLst xmlns:a="http://schemas.openxmlformats.org/drawingml/2006/main" xmlns:r="http://schemas.openxmlformats.org/officeDocument/2006/relationships" xmlns:p="http://schemas.openxmlformats.org/presentationml/2006/main">
+<p:cmAuthorLst xmlns:a="http://schemas.openxmlformats.org/drawingml/2006/main" xmlns:r="http://schemas.openxmlformats.org/officeDocument/2006/relationships" xmlns:mc="http://schemas.openxmlformats.org/markup-compatibility/2006" xmlns:mv="urn:schemas-microsoft-com:mac:vml" xmlns:p="http://schemas.openxmlformats.org/presentationml/2006/main" mc:Ignorable="mv" mc:PreserveAttributes="mv:*">
   <p:cmAuthor id="0" name="Adam Berrey" initials="" lastIdx="7" clrIdx="0"/>
 </p:cmAuthorLst>
 </file>
 
 <file path=ppt/handoutMasters/handoutMaster1.xml><?xml version="1.0" encoding="utf-8"?>
-<p:handoutMaster xmlns:a="http://schemas.openxmlformats.org/drawingml/2006/main" xmlns:r="http://schemas.openxmlformats.org/officeDocument/2006/relationships" xmlns:p="http://schemas.openxmlformats.org/presentationml/2006/main">
+<p:handoutMaster xmlns:a="http://schemas.openxmlformats.org/drawingml/2006/main" xmlns:r="http://schemas.openxmlformats.org/officeDocument/2006/relationships" xmlns:mc="http://schemas.openxmlformats.org/markup-compatibility/2006" xmlns:mv="urn:schemas-microsoft-com:mac:vml" xmlns:p="http://schemas.openxmlformats.org/presentationml/2006/main" mc:Ignorable="mv" mc:PreserveAttributes="mv:*">
   <p:cSld>
     <p:bg>
       <p:bgPr>
@@ -435,7 +435,7 @@
     </p:spTree>
     <p:extLst>
       <p:ext uri="{BB962C8B-B14F-4D97-AF65-F5344CB8AC3E}">
-        <p14:creationId xmlns:p14="http://schemas.microsoft.com/office/powerpoint/2010/main" val="2209539646"/>
+        <p14:creationId xmlns:p14="http://schemas.microsoft.com/office/powerpoint/2010/main" xmlns:p="http://schemas.openxmlformats.org/presentationml/2006/main" xmlns:r="http://schemas.openxmlformats.org/officeDocument/2006/relationships" xmlns:a="http://schemas.openxmlformats.org/drawingml/2006/main" xmlns="" val="2209539646"/>
       </p:ext>
     </p:extLst>
   </p:cSld>
@@ -444,7 +444,7 @@
 </file>
 
 <file path=ppt/notesMasters/notesMaster1.xml><?xml version="1.0" encoding="utf-8"?>
-<p:notesMaster xmlns:a="http://schemas.openxmlformats.org/drawingml/2006/main" xmlns:r="http://schemas.openxmlformats.org/officeDocument/2006/relationships" xmlns:p="http://schemas.openxmlformats.org/presentationml/2006/main">
+<p:notesMaster xmlns:a="http://schemas.openxmlformats.org/drawingml/2006/main" xmlns:r="http://schemas.openxmlformats.org/officeDocument/2006/relationships" xmlns:mc="http://schemas.openxmlformats.org/markup-compatibility/2006" xmlns:mv="urn:schemas-microsoft-com:mac:vml" xmlns:p="http://schemas.openxmlformats.org/presentationml/2006/main" mc:Ignorable="mv" mc:PreserveAttributes="mv:*">
   <p:cSld>
     <p:bg>
       <p:bgPr>
@@ -769,7 +769,7 @@
     </p:spTree>
     <p:extLst>
       <p:ext uri="{BB962C8B-B14F-4D97-AF65-F5344CB8AC3E}">
-        <p14:creationId xmlns:p14="http://schemas.microsoft.com/office/powerpoint/2010/main" val="4107708949"/>
+        <p14:creationId xmlns:p14="http://schemas.microsoft.com/office/powerpoint/2010/main" xmlns:p="http://schemas.openxmlformats.org/presentationml/2006/main" xmlns:r="http://schemas.openxmlformats.org/officeDocument/2006/relationships" xmlns:a="http://schemas.openxmlformats.org/drawingml/2006/main" xmlns="" val="4107708949"/>
       </p:ext>
     </p:extLst>
   </p:cSld>
@@ -900,7 +900,7 @@
 </file>
 
 <file path=ppt/notesSlides/notesSlide1.xml><?xml version="1.0" encoding="utf-8"?>
-<p:notes xmlns:a="http://schemas.openxmlformats.org/drawingml/2006/main" xmlns:r="http://schemas.openxmlformats.org/officeDocument/2006/relationships" xmlns:p="http://schemas.openxmlformats.org/presentationml/2006/main">
+<p:notes xmlns:a="http://schemas.openxmlformats.org/drawingml/2006/main" xmlns:r="http://schemas.openxmlformats.org/officeDocument/2006/relationships" xmlns:mc="http://schemas.openxmlformats.org/markup-compatibility/2006" xmlns:mv="urn:schemas-microsoft-com:mac:vml" xmlns:p="http://schemas.openxmlformats.org/presentationml/2006/main" mc:Ignorable="mv" mc:PreserveAttributes="mv:*">
   <p:cSld>
     <p:spTree>
       <p:nvGrpSpPr>
@@ -1011,7 +1011,7 @@
 </file>
 
 <file path=ppt/notesSlides/notesSlide10.xml><?xml version="1.0" encoding="utf-8"?>
-<p:notes xmlns:a="http://schemas.openxmlformats.org/drawingml/2006/main" xmlns:r="http://schemas.openxmlformats.org/officeDocument/2006/relationships" xmlns:p="http://schemas.openxmlformats.org/presentationml/2006/main">
+<p:notes xmlns:a="http://schemas.openxmlformats.org/drawingml/2006/main" xmlns:r="http://schemas.openxmlformats.org/officeDocument/2006/relationships" xmlns:mc="http://schemas.openxmlformats.org/markup-compatibility/2006" xmlns:mv="urn:schemas-microsoft-com:mac:vml" xmlns:p="http://schemas.openxmlformats.org/presentationml/2006/main" mc:Ignorable="mv" mc:PreserveAttributes="mv:*">
   <p:cSld>
     <p:spTree>
       <p:nvGrpSpPr>
@@ -1122,7 +1122,7 @@
 </file>
 
 <file path=ppt/notesSlides/notesSlide11.xml><?xml version="1.0" encoding="utf-8"?>
-<p:notes xmlns:a="http://schemas.openxmlformats.org/drawingml/2006/main" xmlns:r="http://schemas.openxmlformats.org/officeDocument/2006/relationships" xmlns:p="http://schemas.openxmlformats.org/presentationml/2006/main">
+<p:notes xmlns:a="http://schemas.openxmlformats.org/drawingml/2006/main" xmlns:r="http://schemas.openxmlformats.org/officeDocument/2006/relationships" xmlns:mc="http://schemas.openxmlformats.org/markup-compatibility/2006" xmlns:mv="urn:schemas-microsoft-com:mac:vml" xmlns:p="http://schemas.openxmlformats.org/presentationml/2006/main" mc:Ignorable="mv" mc:PreserveAttributes="mv:*">
   <p:cSld>
     <p:spTree>
       <p:nvGrpSpPr>
@@ -1233,7 +1233,7 @@
 </file>
 
 <file path=ppt/notesSlides/notesSlide12.xml><?xml version="1.0" encoding="utf-8"?>
-<p:notes xmlns:a="http://schemas.openxmlformats.org/drawingml/2006/main" xmlns:r="http://schemas.openxmlformats.org/officeDocument/2006/relationships" xmlns:p="http://schemas.openxmlformats.org/presentationml/2006/main">
+<p:notes xmlns:a="http://schemas.openxmlformats.org/drawingml/2006/main" xmlns:r="http://schemas.openxmlformats.org/officeDocument/2006/relationships" xmlns:mc="http://schemas.openxmlformats.org/markup-compatibility/2006" xmlns:mv="urn:schemas-microsoft-com:mac:vml" xmlns:p="http://schemas.openxmlformats.org/presentationml/2006/main" mc:Ignorable="mv" mc:PreserveAttributes="mv:*">
   <p:cSld>
     <p:spTree>
       <p:nvGrpSpPr>
@@ -1344,7 +1344,7 @@
 </file>
 
 <file path=ppt/notesSlides/notesSlide13.xml><?xml version="1.0" encoding="utf-8"?>
-<p:notes xmlns:a="http://schemas.openxmlformats.org/drawingml/2006/main" xmlns:r="http://schemas.openxmlformats.org/officeDocument/2006/relationships" xmlns:p="http://schemas.openxmlformats.org/presentationml/2006/main">
+<p:notes xmlns:a="http://schemas.openxmlformats.org/drawingml/2006/main" xmlns:r="http://schemas.openxmlformats.org/officeDocument/2006/relationships" xmlns:mc="http://schemas.openxmlformats.org/markup-compatibility/2006" xmlns:mv="urn:schemas-microsoft-com:mac:vml" xmlns:p="http://schemas.openxmlformats.org/presentationml/2006/main" mc:Ignorable="mv" mc:PreserveAttributes="mv:*">
   <p:cSld>
     <p:spTree>
       <p:nvGrpSpPr>
@@ -1462,7 +1462,7 @@
 </file>
 
 <file path=ppt/notesSlides/notesSlide14.xml><?xml version="1.0" encoding="utf-8"?>
-<p:notes xmlns:a="http://schemas.openxmlformats.org/drawingml/2006/main" xmlns:r="http://schemas.openxmlformats.org/officeDocument/2006/relationships" xmlns:p="http://schemas.openxmlformats.org/presentationml/2006/main">
+<p:notes xmlns:a="http://schemas.openxmlformats.org/drawingml/2006/main" xmlns:r="http://schemas.openxmlformats.org/officeDocument/2006/relationships" xmlns:mc="http://schemas.openxmlformats.org/markup-compatibility/2006" xmlns:mv="urn:schemas-microsoft-com:mac:vml" xmlns:p="http://schemas.openxmlformats.org/presentationml/2006/main" mc:Ignorable="mv" mc:PreserveAttributes="mv:*">
   <p:cSld>
     <p:spTree>
       <p:nvGrpSpPr>
@@ -1573,7 +1573,7 @@
 </file>
 
 <file path=ppt/notesSlides/notesSlide15.xml><?xml version="1.0" encoding="utf-8"?>
-<p:notes xmlns:a="http://schemas.openxmlformats.org/drawingml/2006/main" xmlns:r="http://schemas.openxmlformats.org/officeDocument/2006/relationships" xmlns:p="http://schemas.openxmlformats.org/presentationml/2006/main">
+<p:notes xmlns:a="http://schemas.openxmlformats.org/drawingml/2006/main" xmlns:r="http://schemas.openxmlformats.org/officeDocument/2006/relationships" xmlns:mc="http://schemas.openxmlformats.org/markup-compatibility/2006" xmlns:mv="urn:schemas-microsoft-com:mac:vml" xmlns:p="http://schemas.openxmlformats.org/presentationml/2006/main" mc:Ignorable="mv" mc:PreserveAttributes="mv:*">
   <p:cSld>
     <p:spTree>
       <p:nvGrpSpPr>
@@ -1636,7 +1636,7 @@
 </file>
 
 <file path=ppt/notesSlides/notesSlide16.xml><?xml version="1.0" encoding="utf-8"?>
-<p:notes xmlns:a="http://schemas.openxmlformats.org/drawingml/2006/main" xmlns:r="http://schemas.openxmlformats.org/officeDocument/2006/relationships" xmlns:p="http://schemas.openxmlformats.org/presentationml/2006/main">
+<p:notes xmlns:a="http://schemas.openxmlformats.org/drawingml/2006/main" xmlns:r="http://schemas.openxmlformats.org/officeDocument/2006/relationships" xmlns:mc="http://schemas.openxmlformats.org/markup-compatibility/2006" xmlns:mv="urn:schemas-microsoft-com:mac:vml" xmlns:p="http://schemas.openxmlformats.org/presentationml/2006/main" mc:Ignorable="mv" mc:PreserveAttributes="mv:*">
   <p:cSld>
     <p:spTree>
       <p:nvGrpSpPr>
@@ -1699,7 +1699,7 @@
 </file>
 
 <file path=ppt/notesSlides/notesSlide17.xml><?xml version="1.0" encoding="utf-8"?>
-<p:notes xmlns:a="http://schemas.openxmlformats.org/drawingml/2006/main" xmlns:r="http://schemas.openxmlformats.org/officeDocument/2006/relationships" xmlns:p="http://schemas.openxmlformats.org/presentationml/2006/main">
+<p:notes xmlns:a="http://schemas.openxmlformats.org/drawingml/2006/main" xmlns:r="http://schemas.openxmlformats.org/officeDocument/2006/relationships" xmlns:mc="http://schemas.openxmlformats.org/markup-compatibility/2006" xmlns:mv="urn:schemas-microsoft-com:mac:vml" xmlns:p="http://schemas.openxmlformats.org/presentationml/2006/main" mc:Ignorable="mv" mc:PreserveAttributes="mv:*">
   <p:cSld>
     <p:spTree>
       <p:nvGrpSpPr>
@@ -1762,7 +1762,7 @@
 </file>
 
 <file path=ppt/notesSlides/notesSlide18.xml><?xml version="1.0" encoding="utf-8"?>
-<p:notes xmlns:a="http://schemas.openxmlformats.org/drawingml/2006/main" xmlns:r="http://schemas.openxmlformats.org/officeDocument/2006/relationships" xmlns:p="http://schemas.openxmlformats.org/presentationml/2006/main">
+<p:notes xmlns:a="http://schemas.openxmlformats.org/drawingml/2006/main" xmlns:r="http://schemas.openxmlformats.org/officeDocument/2006/relationships" xmlns:mc="http://schemas.openxmlformats.org/markup-compatibility/2006" xmlns:mv="urn:schemas-microsoft-com:mac:vml" xmlns:p="http://schemas.openxmlformats.org/presentationml/2006/main" mc:Ignorable="mv" mc:PreserveAttributes="mv:*">
   <p:cSld>
     <p:spTree>
       <p:nvGrpSpPr>
@@ -1825,7 +1825,7 @@
 </file>
 
 <file path=ppt/notesSlides/notesSlide19.xml><?xml version="1.0" encoding="utf-8"?>
-<p:notes xmlns:a="http://schemas.openxmlformats.org/drawingml/2006/main" xmlns:r="http://schemas.openxmlformats.org/officeDocument/2006/relationships" xmlns:p="http://schemas.openxmlformats.org/presentationml/2006/main">
+<p:notes xmlns:a="http://schemas.openxmlformats.org/drawingml/2006/main" xmlns:r="http://schemas.openxmlformats.org/officeDocument/2006/relationships" xmlns:mc="http://schemas.openxmlformats.org/markup-compatibility/2006" xmlns:mv="urn:schemas-microsoft-com:mac:vml" xmlns:p="http://schemas.openxmlformats.org/presentationml/2006/main" mc:Ignorable="mv" mc:PreserveAttributes="mv:*">
   <p:cSld>
     <p:spTree>
       <p:nvGrpSpPr>
@@ -1888,7 +1888,7 @@
 </file>
 
 <file path=ppt/notesSlides/notesSlide2.xml><?xml version="1.0" encoding="utf-8"?>
-<p:notes xmlns:a="http://schemas.openxmlformats.org/drawingml/2006/main" xmlns:r="http://schemas.openxmlformats.org/officeDocument/2006/relationships" xmlns:p="http://schemas.openxmlformats.org/presentationml/2006/main">
+<p:notes xmlns:a="http://schemas.openxmlformats.org/drawingml/2006/main" xmlns:r="http://schemas.openxmlformats.org/officeDocument/2006/relationships" xmlns:mc="http://schemas.openxmlformats.org/markup-compatibility/2006" xmlns:mv="urn:schemas-microsoft-com:mac:vml" xmlns:p="http://schemas.openxmlformats.org/presentationml/2006/main" mc:Ignorable="mv" mc:PreserveAttributes="mv:*">
   <p:cSld>
     <p:spTree>
       <p:nvGrpSpPr>
@@ -2002,7 +2002,7 @@
 </file>
 
 <file path=ppt/notesSlides/notesSlide20.xml><?xml version="1.0" encoding="utf-8"?>
-<p:notes xmlns:a="http://schemas.openxmlformats.org/drawingml/2006/main" xmlns:r="http://schemas.openxmlformats.org/officeDocument/2006/relationships" xmlns:p="http://schemas.openxmlformats.org/presentationml/2006/main">
+<p:notes xmlns:a="http://schemas.openxmlformats.org/drawingml/2006/main" xmlns:r="http://schemas.openxmlformats.org/officeDocument/2006/relationships" xmlns:mc="http://schemas.openxmlformats.org/markup-compatibility/2006" xmlns:mv="urn:schemas-microsoft-com:mac:vml" xmlns:p="http://schemas.openxmlformats.org/presentationml/2006/main" mc:Ignorable="mv" mc:PreserveAttributes="mv:*">
   <p:cSld>
     <p:spTree>
       <p:nvGrpSpPr>
@@ -2065,7 +2065,7 @@
 </file>
 
 <file path=ppt/notesSlides/notesSlide21.xml><?xml version="1.0" encoding="utf-8"?>
-<p:notes xmlns:a="http://schemas.openxmlformats.org/drawingml/2006/main" xmlns:r="http://schemas.openxmlformats.org/officeDocument/2006/relationships" xmlns:p="http://schemas.openxmlformats.org/presentationml/2006/main">
+<p:notes xmlns:a="http://schemas.openxmlformats.org/drawingml/2006/main" xmlns:r="http://schemas.openxmlformats.org/officeDocument/2006/relationships" xmlns:mc="http://schemas.openxmlformats.org/markup-compatibility/2006" xmlns:mv="urn:schemas-microsoft-com:mac:vml" xmlns:p="http://schemas.openxmlformats.org/presentationml/2006/main" mc:Ignorable="mv" mc:PreserveAttributes="mv:*">
   <p:cSld>
     <p:spTree>
       <p:nvGrpSpPr>
@@ -2176,7 +2176,7 @@
 </file>
 
 <file path=ppt/notesSlides/notesSlide22.xml><?xml version="1.0" encoding="utf-8"?>
-<p:notes xmlns:a="http://schemas.openxmlformats.org/drawingml/2006/main" xmlns:r="http://schemas.openxmlformats.org/officeDocument/2006/relationships" xmlns:p="http://schemas.openxmlformats.org/presentationml/2006/main">
+<p:notes xmlns:a="http://schemas.openxmlformats.org/drawingml/2006/main" xmlns:r="http://schemas.openxmlformats.org/officeDocument/2006/relationships" xmlns:mc="http://schemas.openxmlformats.org/markup-compatibility/2006" xmlns:mv="urn:schemas-microsoft-com:mac:vml" xmlns:p="http://schemas.openxmlformats.org/presentationml/2006/main" mc:Ignorable="mv" mc:PreserveAttributes="mv:*">
   <p:cSld>
     <p:spTree>
       <p:nvGrpSpPr>
@@ -2287,7 +2287,7 @@
 </file>
 
 <file path=ppt/notesSlides/notesSlide23.xml><?xml version="1.0" encoding="utf-8"?>
-<p:notes xmlns:a="http://schemas.openxmlformats.org/drawingml/2006/main" xmlns:r="http://schemas.openxmlformats.org/officeDocument/2006/relationships" xmlns:p="http://schemas.openxmlformats.org/presentationml/2006/main">
+<p:notes xmlns:a="http://schemas.openxmlformats.org/drawingml/2006/main" xmlns:r="http://schemas.openxmlformats.org/officeDocument/2006/relationships" xmlns:mc="http://schemas.openxmlformats.org/markup-compatibility/2006" xmlns:mv="urn:schemas-microsoft-com:mac:vml" xmlns:p="http://schemas.openxmlformats.org/presentationml/2006/main" mc:Ignorable="mv" mc:PreserveAttributes="mv:*">
   <p:cSld>
     <p:spTree>
       <p:nvGrpSpPr>
@@ -2398,7 +2398,7 @@
 </file>
 
 <file path=ppt/notesSlides/notesSlide24.xml><?xml version="1.0" encoding="utf-8"?>
-<p:notes xmlns:a="http://schemas.openxmlformats.org/drawingml/2006/main" xmlns:r="http://schemas.openxmlformats.org/officeDocument/2006/relationships" xmlns:p="http://schemas.openxmlformats.org/presentationml/2006/main">
+<p:notes xmlns:a="http://schemas.openxmlformats.org/drawingml/2006/main" xmlns:r="http://schemas.openxmlformats.org/officeDocument/2006/relationships" xmlns:mc="http://schemas.openxmlformats.org/markup-compatibility/2006" xmlns:mv="urn:schemas-microsoft-com:mac:vml" xmlns:p="http://schemas.openxmlformats.org/presentationml/2006/main" mc:Ignorable="mv" mc:PreserveAttributes="mv:*">
   <p:cSld>
     <p:spTree>
       <p:nvGrpSpPr>
@@ -2512,7 +2512,7 @@
 </file>
 
 <file path=ppt/notesSlides/notesSlide25.xml><?xml version="1.0" encoding="utf-8"?>
-<p:notes xmlns:a="http://schemas.openxmlformats.org/drawingml/2006/main" xmlns:r="http://schemas.openxmlformats.org/officeDocument/2006/relationships" xmlns:p="http://schemas.openxmlformats.org/presentationml/2006/main">
+<p:notes xmlns:a="http://schemas.openxmlformats.org/drawingml/2006/main" xmlns:r="http://schemas.openxmlformats.org/officeDocument/2006/relationships" xmlns:mc="http://schemas.openxmlformats.org/markup-compatibility/2006" xmlns:mv="urn:schemas-microsoft-com:mac:vml" xmlns:p="http://schemas.openxmlformats.org/presentationml/2006/main" mc:Ignorable="mv" mc:PreserveAttributes="mv:*">
   <p:cSld>
     <p:spTree>
       <p:nvGrpSpPr>
@@ -2623,7 +2623,7 @@
 </file>
 
 <file path=ppt/notesSlides/notesSlide26.xml><?xml version="1.0" encoding="utf-8"?>
-<p:notes xmlns:a="http://schemas.openxmlformats.org/drawingml/2006/main" xmlns:r="http://schemas.openxmlformats.org/officeDocument/2006/relationships" xmlns:p="http://schemas.openxmlformats.org/presentationml/2006/main">
+<p:notes xmlns:a="http://schemas.openxmlformats.org/drawingml/2006/main" xmlns:r="http://schemas.openxmlformats.org/officeDocument/2006/relationships" xmlns:mc="http://schemas.openxmlformats.org/markup-compatibility/2006" xmlns:mv="urn:schemas-microsoft-com:mac:vml" xmlns:p="http://schemas.openxmlformats.org/presentationml/2006/main" mc:Ignorable="mv" mc:PreserveAttributes="mv:*">
   <p:cSld>
     <p:spTree>
       <p:nvGrpSpPr>
@@ -2738,7 +2738,7 @@
 </file>
 
 <file path=ppt/notesSlides/notesSlide27.xml><?xml version="1.0" encoding="utf-8"?>
-<p:notes xmlns:a="http://schemas.openxmlformats.org/drawingml/2006/main" xmlns:r="http://schemas.openxmlformats.org/officeDocument/2006/relationships" xmlns:p="http://schemas.openxmlformats.org/presentationml/2006/main">
+<p:notes xmlns:a="http://schemas.openxmlformats.org/drawingml/2006/main" xmlns:r="http://schemas.openxmlformats.org/officeDocument/2006/relationships" xmlns:mc="http://schemas.openxmlformats.org/markup-compatibility/2006" xmlns:mv="urn:schemas-microsoft-com:mac:vml" xmlns:p="http://schemas.openxmlformats.org/presentationml/2006/main" mc:Ignorable="mv" mc:PreserveAttributes="mv:*">
   <p:cSld>
     <p:spTree>
       <p:nvGrpSpPr>
@@ -2849,7 +2849,7 @@
 </file>
 
 <file path=ppt/notesSlides/notesSlide28.xml><?xml version="1.0" encoding="utf-8"?>
-<p:notes xmlns:a="http://schemas.openxmlformats.org/drawingml/2006/main" xmlns:r="http://schemas.openxmlformats.org/officeDocument/2006/relationships" xmlns:p="http://schemas.openxmlformats.org/presentationml/2006/main">
+<p:notes xmlns:a="http://schemas.openxmlformats.org/drawingml/2006/main" xmlns:r="http://schemas.openxmlformats.org/officeDocument/2006/relationships" xmlns:mc="http://schemas.openxmlformats.org/markup-compatibility/2006" xmlns:mv="urn:schemas-microsoft-com:mac:vml" xmlns:p="http://schemas.openxmlformats.org/presentationml/2006/main" mc:Ignorable="mv" mc:PreserveAttributes="mv:*">
   <p:cSld>
     <p:spTree>
       <p:nvGrpSpPr>
@@ -2960,7 +2960,7 @@
 </file>
 
 <file path=ppt/notesSlides/notesSlide29.xml><?xml version="1.0" encoding="utf-8"?>
-<p:notes xmlns:a="http://schemas.openxmlformats.org/drawingml/2006/main" xmlns:r="http://schemas.openxmlformats.org/officeDocument/2006/relationships" xmlns:p="http://schemas.openxmlformats.org/presentationml/2006/main">
+<p:notes xmlns:a="http://schemas.openxmlformats.org/drawingml/2006/main" xmlns:r="http://schemas.openxmlformats.org/officeDocument/2006/relationships" xmlns:mc="http://schemas.openxmlformats.org/markup-compatibility/2006" xmlns:mv="urn:schemas-microsoft-com:mac:vml" xmlns:p="http://schemas.openxmlformats.org/presentationml/2006/main" mc:Ignorable="mv" mc:PreserveAttributes="mv:*">
   <p:cSld>
     <p:spTree>
       <p:nvGrpSpPr>
@@ -3071,7 +3071,7 @@
 </file>
 
 <file path=ppt/notesSlides/notesSlide3.xml><?xml version="1.0" encoding="utf-8"?>
-<p:notes xmlns:a="http://schemas.openxmlformats.org/drawingml/2006/main" xmlns:r="http://schemas.openxmlformats.org/officeDocument/2006/relationships" xmlns:p="http://schemas.openxmlformats.org/presentationml/2006/main">
+<p:notes xmlns:a="http://schemas.openxmlformats.org/drawingml/2006/main" xmlns:r="http://schemas.openxmlformats.org/officeDocument/2006/relationships" xmlns:mc="http://schemas.openxmlformats.org/markup-compatibility/2006" xmlns:mv="urn:schemas-microsoft-com:mac:vml" xmlns:p="http://schemas.openxmlformats.org/presentationml/2006/main" mc:Ignorable="mv" mc:PreserveAttributes="mv:*">
   <p:cSld>
     <p:spTree>
       <p:nvGrpSpPr>
@@ -3182,7 +3182,7 @@
 </file>
 
 <file path=ppt/notesSlides/notesSlide30.xml><?xml version="1.0" encoding="utf-8"?>
-<p:notes xmlns:a="http://schemas.openxmlformats.org/drawingml/2006/main" xmlns:r="http://schemas.openxmlformats.org/officeDocument/2006/relationships" xmlns:p="http://schemas.openxmlformats.org/presentationml/2006/main">
+<p:notes xmlns:a="http://schemas.openxmlformats.org/drawingml/2006/main" xmlns:r="http://schemas.openxmlformats.org/officeDocument/2006/relationships" xmlns:mc="http://schemas.openxmlformats.org/markup-compatibility/2006" xmlns:mv="urn:schemas-microsoft-com:mac:vml" xmlns:p="http://schemas.openxmlformats.org/presentationml/2006/main" mc:Ignorable="mv" mc:PreserveAttributes="mv:*">
   <p:cSld>
     <p:spTree>
       <p:nvGrpSpPr>
@@ -3245,7 +3245,7 @@
 </file>
 
 <file path=ppt/notesSlides/notesSlide31.xml><?xml version="1.0" encoding="utf-8"?>
-<p:notes xmlns:a="http://schemas.openxmlformats.org/drawingml/2006/main" xmlns:r="http://schemas.openxmlformats.org/officeDocument/2006/relationships" xmlns:p="http://schemas.openxmlformats.org/presentationml/2006/main">
+<p:notes xmlns:a="http://schemas.openxmlformats.org/drawingml/2006/main" xmlns:r="http://schemas.openxmlformats.org/officeDocument/2006/relationships" xmlns:mc="http://schemas.openxmlformats.org/markup-compatibility/2006" xmlns:mv="urn:schemas-microsoft-com:mac:vml" xmlns:p="http://schemas.openxmlformats.org/presentationml/2006/main" mc:Ignorable="mv" mc:PreserveAttributes="mv:*">
   <p:cSld>
     <p:spTree>
       <p:nvGrpSpPr>
@@ -3308,7 +3308,7 @@
 </file>
 
 <file path=ppt/notesSlides/notesSlide32.xml><?xml version="1.0" encoding="utf-8"?>
-<p:notes xmlns:a="http://schemas.openxmlformats.org/drawingml/2006/main" xmlns:r="http://schemas.openxmlformats.org/officeDocument/2006/relationships" xmlns:p="http://schemas.openxmlformats.org/presentationml/2006/main">
+<p:notes xmlns:a="http://schemas.openxmlformats.org/drawingml/2006/main" xmlns:r="http://schemas.openxmlformats.org/officeDocument/2006/relationships" xmlns:mc="http://schemas.openxmlformats.org/markup-compatibility/2006" xmlns:mv="urn:schemas-microsoft-com:mac:vml" xmlns:p="http://schemas.openxmlformats.org/presentationml/2006/main" mc:Ignorable="mv" mc:PreserveAttributes="mv:*">
   <p:cSld>
     <p:spTree>
       <p:nvGrpSpPr>
@@ -3371,7 +3371,7 @@
 </file>
 
 <file path=ppt/notesSlides/notesSlide33.xml><?xml version="1.0" encoding="utf-8"?>
-<p:notes xmlns:a="http://schemas.openxmlformats.org/drawingml/2006/main" xmlns:r="http://schemas.openxmlformats.org/officeDocument/2006/relationships" xmlns:p="http://schemas.openxmlformats.org/presentationml/2006/main">
+<p:notes xmlns:a="http://schemas.openxmlformats.org/drawingml/2006/main" xmlns:r="http://schemas.openxmlformats.org/officeDocument/2006/relationships" xmlns:mc="http://schemas.openxmlformats.org/markup-compatibility/2006" xmlns:mv="urn:schemas-microsoft-com:mac:vml" xmlns:p="http://schemas.openxmlformats.org/presentationml/2006/main" mc:Ignorable="mv" mc:PreserveAttributes="mv:*">
   <p:cSld>
     <p:spTree>
       <p:nvGrpSpPr>
@@ -3434,7 +3434,7 @@
 </file>
 
 <file path=ppt/notesSlides/notesSlide34.xml><?xml version="1.0" encoding="utf-8"?>
-<p:notes xmlns:a="http://schemas.openxmlformats.org/drawingml/2006/main" xmlns:r="http://schemas.openxmlformats.org/officeDocument/2006/relationships" xmlns:p="http://schemas.openxmlformats.org/presentationml/2006/main">
+<p:notes xmlns:a="http://schemas.openxmlformats.org/drawingml/2006/main" xmlns:r="http://schemas.openxmlformats.org/officeDocument/2006/relationships" xmlns:mc="http://schemas.openxmlformats.org/markup-compatibility/2006" xmlns:mv="urn:schemas-microsoft-com:mac:vml" xmlns:p="http://schemas.openxmlformats.org/presentationml/2006/main" mc:Ignorable="mv" mc:PreserveAttributes="mv:*">
   <p:cSld>
     <p:spTree>
       <p:nvGrpSpPr>
@@ -3497,7 +3497,7 @@
 </file>
 
 <file path=ppt/notesSlides/notesSlide35.xml><?xml version="1.0" encoding="utf-8"?>
-<p:notes xmlns:a="http://schemas.openxmlformats.org/drawingml/2006/main" xmlns:r="http://schemas.openxmlformats.org/officeDocument/2006/relationships" xmlns:p="http://schemas.openxmlformats.org/presentationml/2006/main">
+<p:notes xmlns:a="http://schemas.openxmlformats.org/drawingml/2006/main" xmlns:r="http://schemas.openxmlformats.org/officeDocument/2006/relationships" xmlns:mc="http://schemas.openxmlformats.org/markup-compatibility/2006" xmlns:mv="urn:schemas-microsoft-com:mac:vml" xmlns:p="http://schemas.openxmlformats.org/presentationml/2006/main" mc:Ignorable="mv" mc:PreserveAttributes="mv:*">
   <p:cSld>
     <p:spTree>
       <p:nvGrpSpPr>
@@ -3560,7 +3560,7 @@
 </file>
 
 <file path=ppt/notesSlides/notesSlide36.xml><?xml version="1.0" encoding="utf-8"?>
-<p:notes xmlns:a="http://schemas.openxmlformats.org/drawingml/2006/main" xmlns:r="http://schemas.openxmlformats.org/officeDocument/2006/relationships" xmlns:p="http://schemas.openxmlformats.org/presentationml/2006/main">
+<p:notes xmlns:a="http://schemas.openxmlformats.org/drawingml/2006/main" xmlns:r="http://schemas.openxmlformats.org/officeDocument/2006/relationships" xmlns:mc="http://schemas.openxmlformats.org/markup-compatibility/2006" xmlns:mv="urn:schemas-microsoft-com:mac:vml" xmlns:p="http://schemas.openxmlformats.org/presentationml/2006/main" mc:Ignorable="mv" mc:PreserveAttributes="mv:*">
   <p:cSld>
     <p:spTree>
       <p:nvGrpSpPr>
@@ -3671,7 +3671,7 @@
 </file>
 
 <file path=ppt/notesSlides/notesSlide4.xml><?xml version="1.0" encoding="utf-8"?>
-<p:notes xmlns:a="http://schemas.openxmlformats.org/drawingml/2006/main" xmlns:r="http://schemas.openxmlformats.org/officeDocument/2006/relationships" xmlns:p="http://schemas.openxmlformats.org/presentationml/2006/main">
+<p:notes xmlns:a="http://schemas.openxmlformats.org/drawingml/2006/main" xmlns:r="http://schemas.openxmlformats.org/officeDocument/2006/relationships" xmlns:mc="http://schemas.openxmlformats.org/markup-compatibility/2006" xmlns:mv="urn:schemas-microsoft-com:mac:vml" xmlns:p="http://schemas.openxmlformats.org/presentationml/2006/main" mc:Ignorable="mv" mc:PreserveAttributes="mv:*">
   <p:cSld>
     <p:spTree>
       <p:nvGrpSpPr>
@@ -3782,7 +3782,7 @@
 </file>
 
 <file path=ppt/notesSlides/notesSlide5.xml><?xml version="1.0" encoding="utf-8"?>
-<p:notes xmlns:a="http://schemas.openxmlformats.org/drawingml/2006/main" xmlns:r="http://schemas.openxmlformats.org/officeDocument/2006/relationships" xmlns:p="http://schemas.openxmlformats.org/presentationml/2006/main">
+<p:notes xmlns:a="http://schemas.openxmlformats.org/drawingml/2006/main" xmlns:r="http://schemas.openxmlformats.org/officeDocument/2006/relationships" xmlns:mc="http://schemas.openxmlformats.org/markup-compatibility/2006" xmlns:mv="urn:schemas-microsoft-com:mac:vml" xmlns:p="http://schemas.openxmlformats.org/presentationml/2006/main" mc:Ignorable="mv" mc:PreserveAttributes="mv:*">
   <p:cSld>
     <p:spTree>
       <p:nvGrpSpPr>
@@ -3893,7 +3893,7 @@
 </file>
 
 <file path=ppt/notesSlides/notesSlide6.xml><?xml version="1.0" encoding="utf-8"?>
-<p:notes xmlns:a="http://schemas.openxmlformats.org/drawingml/2006/main" xmlns:r="http://schemas.openxmlformats.org/officeDocument/2006/relationships" xmlns:p="http://schemas.openxmlformats.org/presentationml/2006/main">
+<p:notes xmlns:a="http://schemas.openxmlformats.org/drawingml/2006/main" xmlns:r="http://schemas.openxmlformats.org/officeDocument/2006/relationships" xmlns:mc="http://schemas.openxmlformats.org/markup-compatibility/2006" xmlns:mv="urn:schemas-microsoft-com:mac:vml" xmlns:p="http://schemas.openxmlformats.org/presentationml/2006/main" mc:Ignorable="mv" mc:PreserveAttributes="mv:*">
   <p:cSld>
     <p:spTree>
       <p:nvGrpSpPr>
@@ -4004,7 +4004,7 @@
 </file>
 
 <file path=ppt/notesSlides/notesSlide7.xml><?xml version="1.0" encoding="utf-8"?>
-<p:notes xmlns:a="http://schemas.openxmlformats.org/drawingml/2006/main" xmlns:r="http://schemas.openxmlformats.org/officeDocument/2006/relationships" xmlns:p="http://schemas.openxmlformats.org/presentationml/2006/main">
+<p:notes xmlns:a="http://schemas.openxmlformats.org/drawingml/2006/main" xmlns:r="http://schemas.openxmlformats.org/officeDocument/2006/relationships" xmlns:mc="http://schemas.openxmlformats.org/markup-compatibility/2006" xmlns:mv="urn:schemas-microsoft-com:mac:vml" xmlns:p="http://schemas.openxmlformats.org/presentationml/2006/main" mc:Ignorable="mv" mc:PreserveAttributes="mv:*">
   <p:cSld>
     <p:spTree>
       <p:nvGrpSpPr>
@@ -4115,7 +4115,7 @@
 </file>
 
 <file path=ppt/notesSlides/notesSlide8.xml><?xml version="1.0" encoding="utf-8"?>
-<p:notes xmlns:a="http://schemas.openxmlformats.org/drawingml/2006/main" xmlns:r="http://schemas.openxmlformats.org/officeDocument/2006/relationships" xmlns:p="http://schemas.openxmlformats.org/presentationml/2006/main">
+<p:notes xmlns:a="http://schemas.openxmlformats.org/drawingml/2006/main" xmlns:r="http://schemas.openxmlformats.org/officeDocument/2006/relationships" xmlns:mc="http://schemas.openxmlformats.org/markup-compatibility/2006" xmlns:mv="urn:schemas-microsoft-com:mac:vml" xmlns:p="http://schemas.openxmlformats.org/presentationml/2006/main" mc:Ignorable="mv" mc:PreserveAttributes="mv:*">
   <p:cSld>
     <p:spTree>
       <p:nvGrpSpPr>
@@ -4226,7 +4226,7 @@
 </file>
 
 <file path=ppt/notesSlides/notesSlide9.xml><?xml version="1.0" encoding="utf-8"?>
-<p:notes xmlns:a="http://schemas.openxmlformats.org/drawingml/2006/main" xmlns:r="http://schemas.openxmlformats.org/officeDocument/2006/relationships" xmlns:p="http://schemas.openxmlformats.org/presentationml/2006/main">
+<p:notes xmlns:a="http://schemas.openxmlformats.org/drawingml/2006/main" xmlns:r="http://schemas.openxmlformats.org/officeDocument/2006/relationships" xmlns:mc="http://schemas.openxmlformats.org/markup-compatibility/2006" xmlns:mv="urn:schemas-microsoft-com:mac:vml" xmlns:p="http://schemas.openxmlformats.org/presentationml/2006/main" mc:Ignorable="mv" mc:PreserveAttributes="mv:*">
   <p:cSld>
     <p:spTree>
       <p:nvGrpSpPr>
@@ -4341,7 +4341,7 @@
 </file>
 
 <file path=ppt/slideLayouts/slideLayout1.xml><?xml version="1.0" encoding="utf-8"?>
-<p:sldLayout xmlns:a="http://schemas.openxmlformats.org/drawingml/2006/main" xmlns:r="http://schemas.openxmlformats.org/officeDocument/2006/relationships" xmlns:p="http://schemas.openxmlformats.org/presentationml/2006/main" showMasterSp="0" type="title" preserve="1">
+<p:sldLayout xmlns:a="http://schemas.openxmlformats.org/drawingml/2006/main" xmlns:r="http://schemas.openxmlformats.org/officeDocument/2006/relationships" xmlns:mc="http://schemas.openxmlformats.org/markup-compatibility/2006" xmlns:mv="urn:schemas-microsoft-com:mac:vml" xmlns:p="http://schemas.openxmlformats.org/presentationml/2006/main" mc:Ignorable="mv" mc:PreserveAttributes="mv:*" showMasterSp="0" type="title" preserve="1">
   <p:cSld name="Title Slide">
     <p:spTree>
       <p:nvGrpSpPr>
@@ -4466,14 +4466,14 @@
   <p:clrMapOvr>
     <a:masterClrMapping/>
   </p:clrMapOvr>
-  <p:transition xmlns:p14="http://schemas.microsoft.com/office/powerpoint/2010/main">
+  <p:transition>
     <p:fade/>
   </p:transition>
 </p:sldLayout>
 </file>
 
 <file path=ppt/slideLayouts/slideLayout10.xml><?xml version="1.0" encoding="utf-8"?>
-<p:sldLayout xmlns:a="http://schemas.openxmlformats.org/drawingml/2006/main" xmlns:r="http://schemas.openxmlformats.org/officeDocument/2006/relationships" xmlns:p="http://schemas.openxmlformats.org/presentationml/2006/main" type="vertTx" preserve="1">
+<p:sldLayout xmlns:a="http://schemas.openxmlformats.org/drawingml/2006/main" xmlns:r="http://schemas.openxmlformats.org/officeDocument/2006/relationships" xmlns:mc="http://schemas.openxmlformats.org/markup-compatibility/2006" xmlns:mv="urn:schemas-microsoft-com:mac:vml" xmlns:p="http://schemas.openxmlformats.org/presentationml/2006/main" mc:Ignorable="mv" mc:PreserveAttributes="mv:*" type="vertTx" preserve="1">
   <p:cSld name="Title and Vertical Text">
     <p:spTree>
       <p:nvGrpSpPr>
@@ -4637,7 +4637,7 @@
 </file>
 
 <file path=ppt/slideLayouts/slideLayout11.xml><?xml version="1.0" encoding="utf-8"?>
-<p:sldLayout xmlns:a="http://schemas.openxmlformats.org/drawingml/2006/main" xmlns:r="http://schemas.openxmlformats.org/officeDocument/2006/relationships" xmlns:p="http://schemas.openxmlformats.org/presentationml/2006/main" type="vertTitleAndTx" preserve="1">
+<p:sldLayout xmlns:a="http://schemas.openxmlformats.org/drawingml/2006/main" xmlns:r="http://schemas.openxmlformats.org/officeDocument/2006/relationships" xmlns:mc="http://schemas.openxmlformats.org/markup-compatibility/2006" xmlns:mv="urn:schemas-microsoft-com:mac:vml" xmlns:p="http://schemas.openxmlformats.org/presentationml/2006/main" mc:Ignorable="mv" mc:PreserveAttributes="mv:*" type="vertTitleAndTx" preserve="1">
   <p:cSld name="Vertical Title and Text">
     <p:spTree>
       <p:nvGrpSpPr>
@@ -4811,7 +4811,7 @@
 </file>
 
 <file path=ppt/slideLayouts/slideLayout12.xml><?xml version="1.0" encoding="utf-8"?>
-<p:sldLayout xmlns:a="http://schemas.openxmlformats.org/drawingml/2006/main" xmlns:r="http://schemas.openxmlformats.org/officeDocument/2006/relationships" xmlns:p="http://schemas.openxmlformats.org/presentationml/2006/main" type="title" preserve="1">
+<p:sldLayout xmlns:a="http://schemas.openxmlformats.org/drawingml/2006/main" xmlns:r="http://schemas.openxmlformats.org/officeDocument/2006/relationships" xmlns:mc="http://schemas.openxmlformats.org/markup-compatibility/2006" xmlns:mv="urn:schemas-microsoft-com:mac:vml" xmlns:p="http://schemas.openxmlformats.org/presentationml/2006/main" mc:Ignorable="mv" mc:PreserveAttributes="mv:*" type="title" preserve="1">
   <p:cSld name="Title Slide">
     <p:spTree>
       <p:nvGrpSpPr>
@@ -4927,7 +4927,7 @@
 </file>
 
 <file path=ppt/slideLayouts/slideLayout13.xml><?xml version="1.0" encoding="utf-8"?>
-<p:sldLayout xmlns:a="http://schemas.openxmlformats.org/drawingml/2006/main" xmlns:r="http://schemas.openxmlformats.org/officeDocument/2006/relationships" xmlns:p="http://schemas.openxmlformats.org/presentationml/2006/main" type="obj" preserve="1">
+<p:sldLayout xmlns:a="http://schemas.openxmlformats.org/drawingml/2006/main" xmlns:r="http://schemas.openxmlformats.org/officeDocument/2006/relationships" xmlns:mc="http://schemas.openxmlformats.org/markup-compatibility/2006" xmlns:mv="urn:schemas-microsoft-com:mac:vml" xmlns:p="http://schemas.openxmlformats.org/presentationml/2006/main" mc:Ignorable="mv" mc:PreserveAttributes="mv:*" type="obj" preserve="1">
   <p:cSld name="Title and Content">
     <p:spTree>
       <p:nvGrpSpPr>
@@ -5025,7 +5025,7 @@
 </file>
 
 <file path=ppt/slideLayouts/slideLayout14.xml><?xml version="1.0" encoding="utf-8"?>
-<p:sldLayout xmlns:a="http://schemas.openxmlformats.org/drawingml/2006/main" xmlns:r="http://schemas.openxmlformats.org/officeDocument/2006/relationships" xmlns:p="http://schemas.openxmlformats.org/presentationml/2006/main" type="secHead" preserve="1">
+<p:sldLayout xmlns:a="http://schemas.openxmlformats.org/drawingml/2006/main" xmlns:r="http://schemas.openxmlformats.org/officeDocument/2006/relationships" xmlns:mc="http://schemas.openxmlformats.org/markup-compatibility/2006" xmlns:mv="urn:schemas-microsoft-com:mac:vml" xmlns:p="http://schemas.openxmlformats.org/presentationml/2006/main" mc:Ignorable="mv" mc:PreserveAttributes="mv:*" type="secHead" preserve="1">
   <p:cSld name="Section Header">
     <p:spTree>
       <p:nvGrpSpPr>
@@ -5146,7 +5146,7 @@
 </file>
 
 <file path=ppt/slideLayouts/slideLayout15.xml><?xml version="1.0" encoding="utf-8"?>
-<p:sldLayout xmlns:a="http://schemas.openxmlformats.org/drawingml/2006/main" xmlns:r="http://schemas.openxmlformats.org/officeDocument/2006/relationships" xmlns:p="http://schemas.openxmlformats.org/presentationml/2006/main" type="twoObj" preserve="1">
+<p:sldLayout xmlns:a="http://schemas.openxmlformats.org/drawingml/2006/main" xmlns:r="http://schemas.openxmlformats.org/officeDocument/2006/relationships" xmlns:mc="http://schemas.openxmlformats.org/markup-compatibility/2006" xmlns:mv="urn:schemas-microsoft-com:mac:vml" xmlns:p="http://schemas.openxmlformats.org/presentationml/2006/main" mc:Ignorable="mv" mc:PreserveAttributes="mv:*" type="twoObj" preserve="1">
   <p:cSld name="Two Content">
     <p:spTree>
       <p:nvGrpSpPr>
@@ -5361,7 +5361,7 @@
 </file>
 
 <file path=ppt/slideLayouts/slideLayout16.xml><?xml version="1.0" encoding="utf-8"?>
-<p:sldLayout xmlns:a="http://schemas.openxmlformats.org/drawingml/2006/main" xmlns:r="http://schemas.openxmlformats.org/officeDocument/2006/relationships" xmlns:p="http://schemas.openxmlformats.org/presentationml/2006/main" type="twoTxTwoObj" preserve="1">
+<p:sldLayout xmlns:a="http://schemas.openxmlformats.org/drawingml/2006/main" xmlns:r="http://schemas.openxmlformats.org/officeDocument/2006/relationships" xmlns:mc="http://schemas.openxmlformats.org/markup-compatibility/2006" xmlns:mv="urn:schemas-microsoft-com:mac:vml" xmlns:p="http://schemas.openxmlformats.org/presentationml/2006/main" mc:Ignorable="mv" mc:PreserveAttributes="mv:*" type="twoTxTwoObj" preserve="1">
   <p:cSld name="Comparison">
     <p:spTree>
       <p:nvGrpSpPr>
@@ -5715,7 +5715,7 @@
 </file>
 
 <file path=ppt/slideLayouts/slideLayout17.xml><?xml version="1.0" encoding="utf-8"?>
-<p:sldLayout xmlns:a="http://schemas.openxmlformats.org/drawingml/2006/main" xmlns:r="http://schemas.openxmlformats.org/officeDocument/2006/relationships" xmlns:p="http://schemas.openxmlformats.org/presentationml/2006/main" type="titleOnly" preserve="1">
+<p:sldLayout xmlns:a="http://schemas.openxmlformats.org/drawingml/2006/main" xmlns:r="http://schemas.openxmlformats.org/officeDocument/2006/relationships" xmlns:mc="http://schemas.openxmlformats.org/markup-compatibility/2006" xmlns:mv="urn:schemas-microsoft-com:mac:vml" xmlns:p="http://schemas.openxmlformats.org/presentationml/2006/main" mc:Ignorable="mv" mc:PreserveAttributes="mv:*" type="titleOnly" preserve="1">
   <p:cSld name="Title Only">
     <p:spTree>
       <p:nvGrpSpPr>
@@ -5762,7 +5762,7 @@
 </file>
 
 <file path=ppt/slideLayouts/slideLayout18.xml><?xml version="1.0" encoding="utf-8"?>
-<p:sldLayout xmlns:a="http://schemas.openxmlformats.org/drawingml/2006/main" xmlns:r="http://schemas.openxmlformats.org/officeDocument/2006/relationships" xmlns:p="http://schemas.openxmlformats.org/presentationml/2006/main" type="blank" preserve="1">
+<p:sldLayout xmlns:a="http://schemas.openxmlformats.org/drawingml/2006/main" xmlns:r="http://schemas.openxmlformats.org/officeDocument/2006/relationships" xmlns:mc="http://schemas.openxmlformats.org/markup-compatibility/2006" xmlns:mv="urn:schemas-microsoft-com:mac:vml" xmlns:p="http://schemas.openxmlformats.org/presentationml/2006/main" mc:Ignorable="mv" mc:PreserveAttributes="mv:*" type="blank" preserve="1">
   <p:cSld name="Blank">
     <p:spTree>
       <p:nvGrpSpPr>
@@ -5787,7 +5787,7 @@
 </file>
 
 <file path=ppt/slideLayouts/slideLayout19.xml><?xml version="1.0" encoding="utf-8"?>
-<p:sldLayout xmlns:a="http://schemas.openxmlformats.org/drawingml/2006/main" xmlns:r="http://schemas.openxmlformats.org/officeDocument/2006/relationships" xmlns:p="http://schemas.openxmlformats.org/presentationml/2006/main" type="objTx" preserve="1">
+<p:sldLayout xmlns:a="http://schemas.openxmlformats.org/drawingml/2006/main" xmlns:r="http://schemas.openxmlformats.org/officeDocument/2006/relationships" xmlns:mc="http://schemas.openxmlformats.org/markup-compatibility/2006" xmlns:mv="urn:schemas-microsoft-com:mac:vml" xmlns:p="http://schemas.openxmlformats.org/presentationml/2006/main" mc:Ignorable="mv" mc:PreserveAttributes="mv:*" type="objTx" preserve="1">
   <p:cSld name="Content with Caption">
     <p:spTree>
       <p:nvGrpSpPr>
@@ -5992,7 +5992,7 @@
 </file>
 
 <file path=ppt/slideLayouts/slideLayout2.xml><?xml version="1.0" encoding="utf-8"?>
-<p:sldLayout xmlns:a="http://schemas.openxmlformats.org/drawingml/2006/main" xmlns:r="http://schemas.openxmlformats.org/officeDocument/2006/relationships" xmlns:p="http://schemas.openxmlformats.org/presentationml/2006/main" type="obj" preserve="1">
+<p:sldLayout xmlns:a="http://schemas.openxmlformats.org/drawingml/2006/main" xmlns:r="http://schemas.openxmlformats.org/officeDocument/2006/relationships" xmlns:mc="http://schemas.openxmlformats.org/markup-compatibility/2006" xmlns:mv="urn:schemas-microsoft-com:mac:vml" xmlns:p="http://schemas.openxmlformats.org/presentationml/2006/main" mc:Ignorable="mv" mc:PreserveAttributes="mv:*" type="obj" preserve="1">
   <p:cSld name="Title and Content">
     <p:spTree>
       <p:nvGrpSpPr>
@@ -6156,7 +6156,7 @@
 </file>
 
 <file path=ppt/slideLayouts/slideLayout20.xml><?xml version="1.0" encoding="utf-8"?>
-<p:sldLayout xmlns:a="http://schemas.openxmlformats.org/drawingml/2006/main" xmlns:r="http://schemas.openxmlformats.org/officeDocument/2006/relationships" xmlns:p="http://schemas.openxmlformats.org/presentationml/2006/main" type="picTx" preserve="1">
+<p:sldLayout xmlns:a="http://schemas.openxmlformats.org/drawingml/2006/main" xmlns:r="http://schemas.openxmlformats.org/officeDocument/2006/relationships" xmlns:mc="http://schemas.openxmlformats.org/markup-compatibility/2006" xmlns:mv="urn:schemas-microsoft-com:mac:vml" xmlns:p="http://schemas.openxmlformats.org/presentationml/2006/main" mc:Ignorable="mv" mc:PreserveAttributes="mv:*" type="picTx" preserve="1">
   <p:cSld name="Picture with Caption">
     <p:spTree>
       <p:nvGrpSpPr>
@@ -6339,7 +6339,7 @@
 </file>
 
 <file path=ppt/slideLayouts/slideLayout21.xml><?xml version="1.0" encoding="utf-8"?>
-<p:sldLayout xmlns:a="http://schemas.openxmlformats.org/drawingml/2006/main" xmlns:r="http://schemas.openxmlformats.org/officeDocument/2006/relationships" xmlns:p="http://schemas.openxmlformats.org/presentationml/2006/main" type="vertTx" preserve="1">
+<p:sldLayout xmlns:a="http://schemas.openxmlformats.org/drawingml/2006/main" xmlns:r="http://schemas.openxmlformats.org/officeDocument/2006/relationships" xmlns:mc="http://schemas.openxmlformats.org/markup-compatibility/2006" xmlns:mv="urn:schemas-microsoft-com:mac:vml" xmlns:p="http://schemas.openxmlformats.org/presentationml/2006/main" mc:Ignorable="mv" mc:PreserveAttributes="mv:*" type="vertTx" preserve="1">
   <p:cSld name="Title and Vertical Text">
     <p:spTree>
       <p:nvGrpSpPr>
@@ -6437,7 +6437,7 @@
 </file>
 
 <file path=ppt/slideLayouts/slideLayout22.xml><?xml version="1.0" encoding="utf-8"?>
-<p:sldLayout xmlns:a="http://schemas.openxmlformats.org/drawingml/2006/main" xmlns:r="http://schemas.openxmlformats.org/officeDocument/2006/relationships" xmlns:p="http://schemas.openxmlformats.org/presentationml/2006/main" type="vertTitleAndTx" preserve="1">
+<p:sldLayout xmlns:a="http://schemas.openxmlformats.org/drawingml/2006/main" xmlns:r="http://schemas.openxmlformats.org/officeDocument/2006/relationships" xmlns:mc="http://schemas.openxmlformats.org/markup-compatibility/2006" xmlns:mv="urn:schemas-microsoft-com:mac:vml" xmlns:p="http://schemas.openxmlformats.org/presentationml/2006/main" mc:Ignorable="mv" mc:PreserveAttributes="mv:*" type="vertTitleAndTx" preserve="1">
   <p:cSld name="Vertical Title and Text">
     <p:spTree>
       <p:nvGrpSpPr>
@@ -6545,7 +6545,7 @@
 </file>
 
 <file path=ppt/slideLayouts/slideLayout23.xml><?xml version="1.0" encoding="utf-8"?>
-<p:sldLayout xmlns:a="http://schemas.openxmlformats.org/drawingml/2006/main" xmlns:r="http://schemas.openxmlformats.org/officeDocument/2006/relationships" xmlns:p="http://schemas.openxmlformats.org/presentationml/2006/main" type="title" preserve="1">
+<p:sldLayout xmlns:a="http://schemas.openxmlformats.org/drawingml/2006/main" xmlns:r="http://schemas.openxmlformats.org/officeDocument/2006/relationships" xmlns:mc="http://schemas.openxmlformats.org/markup-compatibility/2006" xmlns:mv="urn:schemas-microsoft-com:mac:vml" xmlns:p="http://schemas.openxmlformats.org/presentationml/2006/main" mc:Ignorable="mv" mc:PreserveAttributes="mv:*" type="title" preserve="1">
   <p:cSld name="Title Slide">
     <p:spTree>
       <p:nvGrpSpPr>
@@ -6696,7 +6696,7 @@
 </file>
 
 <file path=ppt/slideLayouts/slideLayout24.xml><?xml version="1.0" encoding="utf-8"?>
-<p:sldLayout xmlns:a="http://schemas.openxmlformats.org/drawingml/2006/main" xmlns:r="http://schemas.openxmlformats.org/officeDocument/2006/relationships" xmlns:p="http://schemas.openxmlformats.org/presentationml/2006/main" type="obj" preserve="1">
+<p:sldLayout xmlns:a="http://schemas.openxmlformats.org/drawingml/2006/main" xmlns:r="http://schemas.openxmlformats.org/officeDocument/2006/relationships" xmlns:mc="http://schemas.openxmlformats.org/markup-compatibility/2006" xmlns:mv="urn:schemas-microsoft-com:mac:vml" xmlns:p="http://schemas.openxmlformats.org/presentationml/2006/main" mc:Ignorable="mv" mc:PreserveAttributes="mv:*" type="obj" preserve="1">
   <p:cSld name="Title and Content">
     <p:spTree>
       <p:nvGrpSpPr>
@@ -6829,7 +6829,7 @@
 </file>
 
 <file path=ppt/slideLayouts/slideLayout25.xml><?xml version="1.0" encoding="utf-8"?>
-<p:sldLayout xmlns:a="http://schemas.openxmlformats.org/drawingml/2006/main" xmlns:r="http://schemas.openxmlformats.org/officeDocument/2006/relationships" xmlns:p="http://schemas.openxmlformats.org/presentationml/2006/main" type="secHead" preserve="1">
+<p:sldLayout xmlns:a="http://schemas.openxmlformats.org/drawingml/2006/main" xmlns:r="http://schemas.openxmlformats.org/officeDocument/2006/relationships" xmlns:mc="http://schemas.openxmlformats.org/markup-compatibility/2006" xmlns:mv="urn:schemas-microsoft-com:mac:vml" xmlns:p="http://schemas.openxmlformats.org/presentationml/2006/main" mc:Ignorable="mv" mc:PreserveAttributes="mv:*" type="secHead" preserve="1">
   <p:cSld name="Section Header">
     <p:spTree>
       <p:nvGrpSpPr>
@@ -6985,7 +6985,7 @@
 </file>
 
 <file path=ppt/slideLayouts/slideLayout26.xml><?xml version="1.0" encoding="utf-8"?>
-<p:sldLayout xmlns:a="http://schemas.openxmlformats.org/drawingml/2006/main" xmlns:r="http://schemas.openxmlformats.org/officeDocument/2006/relationships" xmlns:p="http://schemas.openxmlformats.org/presentationml/2006/main" type="twoObj" preserve="1">
+<p:sldLayout xmlns:a="http://schemas.openxmlformats.org/drawingml/2006/main" xmlns:r="http://schemas.openxmlformats.org/officeDocument/2006/relationships" xmlns:mc="http://schemas.openxmlformats.org/markup-compatibility/2006" xmlns:mv="urn:schemas-microsoft-com:mac:vml" xmlns:p="http://schemas.openxmlformats.org/presentationml/2006/main" mc:Ignorable="mv" mc:PreserveAttributes="mv:*" type="twoObj" preserve="1">
   <p:cSld name="Two Content">
     <p:spTree>
       <p:nvGrpSpPr>
@@ -7235,7 +7235,7 @@
 </file>
 
 <file path=ppt/slideLayouts/slideLayout27.xml><?xml version="1.0" encoding="utf-8"?>
-<p:sldLayout xmlns:a="http://schemas.openxmlformats.org/drawingml/2006/main" xmlns:r="http://schemas.openxmlformats.org/officeDocument/2006/relationships" xmlns:p="http://schemas.openxmlformats.org/presentationml/2006/main" type="twoTxTwoObj" preserve="1">
+<p:sldLayout xmlns:a="http://schemas.openxmlformats.org/drawingml/2006/main" xmlns:r="http://schemas.openxmlformats.org/officeDocument/2006/relationships" xmlns:mc="http://schemas.openxmlformats.org/markup-compatibility/2006" xmlns:mv="urn:schemas-microsoft-com:mac:vml" xmlns:p="http://schemas.openxmlformats.org/presentationml/2006/main" mc:Ignorable="mv" mc:PreserveAttributes="mv:*" type="twoTxTwoObj" preserve="1">
   <p:cSld name="Comparison">
     <p:spTree>
       <p:nvGrpSpPr>
@@ -7624,7 +7624,7 @@
 </file>
 
 <file path=ppt/slideLayouts/slideLayout28.xml><?xml version="1.0" encoding="utf-8"?>
-<p:sldLayout xmlns:a="http://schemas.openxmlformats.org/drawingml/2006/main" xmlns:r="http://schemas.openxmlformats.org/officeDocument/2006/relationships" xmlns:p="http://schemas.openxmlformats.org/presentationml/2006/main" type="titleOnly" preserve="1">
+<p:sldLayout xmlns:a="http://schemas.openxmlformats.org/drawingml/2006/main" xmlns:r="http://schemas.openxmlformats.org/officeDocument/2006/relationships" xmlns:mc="http://schemas.openxmlformats.org/markup-compatibility/2006" xmlns:mv="urn:schemas-microsoft-com:mac:vml" xmlns:p="http://schemas.openxmlformats.org/presentationml/2006/main" mc:Ignorable="mv" mc:PreserveAttributes="mv:*" type="titleOnly" preserve="1">
   <p:cSld name="Title Only">
     <p:spTree>
       <p:nvGrpSpPr>
@@ -7706,7 +7706,7 @@
 </file>
 
 <file path=ppt/slideLayouts/slideLayout29.xml><?xml version="1.0" encoding="utf-8"?>
-<p:sldLayout xmlns:a="http://schemas.openxmlformats.org/drawingml/2006/main" xmlns:r="http://schemas.openxmlformats.org/officeDocument/2006/relationships" xmlns:p="http://schemas.openxmlformats.org/presentationml/2006/main" type="blank" preserve="1">
+<p:sldLayout xmlns:a="http://schemas.openxmlformats.org/drawingml/2006/main" xmlns:r="http://schemas.openxmlformats.org/officeDocument/2006/relationships" xmlns:mc="http://schemas.openxmlformats.org/markup-compatibility/2006" xmlns:mv="urn:schemas-microsoft-com:mac:vml" xmlns:p="http://schemas.openxmlformats.org/presentationml/2006/main" mc:Ignorable="mv" mc:PreserveAttributes="mv:*" type="blank" preserve="1">
   <p:cSld name="Blank">
     <p:spTree>
       <p:nvGrpSpPr>
@@ -7766,7 +7766,7 @@
 </file>
 
 <file path=ppt/slideLayouts/slideLayout3.xml><?xml version="1.0" encoding="utf-8"?>
-<p:sldLayout xmlns:a="http://schemas.openxmlformats.org/drawingml/2006/main" xmlns:r="http://schemas.openxmlformats.org/officeDocument/2006/relationships" xmlns:p="http://schemas.openxmlformats.org/presentationml/2006/main" type="secHead" preserve="1">
+<p:sldLayout xmlns:a="http://schemas.openxmlformats.org/drawingml/2006/main" xmlns:r="http://schemas.openxmlformats.org/officeDocument/2006/relationships" xmlns:mc="http://schemas.openxmlformats.org/markup-compatibility/2006" xmlns:mv="urn:schemas-microsoft-com:mac:vml" xmlns:p="http://schemas.openxmlformats.org/presentationml/2006/main" mc:Ignorable="mv" mc:PreserveAttributes="mv:*" type="secHead" preserve="1">
   <p:cSld name="Section Header">
     <p:spTree>
       <p:nvGrpSpPr>
@@ -7953,7 +7953,7 @@
 </file>
 
 <file path=ppt/slideLayouts/slideLayout30.xml><?xml version="1.0" encoding="utf-8"?>
-<p:sldLayout xmlns:a="http://schemas.openxmlformats.org/drawingml/2006/main" xmlns:r="http://schemas.openxmlformats.org/officeDocument/2006/relationships" xmlns:p="http://schemas.openxmlformats.org/presentationml/2006/main" type="objTx" preserve="1">
+<p:sldLayout xmlns:a="http://schemas.openxmlformats.org/drawingml/2006/main" xmlns:r="http://schemas.openxmlformats.org/officeDocument/2006/relationships" xmlns:mc="http://schemas.openxmlformats.org/markup-compatibility/2006" xmlns:mv="urn:schemas-microsoft-com:mac:vml" xmlns:p="http://schemas.openxmlformats.org/presentationml/2006/main" mc:Ignorable="mv" mc:PreserveAttributes="mv:*" type="objTx" preserve="1">
   <p:cSld name="Content with Caption">
     <p:spTree>
       <p:nvGrpSpPr>
@@ -8193,7 +8193,7 @@
 </file>
 
 <file path=ppt/slideLayouts/slideLayout31.xml><?xml version="1.0" encoding="utf-8"?>
-<p:sldLayout xmlns:a="http://schemas.openxmlformats.org/drawingml/2006/main" xmlns:r="http://schemas.openxmlformats.org/officeDocument/2006/relationships" xmlns:p="http://schemas.openxmlformats.org/presentationml/2006/main" type="picTx" preserve="1">
+<p:sldLayout xmlns:a="http://schemas.openxmlformats.org/drawingml/2006/main" xmlns:r="http://schemas.openxmlformats.org/officeDocument/2006/relationships" xmlns:mc="http://schemas.openxmlformats.org/markup-compatibility/2006" xmlns:mv="urn:schemas-microsoft-com:mac:vml" xmlns:p="http://schemas.openxmlformats.org/presentationml/2006/main" mc:Ignorable="mv" mc:PreserveAttributes="mv:*" type="picTx" preserve="1">
   <p:cSld name="Picture with Caption">
     <p:spTree>
       <p:nvGrpSpPr>
@@ -8411,7 +8411,7 @@
 </file>
 
 <file path=ppt/slideLayouts/slideLayout32.xml><?xml version="1.0" encoding="utf-8"?>
-<p:sldLayout xmlns:a="http://schemas.openxmlformats.org/drawingml/2006/main" xmlns:r="http://schemas.openxmlformats.org/officeDocument/2006/relationships" xmlns:p="http://schemas.openxmlformats.org/presentationml/2006/main" type="vertTx" preserve="1">
+<p:sldLayout xmlns:a="http://schemas.openxmlformats.org/drawingml/2006/main" xmlns:r="http://schemas.openxmlformats.org/officeDocument/2006/relationships" xmlns:mc="http://schemas.openxmlformats.org/markup-compatibility/2006" xmlns:mv="urn:schemas-microsoft-com:mac:vml" xmlns:p="http://schemas.openxmlformats.org/presentationml/2006/main" mc:Ignorable="mv" mc:PreserveAttributes="mv:*" type="vertTx" preserve="1">
   <p:cSld name="Title and Vertical Text">
     <p:spTree>
       <p:nvGrpSpPr>
@@ -8544,7 +8544,7 @@
 </file>
 
 <file path=ppt/slideLayouts/slideLayout33.xml><?xml version="1.0" encoding="utf-8"?>
-<p:sldLayout xmlns:a="http://schemas.openxmlformats.org/drawingml/2006/main" xmlns:r="http://schemas.openxmlformats.org/officeDocument/2006/relationships" xmlns:p="http://schemas.openxmlformats.org/presentationml/2006/main" type="vertTitleAndTx" preserve="1">
+<p:sldLayout xmlns:a="http://schemas.openxmlformats.org/drawingml/2006/main" xmlns:r="http://schemas.openxmlformats.org/officeDocument/2006/relationships" xmlns:mc="http://schemas.openxmlformats.org/markup-compatibility/2006" xmlns:mv="urn:schemas-microsoft-com:mac:vml" xmlns:p="http://schemas.openxmlformats.org/presentationml/2006/main" mc:Ignorable="mv" mc:PreserveAttributes="mv:*" type="vertTitleAndTx" preserve="1">
   <p:cSld name="Vertical Title and Text">
     <p:spTree>
       <p:nvGrpSpPr>
@@ -8687,7 +8687,7 @@
 </file>
 
 <file path=ppt/slideLayouts/slideLayout34.xml><?xml version="1.0" encoding="utf-8"?>
-<p:sldLayout xmlns:a="http://schemas.openxmlformats.org/drawingml/2006/main" xmlns:r="http://schemas.openxmlformats.org/officeDocument/2006/relationships" xmlns:p="http://schemas.openxmlformats.org/presentationml/2006/main" preserve="1">
+<p:sldLayout xmlns:a="http://schemas.openxmlformats.org/drawingml/2006/main" xmlns:r="http://schemas.openxmlformats.org/officeDocument/2006/relationships" xmlns:mc="http://schemas.openxmlformats.org/markup-compatibility/2006" xmlns:mv="urn:schemas-microsoft-com:mac:vml" xmlns:p="http://schemas.openxmlformats.org/presentationml/2006/main" mc:Ignorable="mv" mc:PreserveAttributes="mv:*" preserve="1">
   <p:cSld name="Title">
     <p:spTree>
       <p:nvGrpSpPr>
@@ -8834,7 +8834,7 @@
 </file>
 
 <file path=ppt/slideLayouts/slideLayout35.xml><?xml version="1.0" encoding="utf-8"?>
-<p:sldLayout xmlns:a="http://schemas.openxmlformats.org/drawingml/2006/main" xmlns:r="http://schemas.openxmlformats.org/officeDocument/2006/relationships" xmlns:p="http://schemas.openxmlformats.org/presentationml/2006/main" preserve="1">
+<p:sldLayout xmlns:a="http://schemas.openxmlformats.org/drawingml/2006/main" xmlns:r="http://schemas.openxmlformats.org/officeDocument/2006/relationships" xmlns:mc="http://schemas.openxmlformats.org/markup-compatibility/2006" xmlns:mv="urn:schemas-microsoft-com:mac:vml" xmlns:p="http://schemas.openxmlformats.org/presentationml/2006/main" mc:Ignorable="mv" mc:PreserveAttributes="mv:*" preserve="1">
   <p:cSld name="Custom Layout">
     <p:spTree>
       <p:nvGrpSpPr>
@@ -8980,7 +8980,7 @@
 </file>
 
 <file path=ppt/slideLayouts/slideLayout36.xml><?xml version="1.0" encoding="utf-8"?>
-<p:sldLayout xmlns:a="http://schemas.openxmlformats.org/drawingml/2006/main" xmlns:r="http://schemas.openxmlformats.org/officeDocument/2006/relationships" xmlns:p="http://schemas.openxmlformats.org/presentationml/2006/main" type="obj">
+<p:sldLayout xmlns:a="http://schemas.openxmlformats.org/drawingml/2006/main" xmlns:r="http://schemas.openxmlformats.org/officeDocument/2006/relationships" xmlns:mc="http://schemas.openxmlformats.org/markup-compatibility/2006" xmlns:mv="urn:schemas-microsoft-com:mac:vml" xmlns:p="http://schemas.openxmlformats.org/presentationml/2006/main" mc:Ignorable="mv" mc:PreserveAttributes="mv:*" type="obj">
   <p:cSld name="Title and Content">
     <p:spTree>
       <p:nvGrpSpPr>
@@ -9130,7 +9130,7 @@
     </p:spTree>
     <p:extLst>
       <p:ext uri="{BB962C8B-B14F-4D97-AF65-F5344CB8AC3E}">
-        <p14:creationId xmlns:p14="http://schemas.microsoft.com/office/powerpoint/2010/main" val="763991521"/>
+        <p14:creationId xmlns:p14="http://schemas.microsoft.com/office/powerpoint/2010/main" xmlns:p="http://schemas.openxmlformats.org/presentationml/2006/main" xmlns:r="http://schemas.openxmlformats.org/officeDocument/2006/relationships" xmlns:a="http://schemas.openxmlformats.org/drawingml/2006/main" xmlns="" val="763991521"/>
       </p:ext>
     </p:extLst>
   </p:cSld>
@@ -9141,7 +9141,7 @@
 </file>
 
 <file path=ppt/slideLayouts/slideLayout37.xml><?xml version="1.0" encoding="utf-8"?>
-<p:sldLayout xmlns:a="http://schemas.openxmlformats.org/drawingml/2006/main" xmlns:r="http://schemas.openxmlformats.org/officeDocument/2006/relationships" xmlns:p="http://schemas.openxmlformats.org/presentationml/2006/main" type="title" preserve="1">
+<p:sldLayout xmlns:a="http://schemas.openxmlformats.org/drawingml/2006/main" xmlns:r="http://schemas.openxmlformats.org/officeDocument/2006/relationships" xmlns:mc="http://schemas.openxmlformats.org/markup-compatibility/2006" xmlns:mv="urn:schemas-microsoft-com:mac:vml" xmlns:p="http://schemas.openxmlformats.org/presentationml/2006/main" mc:Ignorable="mv" mc:PreserveAttributes="mv:*" type="title" preserve="1">
   <p:cSld name="Title Slide">
     <p:bg>
       <p:bgPr>
@@ -9366,7 +9366,7 @@
 </file>
 
 <file path=ppt/slideLayouts/slideLayout38.xml><?xml version="1.0" encoding="utf-8"?>
-<p:sldLayout xmlns:a="http://schemas.openxmlformats.org/drawingml/2006/main" xmlns:r="http://schemas.openxmlformats.org/officeDocument/2006/relationships" xmlns:p="http://schemas.openxmlformats.org/presentationml/2006/main" preserve="1">
+<p:sldLayout xmlns:a="http://schemas.openxmlformats.org/drawingml/2006/main" xmlns:r="http://schemas.openxmlformats.org/officeDocument/2006/relationships" xmlns:mc="http://schemas.openxmlformats.org/markup-compatibility/2006" xmlns:mv="urn:schemas-microsoft-com:mac:vml" xmlns:p="http://schemas.openxmlformats.org/presentationml/2006/main" mc:Ignorable="mv" mc:PreserveAttributes="mv:*" preserve="1">
   <p:cSld name="Title and Single Element">
     <p:spTree>
       <p:nvGrpSpPr>
@@ -9690,7 +9690,7 @@
 </file>
 
 <file path=ppt/slideLayouts/slideLayout39.xml><?xml version="1.0" encoding="utf-8"?>
-<p:sldLayout xmlns:a="http://schemas.openxmlformats.org/drawingml/2006/main" xmlns:r="http://schemas.openxmlformats.org/officeDocument/2006/relationships" xmlns:p="http://schemas.openxmlformats.org/presentationml/2006/main" preserve="1">
+<p:sldLayout xmlns:a="http://schemas.openxmlformats.org/drawingml/2006/main" xmlns:r="http://schemas.openxmlformats.org/officeDocument/2006/relationships" xmlns:mc="http://schemas.openxmlformats.org/markup-compatibility/2006" xmlns:mv="urn:schemas-microsoft-com:mac:vml" xmlns:p="http://schemas.openxmlformats.org/presentationml/2006/main" mc:Ignorable="mv" mc:PreserveAttributes="mv:*" preserve="1">
   <p:cSld name="Title and Two Element">
     <p:spTree>
       <p:nvGrpSpPr>
@@ -10075,7 +10075,7 @@
 </file>
 
 <file path=ppt/slideLayouts/slideLayout4.xml><?xml version="1.0" encoding="utf-8"?>
-<p:sldLayout xmlns:a="http://schemas.openxmlformats.org/drawingml/2006/main" xmlns:r="http://schemas.openxmlformats.org/officeDocument/2006/relationships" xmlns:p="http://schemas.openxmlformats.org/presentationml/2006/main" type="twoObj" preserve="1">
+<p:sldLayout xmlns:a="http://schemas.openxmlformats.org/drawingml/2006/main" xmlns:r="http://schemas.openxmlformats.org/officeDocument/2006/relationships" xmlns:mc="http://schemas.openxmlformats.org/markup-compatibility/2006" xmlns:mv="urn:schemas-microsoft-com:mac:vml" xmlns:p="http://schemas.openxmlformats.org/presentationml/2006/main" mc:Ignorable="mv" mc:PreserveAttributes="mv:*" type="twoObj" preserve="1">
   <p:cSld name="Two Content">
     <p:spTree>
       <p:nvGrpSpPr>
@@ -10356,7 +10356,7 @@
 </file>
 
 <file path=ppt/slideLayouts/slideLayout40.xml><?xml version="1.0" encoding="utf-8"?>
-<p:sldLayout xmlns:a="http://schemas.openxmlformats.org/drawingml/2006/main" xmlns:r="http://schemas.openxmlformats.org/officeDocument/2006/relationships" xmlns:p="http://schemas.openxmlformats.org/presentationml/2006/main" preserve="1">
+<p:sldLayout xmlns:a="http://schemas.openxmlformats.org/drawingml/2006/main" xmlns:r="http://schemas.openxmlformats.org/officeDocument/2006/relationships" xmlns:mc="http://schemas.openxmlformats.org/markup-compatibility/2006" xmlns:mv="urn:schemas-microsoft-com:mac:vml" xmlns:p="http://schemas.openxmlformats.org/presentationml/2006/main" mc:Ignorable="mv" mc:PreserveAttributes="mv:*" preserve="1">
   <p:cSld name="Title Only and Blank">
     <p:spTree>
       <p:nvGrpSpPr>
@@ -10623,7 +10623,7 @@
 </file>
 
 <file path=ppt/slideLayouts/slideLayout41.xml><?xml version="1.0" encoding="utf-8"?>
-<p:sldLayout xmlns:a="http://schemas.openxmlformats.org/drawingml/2006/main" xmlns:r="http://schemas.openxmlformats.org/officeDocument/2006/relationships" xmlns:p="http://schemas.openxmlformats.org/presentationml/2006/main">
+<p:sldLayout xmlns:a="http://schemas.openxmlformats.org/drawingml/2006/main" xmlns:r="http://schemas.openxmlformats.org/officeDocument/2006/relationships" xmlns:mc="http://schemas.openxmlformats.org/markup-compatibility/2006" xmlns:mv="urn:schemas-microsoft-com:mac:vml" xmlns:p="http://schemas.openxmlformats.org/presentationml/2006/main" mc:Ignorable="mv" mc:PreserveAttributes="mv:*">
   <p:cSld name="Left Text and Right Image">
     <p:spTree>
       <p:nvGrpSpPr>
@@ -10977,7 +10977,7 @@
 </file>
 
 <file path=ppt/slideLayouts/slideLayout42.xml><?xml version="1.0" encoding="utf-8"?>
-<p:sldLayout xmlns:a="http://schemas.openxmlformats.org/drawingml/2006/main" xmlns:r="http://schemas.openxmlformats.org/officeDocument/2006/relationships" xmlns:p="http://schemas.openxmlformats.org/presentationml/2006/main" preserve="1">
+<p:sldLayout xmlns:a="http://schemas.openxmlformats.org/drawingml/2006/main" xmlns:r="http://schemas.openxmlformats.org/officeDocument/2006/relationships" xmlns:mc="http://schemas.openxmlformats.org/markup-compatibility/2006" xmlns:mv="urn:schemas-microsoft-com:mac:vml" xmlns:p="http://schemas.openxmlformats.org/presentationml/2006/main" mc:Ignorable="mv" mc:PreserveAttributes="mv:*" preserve="1">
   <p:cSld name="Left Image and Right Text">
     <p:spTree>
       <p:nvGrpSpPr>
@@ -11331,7 +11331,7 @@
 </file>
 
 <file path=ppt/slideLayouts/slideLayout43.xml><?xml version="1.0" encoding="utf-8"?>
-<p:sldLayout xmlns:a="http://schemas.openxmlformats.org/drawingml/2006/main" xmlns:r="http://schemas.openxmlformats.org/officeDocument/2006/relationships" xmlns:p="http://schemas.openxmlformats.org/presentationml/2006/main" preserve="1">
+<p:sldLayout xmlns:a="http://schemas.openxmlformats.org/drawingml/2006/main" xmlns:r="http://schemas.openxmlformats.org/officeDocument/2006/relationships" xmlns:mc="http://schemas.openxmlformats.org/markup-compatibility/2006" xmlns:mv="urn:schemas-microsoft-com:mac:vml" xmlns:p="http://schemas.openxmlformats.org/presentationml/2006/main" mc:Ignorable="mv" mc:PreserveAttributes="mv:*" preserve="1">
   <p:cSld name="Impact Slide - Teal">
     <p:bg>
       <p:bgPr>
@@ -11427,7 +11427,7 @@
 </file>
 
 <file path=ppt/slideLayouts/slideLayout44.xml><?xml version="1.0" encoding="utf-8"?>
-<p:sldLayout xmlns:a="http://schemas.openxmlformats.org/drawingml/2006/main" xmlns:r="http://schemas.openxmlformats.org/officeDocument/2006/relationships" xmlns:p="http://schemas.openxmlformats.org/presentationml/2006/main" preserve="1">
+<p:sldLayout xmlns:a="http://schemas.openxmlformats.org/drawingml/2006/main" xmlns:r="http://schemas.openxmlformats.org/officeDocument/2006/relationships" xmlns:mc="http://schemas.openxmlformats.org/markup-compatibility/2006" xmlns:mv="urn:schemas-microsoft-com:mac:vml" xmlns:p="http://schemas.openxmlformats.org/presentationml/2006/main" mc:Ignorable="mv" mc:PreserveAttributes="mv:*" preserve="1">
   <p:cSld name="Impact Slide - Green">
     <p:bg>
       <p:bgPr>
@@ -11523,7 +11523,7 @@
 </file>
 
 <file path=ppt/slideLayouts/slideLayout45.xml><?xml version="1.0" encoding="utf-8"?>
-<p:sldLayout xmlns:a="http://schemas.openxmlformats.org/drawingml/2006/main" xmlns:r="http://schemas.openxmlformats.org/officeDocument/2006/relationships" xmlns:p="http://schemas.openxmlformats.org/presentationml/2006/main" preserve="1">
+<p:sldLayout xmlns:a="http://schemas.openxmlformats.org/drawingml/2006/main" xmlns:r="http://schemas.openxmlformats.org/officeDocument/2006/relationships" xmlns:mc="http://schemas.openxmlformats.org/markup-compatibility/2006" xmlns:mv="urn:schemas-microsoft-com:mac:vml" xmlns:p="http://schemas.openxmlformats.org/presentationml/2006/main" mc:Ignorable="mv" mc:PreserveAttributes="mv:*" preserve="1">
   <p:cSld name="Impact Slide - Orange">
     <p:bg>
       <p:bgPr>
@@ -11619,7 +11619,7 @@
 </file>
 
 <file path=ppt/slideLayouts/slideLayout46.xml><?xml version="1.0" encoding="utf-8"?>
-<p:sldLayout xmlns:a="http://schemas.openxmlformats.org/drawingml/2006/main" xmlns:r="http://schemas.openxmlformats.org/officeDocument/2006/relationships" xmlns:p="http://schemas.openxmlformats.org/presentationml/2006/main" preserve="1">
+<p:sldLayout xmlns:a="http://schemas.openxmlformats.org/drawingml/2006/main" xmlns:r="http://schemas.openxmlformats.org/officeDocument/2006/relationships" xmlns:mc="http://schemas.openxmlformats.org/markup-compatibility/2006" xmlns:mv="urn:schemas-microsoft-com:mac:vml" xmlns:p="http://schemas.openxmlformats.org/presentationml/2006/main" mc:Ignorable="mv" mc:PreserveAttributes="mv:*" preserve="1">
   <p:cSld name="Impact Slide - Pink">
     <p:bg>
       <p:bgPr>
@@ -11693,7 +11693,7 @@
 </file>
 
 <file path=ppt/slideLayouts/slideLayout47.xml><?xml version="1.0" encoding="utf-8"?>
-<p:sldLayout xmlns:a="http://schemas.openxmlformats.org/drawingml/2006/main" xmlns:r="http://schemas.openxmlformats.org/officeDocument/2006/relationships" xmlns:p="http://schemas.openxmlformats.org/presentationml/2006/main" preserve="1">
+<p:sldLayout xmlns:a="http://schemas.openxmlformats.org/drawingml/2006/main" xmlns:r="http://schemas.openxmlformats.org/officeDocument/2006/relationships" xmlns:mc="http://schemas.openxmlformats.org/markup-compatibility/2006" xmlns:mv="urn:schemas-microsoft-com:mac:vml" xmlns:p="http://schemas.openxmlformats.org/presentationml/2006/main" mc:Ignorable="mv" mc:PreserveAttributes="mv:*" preserve="1">
   <p:cSld name="Quote Slide - Neutral">
     <p:bg>
       <p:bgPr>
@@ -11853,7 +11853,7 @@
 </file>
 
 <file path=ppt/slideLayouts/slideLayout48.xml><?xml version="1.0" encoding="utf-8"?>
-<p:sldLayout xmlns:a="http://schemas.openxmlformats.org/drawingml/2006/main" xmlns:r="http://schemas.openxmlformats.org/officeDocument/2006/relationships" xmlns:p="http://schemas.openxmlformats.org/presentationml/2006/main" preserve="1">
+<p:sldLayout xmlns:a="http://schemas.openxmlformats.org/drawingml/2006/main" xmlns:r="http://schemas.openxmlformats.org/officeDocument/2006/relationships" xmlns:mc="http://schemas.openxmlformats.org/markup-compatibility/2006" xmlns:mv="urn:schemas-microsoft-com:mac:vml" xmlns:p="http://schemas.openxmlformats.org/presentationml/2006/main" mc:Ignorable="mv" mc:PreserveAttributes="mv:*" preserve="1">
   <p:cSld name="Quote Slide - Teal">
     <p:bg>
       <p:bgPr>
@@ -12007,7 +12007,7 @@
 </file>
 
 <file path=ppt/slideLayouts/slideLayout49.xml><?xml version="1.0" encoding="utf-8"?>
-<p:sldLayout xmlns:a="http://schemas.openxmlformats.org/drawingml/2006/main" xmlns:r="http://schemas.openxmlformats.org/officeDocument/2006/relationships" xmlns:p="http://schemas.openxmlformats.org/presentationml/2006/main" preserve="1">
+<p:sldLayout xmlns:a="http://schemas.openxmlformats.org/drawingml/2006/main" xmlns:r="http://schemas.openxmlformats.org/officeDocument/2006/relationships" xmlns:mc="http://schemas.openxmlformats.org/markup-compatibility/2006" xmlns:mv="urn:schemas-microsoft-com:mac:vml" xmlns:p="http://schemas.openxmlformats.org/presentationml/2006/main" mc:Ignorable="mv" mc:PreserveAttributes="mv:*" preserve="1">
   <p:cSld name="Quote Slide - Green">
     <p:bg>
       <p:bgPr>
@@ -12161,7 +12161,7 @@
 </file>
 
 <file path=ppt/slideLayouts/slideLayout5.xml><?xml version="1.0" encoding="utf-8"?>
-<p:sldLayout xmlns:a="http://schemas.openxmlformats.org/drawingml/2006/main" xmlns:r="http://schemas.openxmlformats.org/officeDocument/2006/relationships" xmlns:p="http://schemas.openxmlformats.org/presentationml/2006/main" type="twoTxTwoObj" preserve="1">
+<p:sldLayout xmlns:a="http://schemas.openxmlformats.org/drawingml/2006/main" xmlns:r="http://schemas.openxmlformats.org/officeDocument/2006/relationships" xmlns:mc="http://schemas.openxmlformats.org/markup-compatibility/2006" xmlns:mv="urn:schemas-microsoft-com:mac:vml" xmlns:p="http://schemas.openxmlformats.org/presentationml/2006/main" mc:Ignorable="mv" mc:PreserveAttributes="mv:*" type="twoTxTwoObj" preserve="1">
   <p:cSld name="Comparison">
     <p:spTree>
       <p:nvGrpSpPr>
@@ -12581,7 +12581,7 @@
 </file>
 
 <file path=ppt/slideLayouts/slideLayout50.xml><?xml version="1.0" encoding="utf-8"?>
-<p:sldLayout xmlns:a="http://schemas.openxmlformats.org/drawingml/2006/main" xmlns:r="http://schemas.openxmlformats.org/officeDocument/2006/relationships" xmlns:p="http://schemas.openxmlformats.org/presentationml/2006/main" preserve="1">
+<p:sldLayout xmlns:a="http://schemas.openxmlformats.org/drawingml/2006/main" xmlns:r="http://schemas.openxmlformats.org/officeDocument/2006/relationships" xmlns:mc="http://schemas.openxmlformats.org/markup-compatibility/2006" xmlns:mv="urn:schemas-microsoft-com:mac:vml" xmlns:p="http://schemas.openxmlformats.org/presentationml/2006/main" mc:Ignorable="mv" mc:PreserveAttributes="mv:*" preserve="1">
   <p:cSld name="Orange Quote Slide">
     <p:bg>
       <p:bgPr>
@@ -12735,7 +12735,7 @@
 </file>
 
 <file path=ppt/slideLayouts/slideLayout51.xml><?xml version="1.0" encoding="utf-8"?>
-<p:sldLayout xmlns:a="http://schemas.openxmlformats.org/drawingml/2006/main" xmlns:r="http://schemas.openxmlformats.org/officeDocument/2006/relationships" xmlns:p="http://schemas.openxmlformats.org/presentationml/2006/main" preserve="1">
+<p:sldLayout xmlns:a="http://schemas.openxmlformats.org/drawingml/2006/main" xmlns:r="http://schemas.openxmlformats.org/officeDocument/2006/relationships" xmlns:mc="http://schemas.openxmlformats.org/markup-compatibility/2006" xmlns:mv="urn:schemas-microsoft-com:mac:vml" xmlns:p="http://schemas.openxmlformats.org/presentationml/2006/main" mc:Ignorable="mv" mc:PreserveAttributes="mv:*" preserve="1">
   <p:cSld name="Quote Slide - Pink">
     <p:bg>
       <p:bgPr>
@@ -12889,7 +12889,7 @@
 </file>
 
 <file path=ppt/slideLayouts/slideLayout52.xml><?xml version="1.0" encoding="utf-8"?>
-<p:sldLayout xmlns:a="http://schemas.openxmlformats.org/drawingml/2006/main" xmlns:r="http://schemas.openxmlformats.org/officeDocument/2006/relationships" xmlns:p="http://schemas.openxmlformats.org/presentationml/2006/main" preserve="1">
+<p:sldLayout xmlns:a="http://schemas.openxmlformats.org/drawingml/2006/main" xmlns:r="http://schemas.openxmlformats.org/officeDocument/2006/relationships" xmlns:mc="http://schemas.openxmlformats.org/markup-compatibility/2006" xmlns:mv="urn:schemas-microsoft-com:mac:vml" xmlns:p="http://schemas.openxmlformats.org/presentationml/2006/main" mc:Ignorable="mv" mc:PreserveAttributes="mv:*" preserve="1">
   <p:cSld name="Thank You - Teal">
     <p:bg>
       <p:bgPr>
@@ -13021,7 +13021,7 @@
 </file>
 
 <file path=ppt/slideLayouts/slideLayout53.xml><?xml version="1.0" encoding="utf-8"?>
-<p:sldLayout xmlns:a="http://schemas.openxmlformats.org/drawingml/2006/main" xmlns:r="http://schemas.openxmlformats.org/officeDocument/2006/relationships" xmlns:p="http://schemas.openxmlformats.org/presentationml/2006/main" preserve="1">
+<p:sldLayout xmlns:a="http://schemas.openxmlformats.org/drawingml/2006/main" xmlns:r="http://schemas.openxmlformats.org/officeDocument/2006/relationships" xmlns:mc="http://schemas.openxmlformats.org/markup-compatibility/2006" xmlns:mv="urn:schemas-microsoft-com:mac:vml" xmlns:p="http://schemas.openxmlformats.org/presentationml/2006/main" mc:Ignorable="mv" mc:PreserveAttributes="mv:*" preserve="1">
   <p:cSld name="Thank You - Green">
     <p:bg>
       <p:bgPr>
@@ -13153,7 +13153,7 @@
 </file>
 
 <file path=ppt/slideLayouts/slideLayout54.xml><?xml version="1.0" encoding="utf-8"?>
-<p:sldLayout xmlns:a="http://schemas.openxmlformats.org/drawingml/2006/main" xmlns:r="http://schemas.openxmlformats.org/officeDocument/2006/relationships" xmlns:p="http://schemas.openxmlformats.org/presentationml/2006/main">
+<p:sldLayout xmlns:a="http://schemas.openxmlformats.org/drawingml/2006/main" xmlns:r="http://schemas.openxmlformats.org/officeDocument/2006/relationships" xmlns:mc="http://schemas.openxmlformats.org/markup-compatibility/2006" xmlns:mv="urn:schemas-microsoft-com:mac:vml" xmlns:p="http://schemas.openxmlformats.org/presentationml/2006/main" mc:Ignorable="mv" mc:PreserveAttributes="mv:*">
   <p:cSld name="Thank You - Orange">
     <p:bg>
       <p:bgPr>
@@ -13285,7 +13285,7 @@
 </file>
 
 <file path=ppt/slideLayouts/slideLayout55.xml><?xml version="1.0" encoding="utf-8"?>
-<p:sldLayout xmlns:a="http://schemas.openxmlformats.org/drawingml/2006/main" xmlns:r="http://schemas.openxmlformats.org/officeDocument/2006/relationships" xmlns:p="http://schemas.openxmlformats.org/presentationml/2006/main">
+<p:sldLayout xmlns:a="http://schemas.openxmlformats.org/drawingml/2006/main" xmlns:r="http://schemas.openxmlformats.org/officeDocument/2006/relationships" xmlns:mc="http://schemas.openxmlformats.org/markup-compatibility/2006" xmlns:mv="urn:schemas-microsoft-com:mac:vml" xmlns:p="http://schemas.openxmlformats.org/presentationml/2006/main" mc:Ignorable="mv" mc:PreserveAttributes="mv:*">
   <p:cSld name="Thank You - Pink">
     <p:bg>
       <p:bgPr>
@@ -13417,7 +13417,7 @@
 </file>
 
 <file path=ppt/slideLayouts/slideLayout56.xml><?xml version="1.0" encoding="utf-8"?>
-<p:sldLayout xmlns:a="http://schemas.openxmlformats.org/drawingml/2006/main" xmlns:r="http://schemas.openxmlformats.org/officeDocument/2006/relationships" xmlns:p="http://schemas.openxmlformats.org/presentationml/2006/main">
+<p:sldLayout xmlns:a="http://schemas.openxmlformats.org/drawingml/2006/main" xmlns:r="http://schemas.openxmlformats.org/officeDocument/2006/relationships" xmlns:mc="http://schemas.openxmlformats.org/markup-compatibility/2006" xmlns:mv="urn:schemas-microsoft-com:mac:vml" xmlns:p="http://schemas.openxmlformats.org/presentationml/2006/main" mc:Ignorable="mv" mc:PreserveAttributes="mv:*">
   <p:cSld name="Title">
     <p:spTree>
       <p:nvGrpSpPr>
@@ -13564,7 +13564,7 @@
 </file>
 
 <file path=ppt/slideLayouts/slideLayout57.xml><?xml version="1.0" encoding="utf-8"?>
-<p:sldLayout xmlns:a="http://schemas.openxmlformats.org/drawingml/2006/main" xmlns:r="http://schemas.openxmlformats.org/officeDocument/2006/relationships" xmlns:p="http://schemas.openxmlformats.org/presentationml/2006/main">
+<p:sldLayout xmlns:a="http://schemas.openxmlformats.org/drawingml/2006/main" xmlns:r="http://schemas.openxmlformats.org/officeDocument/2006/relationships" xmlns:mc="http://schemas.openxmlformats.org/markup-compatibility/2006" xmlns:mv="urn:schemas-microsoft-com:mac:vml" xmlns:p="http://schemas.openxmlformats.org/presentationml/2006/main" mc:Ignorable="mv" mc:PreserveAttributes="mv:*">
   <p:cSld name="Custom Layout">
     <p:spTree>
       <p:nvGrpSpPr>
@@ -13590,7 +13590,7 @@
 </file>
 
 <file path=ppt/slideLayouts/slideLayout6.xml><?xml version="1.0" encoding="utf-8"?>
-<p:sldLayout xmlns:a="http://schemas.openxmlformats.org/drawingml/2006/main" xmlns:r="http://schemas.openxmlformats.org/officeDocument/2006/relationships" xmlns:p="http://schemas.openxmlformats.org/presentationml/2006/main" type="titleOnly" preserve="1">
+<p:sldLayout xmlns:a="http://schemas.openxmlformats.org/drawingml/2006/main" xmlns:r="http://schemas.openxmlformats.org/officeDocument/2006/relationships" xmlns:mc="http://schemas.openxmlformats.org/markup-compatibility/2006" xmlns:mv="urn:schemas-microsoft-com:mac:vml" xmlns:p="http://schemas.openxmlformats.org/presentationml/2006/main" mc:Ignorable="mv" mc:PreserveAttributes="mv:*" type="titleOnly" preserve="1">
   <p:cSld name="Title Only">
     <p:spTree>
       <p:nvGrpSpPr>
@@ -13703,7 +13703,7 @@
 </file>
 
 <file path=ppt/slideLayouts/slideLayout7.xml><?xml version="1.0" encoding="utf-8"?>
-<p:sldLayout xmlns:a="http://schemas.openxmlformats.org/drawingml/2006/main" xmlns:r="http://schemas.openxmlformats.org/officeDocument/2006/relationships" xmlns:p="http://schemas.openxmlformats.org/presentationml/2006/main" type="blank" preserve="1">
+<p:sldLayout xmlns:a="http://schemas.openxmlformats.org/drawingml/2006/main" xmlns:r="http://schemas.openxmlformats.org/officeDocument/2006/relationships" xmlns:mc="http://schemas.openxmlformats.org/markup-compatibility/2006" xmlns:mv="urn:schemas-microsoft-com:mac:vml" xmlns:p="http://schemas.openxmlformats.org/presentationml/2006/main" mc:Ignorable="mv" mc:PreserveAttributes="mv:*" type="blank" preserve="1">
   <p:cSld name="Blank">
     <p:spTree>
       <p:nvGrpSpPr>
@@ -13794,7 +13794,7 @@
 </file>
 
 <file path=ppt/slideLayouts/slideLayout8.xml><?xml version="1.0" encoding="utf-8"?>
-<p:sldLayout xmlns:a="http://schemas.openxmlformats.org/drawingml/2006/main" xmlns:r="http://schemas.openxmlformats.org/officeDocument/2006/relationships" xmlns:p="http://schemas.openxmlformats.org/presentationml/2006/main" type="objTx" preserve="1">
+<p:sldLayout xmlns:a="http://schemas.openxmlformats.org/drawingml/2006/main" xmlns:r="http://schemas.openxmlformats.org/officeDocument/2006/relationships" xmlns:mc="http://schemas.openxmlformats.org/markup-compatibility/2006" xmlns:mv="urn:schemas-microsoft-com:mac:vml" xmlns:p="http://schemas.openxmlformats.org/presentationml/2006/main" mc:Ignorable="mv" mc:PreserveAttributes="mv:*" type="objTx" preserve="1">
   <p:cSld name="Content with Caption">
     <p:spTree>
       <p:nvGrpSpPr>
@@ -14065,7 +14065,7 @@
 </file>
 
 <file path=ppt/slideLayouts/slideLayout9.xml><?xml version="1.0" encoding="utf-8"?>
-<p:sldLayout xmlns:a="http://schemas.openxmlformats.org/drawingml/2006/main" xmlns:r="http://schemas.openxmlformats.org/officeDocument/2006/relationships" xmlns:p="http://schemas.openxmlformats.org/presentationml/2006/main" type="picTx" preserve="1">
+<p:sldLayout xmlns:a="http://schemas.openxmlformats.org/drawingml/2006/main" xmlns:r="http://schemas.openxmlformats.org/officeDocument/2006/relationships" xmlns:mc="http://schemas.openxmlformats.org/markup-compatibility/2006" xmlns:mv="urn:schemas-microsoft-com:mac:vml" xmlns:p="http://schemas.openxmlformats.org/presentationml/2006/main" mc:Ignorable="mv" mc:PreserveAttributes="mv:*" type="picTx" preserve="1">
   <p:cSld name="Picture with Caption">
     <p:spTree>
       <p:nvGrpSpPr>
@@ -14314,7 +14314,7 @@
 </file>
 
 <file path=ppt/slideMasters/slideMaster1.xml><?xml version="1.0" encoding="utf-8"?>
-<p:sldMaster xmlns:a="http://schemas.openxmlformats.org/drawingml/2006/main" xmlns:r="http://schemas.openxmlformats.org/officeDocument/2006/relationships" xmlns:p="http://schemas.openxmlformats.org/presentationml/2006/main" preserve="1">
+<p:sldMaster xmlns:a="http://schemas.openxmlformats.org/drawingml/2006/main" xmlns:r="http://schemas.openxmlformats.org/officeDocument/2006/relationships" xmlns:mc="http://schemas.openxmlformats.org/markup-compatibility/2006" xmlns:mv="urn:schemas-microsoft-com:mac:vml" xmlns:p="http://schemas.openxmlformats.org/presentationml/2006/main" mc:Ignorable="mv" mc:PreserveAttributes="mv:*" preserve="1">
   <p:cSld>
     <p:bg>
       <p:bgPr>
@@ -14642,7 +14642,7 @@
     <p:sldLayoutId id="2147483657" r:id="rId10"/>
     <p:sldLayoutId id="2147483656" r:id="rId11"/>
   </p:sldLayoutIdLst>
-  <p:transition xmlns:p14="http://schemas.microsoft.com/office/powerpoint/2010/main">
+  <p:transition>
     <p:fade/>
   </p:transition>
   <p:hf hdr="0" dt="0"/>
@@ -15045,7 +15045,7 @@
 </file>
 
 <file path=ppt/slideMasters/slideMaster2.xml><?xml version="1.0" encoding="utf-8"?>
-<p:sldMaster xmlns:a="http://schemas.openxmlformats.org/drawingml/2006/main" xmlns:r="http://schemas.openxmlformats.org/officeDocument/2006/relationships" xmlns:p="http://schemas.openxmlformats.org/presentationml/2006/main" preserve="1">
+<p:sldMaster xmlns:a="http://schemas.openxmlformats.org/drawingml/2006/main" xmlns:r="http://schemas.openxmlformats.org/officeDocument/2006/relationships" xmlns:mc="http://schemas.openxmlformats.org/markup-compatibility/2006" xmlns:mv="urn:schemas-microsoft-com:mac:vml" xmlns:p="http://schemas.openxmlformats.org/presentationml/2006/main" mc:Ignorable="mv" mc:PreserveAttributes="mv:*" preserve="1">
   <p:cSld>
     <p:bg>
       <p:bgPr>
@@ -15205,7 +15205,7 @@
     <p:sldLayoutId id="2147483678" r:id="rId10"/>
     <p:sldLayoutId id="2147483677" r:id="rId11"/>
   </p:sldLayoutIdLst>
-  <p:transition xmlns:p14="http://schemas.microsoft.com/office/powerpoint/2010/main" spd="med">
+  <p:transition spd="med">
     <p:fade/>
   </p:transition>
   <p:hf hdr="0" ftr="0" dt="0"/>
@@ -15643,7 +15643,7 @@
 </file>
 
 <file path=ppt/slideMasters/slideMaster3.xml><?xml version="1.0" encoding="utf-8"?>
-<p:sldMaster xmlns:a="http://schemas.openxmlformats.org/drawingml/2006/main" xmlns:r="http://schemas.openxmlformats.org/officeDocument/2006/relationships" xmlns:p="http://schemas.openxmlformats.org/presentationml/2006/main" preserve="1">
+<p:sldMaster xmlns:a="http://schemas.openxmlformats.org/drawingml/2006/main" xmlns:r="http://schemas.openxmlformats.org/officeDocument/2006/relationships" xmlns:mc="http://schemas.openxmlformats.org/markup-compatibility/2006" xmlns:mv="urn:schemas-microsoft-com:mac:vml" xmlns:p="http://schemas.openxmlformats.org/presentationml/2006/main" mc:Ignorable="mv" mc:PreserveAttributes="mv:*" preserve="1">
   <p:cSld>
     <p:bg>
       <p:bgPr>
@@ -15911,7 +15911,7 @@
     <p:sldLayoutId id="2147483689" r:id="rId10"/>
     <p:sldLayoutId id="2147483688" r:id="rId11"/>
   </p:sldLayoutIdLst>
-  <p:transition xmlns:p14="http://schemas.microsoft.com/office/powerpoint/2010/main" spd="med">
+  <p:transition spd="med">
     <p:fade/>
   </p:transition>
   <p:hf hdr="0" ftr="0" dt="0"/>
@@ -16349,7 +16349,7 @@
 </file>
 
 <file path=ppt/slideMasters/slideMaster4.xml><?xml version="1.0" encoding="utf-8"?>
-<p:sldMaster xmlns:a="http://schemas.openxmlformats.org/drawingml/2006/main" xmlns:r="http://schemas.openxmlformats.org/officeDocument/2006/relationships" xmlns:p="http://schemas.openxmlformats.org/presentationml/2006/main" preserve="1">
+<p:sldMaster xmlns:a="http://schemas.openxmlformats.org/drawingml/2006/main" xmlns:r="http://schemas.openxmlformats.org/officeDocument/2006/relationships" xmlns:mc="http://schemas.openxmlformats.org/markup-compatibility/2006" xmlns:mv="urn:schemas-microsoft-com:mac:vml" xmlns:p="http://schemas.openxmlformats.org/presentationml/2006/main" mc:Ignorable="mv" mc:PreserveAttributes="mv:*" preserve="1">
   <p:cSld>
     <p:bg>
       <p:bgPr>
@@ -16388,7 +16388,7 @@
   <p:timing>
     <p:tnLst>
       <p:par>
-        <p:cTn xmlns:p14="http://schemas.microsoft.com/office/powerpoint/2010/main" id="1" dur="indefinite" restart="never" nodeType="tmRoot"/>
+        <p:cTn id="1" dur="indefinite" restart="never" nodeType="tmRoot"/>
       </p:par>
     </p:tnLst>
   </p:timing>
@@ -16801,7 +16801,7 @@
 </file>
 
 <file path=ppt/slideMasters/slideMaster5.xml><?xml version="1.0" encoding="utf-8"?>
-<p:sldMaster xmlns:a="http://schemas.openxmlformats.org/drawingml/2006/main" xmlns:r="http://schemas.openxmlformats.org/officeDocument/2006/relationships" xmlns:p="http://schemas.openxmlformats.org/presentationml/2006/main">
+<p:sldMaster xmlns:a="http://schemas.openxmlformats.org/drawingml/2006/main" xmlns:r="http://schemas.openxmlformats.org/officeDocument/2006/relationships" xmlns:mc="http://schemas.openxmlformats.org/markup-compatibility/2006" xmlns:mv="urn:schemas-microsoft-com:mac:vml" xmlns:p="http://schemas.openxmlformats.org/presentationml/2006/main" mc:Ignorable="mv" mc:PreserveAttributes="mv:*">
   <p:cSld>
     <p:bg>
       <p:bgPr>
@@ -17466,7 +17466,7 @@
 </file>
 
 <file path=ppt/slides/slide1.xml><?xml version="1.0" encoding="utf-8"?>
-<p:sld xmlns:a="http://schemas.openxmlformats.org/drawingml/2006/main" xmlns:r="http://schemas.openxmlformats.org/officeDocument/2006/relationships" xmlns:p="http://schemas.openxmlformats.org/presentationml/2006/main">
+<p:sld xmlns:a="http://schemas.openxmlformats.org/drawingml/2006/main" xmlns:r="http://schemas.openxmlformats.org/officeDocument/2006/relationships" xmlns:mc="http://schemas.openxmlformats.org/markup-compatibility/2006" xmlns:mv="urn:schemas-microsoft-com:mac:vml" xmlns:p="http://schemas.openxmlformats.org/presentationml/2006/main" mc:Ignorable="mv" mc:PreserveAttributes="mv:*">
   <p:cSld>
     <p:spTree>
       <p:nvGrpSpPr>
@@ -17529,11 +17529,7 @@
           <a:p>
             <a:r>
               <a:rPr lang="en-US" dirty="0" smtClean="0"/>
-              <a:t>Brightcove </a:t>
-            </a:r>
-            <a:r>
-              <a:rPr lang="en-US" dirty="0" smtClean="0"/>
-              <a:t>Learning Services</a:t>
+              <a:t>Brightcove Learning Services</a:t>
             </a:r>
           </a:p>
           <a:p>
@@ -17553,11 +17549,11 @@
   <p:clrMapOvr>
     <a:masterClrMapping/>
   </p:clrMapOvr>
-  <p:transition xmlns:p14="http://schemas.microsoft.com/office/powerpoint/2010/main"/>
+  <p:transition/>
   <p:timing>
     <p:tnLst>
       <p:par>
-        <p:cTn xmlns:p14="http://schemas.microsoft.com/office/powerpoint/2010/main" id="1" dur="indefinite" restart="never" nodeType="tmRoot"/>
+        <p:cTn id="1" dur="indefinite" restart="never" nodeType="tmRoot"/>
       </p:par>
     </p:tnLst>
   </p:timing>
@@ -17565,7 +17561,7 @@
 </file>
 
 <file path=ppt/slides/slide10.xml><?xml version="1.0" encoding="utf-8"?>
-<p:sld xmlns:a="http://schemas.openxmlformats.org/drawingml/2006/main" xmlns:r="http://schemas.openxmlformats.org/officeDocument/2006/relationships" xmlns:p="http://schemas.openxmlformats.org/presentationml/2006/main">
+<p:sld xmlns:a="http://schemas.openxmlformats.org/drawingml/2006/main" xmlns:r="http://schemas.openxmlformats.org/officeDocument/2006/relationships" xmlns:mc="http://schemas.openxmlformats.org/markup-compatibility/2006" xmlns:mv="urn:schemas-microsoft-com:mac:vml" xmlns:p="http://schemas.openxmlformats.org/presentationml/2006/main" mc:Ignorable="mv" mc:PreserveAttributes="mv:*">
   <p:cSld>
     <p:spTree>
       <p:nvGrpSpPr>
@@ -18030,20 +18026,20 @@
     </p:spTree>
     <p:extLst>
       <p:ext uri="{BB962C8B-B14F-4D97-AF65-F5344CB8AC3E}">
-        <p14:creationId xmlns:p14="http://schemas.microsoft.com/office/powerpoint/2010/main" val="3131053448"/>
+        <p14:creationId xmlns:p14="http://schemas.microsoft.com/office/powerpoint/2010/main" xmlns:p="http://schemas.openxmlformats.org/presentationml/2006/main" xmlns:r="http://schemas.openxmlformats.org/officeDocument/2006/relationships" xmlns:a="http://schemas.openxmlformats.org/drawingml/2006/main" xmlns="" val="3131053448"/>
       </p:ext>
     </p:extLst>
   </p:cSld>
   <p:clrMapOvr>
     <a:masterClrMapping/>
   </p:clrMapOvr>
-  <p:transition xmlns:p14="http://schemas.microsoft.com/office/powerpoint/2010/main">
+  <p:transition>
     <p:fade/>
   </p:transition>
   <p:timing>
     <p:tnLst>
       <p:par>
-        <p:cTn xmlns:p14="http://schemas.microsoft.com/office/powerpoint/2010/main" id="1" dur="indefinite" restart="never" nodeType="tmRoot">
+        <p:cTn id="1" dur="indefinite" restart="never" nodeType="tmRoot">
           <p:childTnLst>
             <p:seq concurrent="1" nextAc="seek">
               <p:cTn id="2" dur="indefinite" nodeType="mainSeq">
@@ -18127,7 +18123,7 @@
 </file>
 
 <file path=ppt/slides/slide11.xml><?xml version="1.0" encoding="utf-8"?>
-<p:sld xmlns:a="http://schemas.openxmlformats.org/drawingml/2006/main" xmlns:r="http://schemas.openxmlformats.org/officeDocument/2006/relationships" xmlns:p="http://schemas.openxmlformats.org/presentationml/2006/main">
+<p:sld xmlns:a="http://schemas.openxmlformats.org/drawingml/2006/main" xmlns:r="http://schemas.openxmlformats.org/officeDocument/2006/relationships" xmlns:mc="http://schemas.openxmlformats.org/markup-compatibility/2006" xmlns:mv="urn:schemas-microsoft-com:mac:vml" xmlns:p="http://schemas.openxmlformats.org/presentationml/2006/main" mc:Ignorable="mv" mc:PreserveAttributes="mv:*">
   <p:cSld>
     <p:spTree>
       <p:nvGrpSpPr>
@@ -18509,20 +18505,20 @@
     </p:spTree>
     <p:extLst>
       <p:ext uri="{BB962C8B-B14F-4D97-AF65-F5344CB8AC3E}">
-        <p14:creationId xmlns:p14="http://schemas.microsoft.com/office/powerpoint/2010/main" val="340666680"/>
+        <p14:creationId xmlns:p14="http://schemas.microsoft.com/office/powerpoint/2010/main" xmlns:p="http://schemas.openxmlformats.org/presentationml/2006/main" xmlns:r="http://schemas.openxmlformats.org/officeDocument/2006/relationships" xmlns:a="http://schemas.openxmlformats.org/drawingml/2006/main" xmlns="" val="340666680"/>
       </p:ext>
     </p:extLst>
   </p:cSld>
   <p:clrMapOvr>
     <a:masterClrMapping/>
   </p:clrMapOvr>
-  <p:transition xmlns:p14="http://schemas.microsoft.com/office/powerpoint/2010/main">
+  <p:transition>
     <p:fade/>
   </p:transition>
   <p:timing>
     <p:tnLst>
       <p:par>
-        <p:cTn xmlns:p14="http://schemas.microsoft.com/office/powerpoint/2010/main" id="1" dur="indefinite" restart="never" nodeType="tmRoot"/>
+        <p:cTn id="1" dur="indefinite" restart="never" nodeType="tmRoot"/>
       </p:par>
     </p:tnLst>
   </p:timing>
@@ -18530,7 +18526,7 @@
 </file>
 
 <file path=ppt/slides/slide12.xml><?xml version="1.0" encoding="utf-8"?>
-<p:sld xmlns:a="http://schemas.openxmlformats.org/drawingml/2006/main" xmlns:r="http://schemas.openxmlformats.org/officeDocument/2006/relationships" xmlns:p="http://schemas.openxmlformats.org/presentationml/2006/main">
+<p:sld xmlns:a="http://schemas.openxmlformats.org/drawingml/2006/main" xmlns:r="http://schemas.openxmlformats.org/officeDocument/2006/relationships" xmlns:mc="http://schemas.openxmlformats.org/markup-compatibility/2006" xmlns:mv="urn:schemas-microsoft-com:mac:vml" xmlns:p="http://schemas.openxmlformats.org/presentationml/2006/main" mc:Ignorable="mv" mc:PreserveAttributes="mv:*">
   <p:cSld>
     <p:spTree>
       <p:nvGrpSpPr>
@@ -18788,20 +18784,20 @@
     </p:spTree>
     <p:extLst>
       <p:ext uri="{BB962C8B-B14F-4D97-AF65-F5344CB8AC3E}">
-        <p14:creationId xmlns:p14="http://schemas.microsoft.com/office/powerpoint/2010/main" val="978017774"/>
+        <p14:creationId xmlns:p14="http://schemas.microsoft.com/office/powerpoint/2010/main" xmlns:p="http://schemas.openxmlformats.org/presentationml/2006/main" xmlns:r="http://schemas.openxmlformats.org/officeDocument/2006/relationships" xmlns:a="http://schemas.openxmlformats.org/drawingml/2006/main" xmlns="" val="978017774"/>
       </p:ext>
     </p:extLst>
   </p:cSld>
   <p:clrMapOvr>
     <a:masterClrMapping/>
   </p:clrMapOvr>
-  <p:transition xmlns:p14="http://schemas.microsoft.com/office/powerpoint/2010/main">
+  <p:transition>
     <p:fade/>
   </p:transition>
   <p:timing>
     <p:tnLst>
       <p:par>
-        <p:cTn xmlns:p14="http://schemas.microsoft.com/office/powerpoint/2010/main" id="1" dur="indefinite" restart="never" nodeType="tmRoot"/>
+        <p:cTn id="1" dur="indefinite" restart="never" nodeType="tmRoot"/>
       </p:par>
     </p:tnLst>
   </p:timing>
@@ -18809,7 +18805,7 @@
 </file>
 
 <file path=ppt/slides/slide13.xml><?xml version="1.0" encoding="utf-8"?>
-<p:sld xmlns:a="http://schemas.openxmlformats.org/drawingml/2006/main" xmlns:r="http://schemas.openxmlformats.org/officeDocument/2006/relationships" xmlns:p="http://schemas.openxmlformats.org/presentationml/2006/main">
+<p:sld xmlns:a="http://schemas.openxmlformats.org/drawingml/2006/main" xmlns:r="http://schemas.openxmlformats.org/officeDocument/2006/relationships" xmlns:mc="http://schemas.openxmlformats.org/markup-compatibility/2006" xmlns:mv="urn:schemas-microsoft-com:mac:vml" xmlns:p="http://schemas.openxmlformats.org/presentationml/2006/main" mc:Ignorable="mv" mc:PreserveAttributes="mv:*">
   <p:cSld>
     <p:spTree>
       <p:nvGrpSpPr>
@@ -18908,18 +18904,18 @@
     </p:spTree>
     <p:extLst>
       <p:ext uri="{BB962C8B-B14F-4D97-AF65-F5344CB8AC3E}">
-        <p14:creationId xmlns:p14="http://schemas.microsoft.com/office/powerpoint/2010/main" val="2505870545"/>
+        <p14:creationId xmlns:p14="http://schemas.microsoft.com/office/powerpoint/2010/main" xmlns:p="http://schemas.openxmlformats.org/presentationml/2006/main" xmlns:r="http://schemas.openxmlformats.org/officeDocument/2006/relationships" xmlns:a="http://schemas.openxmlformats.org/drawingml/2006/main" xmlns="" val="2505870545"/>
       </p:ext>
     </p:extLst>
   </p:cSld>
   <p:clrMapOvr>
     <a:masterClrMapping/>
   </p:clrMapOvr>
-  <p:transition xmlns:p14="http://schemas.microsoft.com/office/powerpoint/2010/main"/>
+  <p:transition/>
   <p:timing>
     <p:tnLst>
       <p:par>
-        <p:cTn xmlns:p14="http://schemas.microsoft.com/office/powerpoint/2010/main" id="1" dur="indefinite" restart="never" nodeType="tmRoot"/>
+        <p:cTn id="1" dur="indefinite" restart="never" nodeType="tmRoot"/>
       </p:par>
     </p:tnLst>
   </p:timing>
@@ -18927,7 +18923,7 @@
 </file>
 
 <file path=ppt/slides/slide14.xml><?xml version="1.0" encoding="utf-8"?>
-<p:sld xmlns:a="http://schemas.openxmlformats.org/drawingml/2006/main" xmlns:r="http://schemas.openxmlformats.org/officeDocument/2006/relationships" xmlns:p="http://schemas.openxmlformats.org/presentationml/2006/main">
+<p:sld xmlns:a="http://schemas.openxmlformats.org/drawingml/2006/main" xmlns:r="http://schemas.openxmlformats.org/officeDocument/2006/relationships" xmlns:mc="http://schemas.openxmlformats.org/markup-compatibility/2006" xmlns:mv="urn:schemas-microsoft-com:mac:vml" xmlns:p="http://schemas.openxmlformats.org/presentationml/2006/main" mc:Ignorable="mv" mc:PreserveAttributes="mv:*">
   <p:cSld>
     <p:spTree>
       <p:nvGrpSpPr>
@@ -19116,20 +19112,20 @@
     </p:spTree>
     <p:extLst>
       <p:ext uri="{BB962C8B-B14F-4D97-AF65-F5344CB8AC3E}">
-        <p14:creationId xmlns:p14="http://schemas.microsoft.com/office/powerpoint/2010/main" val="1167839697"/>
+        <p14:creationId xmlns:p14="http://schemas.microsoft.com/office/powerpoint/2010/main" xmlns:p="http://schemas.openxmlformats.org/presentationml/2006/main" xmlns:r="http://schemas.openxmlformats.org/officeDocument/2006/relationships" xmlns:a="http://schemas.openxmlformats.org/drawingml/2006/main" xmlns="" val="1167839697"/>
       </p:ext>
     </p:extLst>
   </p:cSld>
   <p:clrMapOvr>
     <a:masterClrMapping/>
   </p:clrMapOvr>
-  <p:transition xmlns:p14="http://schemas.microsoft.com/office/powerpoint/2010/main">
+  <p:transition>
     <p:fade/>
   </p:transition>
   <p:timing>
     <p:tnLst>
       <p:par>
-        <p:cTn xmlns:p14="http://schemas.microsoft.com/office/powerpoint/2010/main" id="1" dur="indefinite" restart="never" nodeType="tmRoot">
+        <p:cTn id="1" dur="indefinite" restart="never" nodeType="tmRoot">
           <p:childTnLst>
             <p:seq concurrent="1" nextAc="seek">
               <p:cTn id="2" dur="indefinite" nodeType="mainSeq">
@@ -19560,7 +19556,7 @@
 </file>
 
 <file path=ppt/slides/slide15.xml><?xml version="1.0" encoding="utf-8"?>
-<p:sld xmlns:a="http://schemas.openxmlformats.org/drawingml/2006/main" xmlns:r="http://schemas.openxmlformats.org/officeDocument/2006/relationships" xmlns:p="http://schemas.openxmlformats.org/presentationml/2006/main">
+<p:sld xmlns:a="http://schemas.openxmlformats.org/drawingml/2006/main" xmlns:r="http://schemas.openxmlformats.org/officeDocument/2006/relationships" xmlns:mc="http://schemas.openxmlformats.org/markup-compatibility/2006" xmlns:mv="urn:schemas-microsoft-com:mac:vml" xmlns:p="http://schemas.openxmlformats.org/presentationml/2006/main" mc:Ignorable="mv" mc:PreserveAttributes="mv:*">
   <p:cSld>
     <p:spTree>
       <p:nvGrpSpPr>
@@ -19898,20 +19894,20 @@
     </p:spTree>
     <p:extLst>
       <p:ext uri="{BB962C8B-B14F-4D97-AF65-F5344CB8AC3E}">
-        <p14:creationId xmlns:p14="http://schemas.microsoft.com/office/powerpoint/2010/main" val="3274811437"/>
+        <p14:creationId xmlns:p14="http://schemas.microsoft.com/office/powerpoint/2010/main" xmlns:p="http://schemas.openxmlformats.org/presentationml/2006/main" xmlns:r="http://schemas.openxmlformats.org/officeDocument/2006/relationships" xmlns:a="http://schemas.openxmlformats.org/drawingml/2006/main" xmlns="" val="3274811437"/>
       </p:ext>
     </p:extLst>
   </p:cSld>
   <p:clrMapOvr>
     <a:masterClrMapping/>
   </p:clrMapOvr>
-  <p:transition xmlns:p14="http://schemas.microsoft.com/office/powerpoint/2010/main">
+  <p:transition>
     <p:fade/>
   </p:transition>
   <p:timing>
     <p:tnLst>
       <p:par>
-        <p:cTn xmlns:p14="http://schemas.microsoft.com/office/powerpoint/2010/main" id="1" dur="indefinite" restart="never" nodeType="tmRoot"/>
+        <p:cTn id="1" dur="indefinite" restart="never" nodeType="tmRoot"/>
       </p:par>
     </p:tnLst>
   </p:timing>
@@ -19919,7 +19915,7 @@
 </file>
 
 <file path=ppt/slides/slide16.xml><?xml version="1.0" encoding="utf-8"?>
-<p:sld xmlns:a="http://schemas.openxmlformats.org/drawingml/2006/main" xmlns:r="http://schemas.openxmlformats.org/officeDocument/2006/relationships" xmlns:p="http://schemas.openxmlformats.org/presentationml/2006/main">
+<p:sld xmlns:a="http://schemas.openxmlformats.org/drawingml/2006/main" xmlns:r="http://schemas.openxmlformats.org/officeDocument/2006/relationships" xmlns:mc="http://schemas.openxmlformats.org/markup-compatibility/2006" xmlns:mv="urn:schemas-microsoft-com:mac:vml" xmlns:p="http://schemas.openxmlformats.org/presentationml/2006/main" mc:Ignorable="mv" mc:PreserveAttributes="mv:*">
   <p:cSld>
     <p:spTree>
       <p:nvGrpSpPr>
@@ -20216,20 +20212,20 @@
     </p:spTree>
     <p:extLst>
       <p:ext uri="{BB962C8B-B14F-4D97-AF65-F5344CB8AC3E}">
-        <p14:creationId xmlns:p14="http://schemas.microsoft.com/office/powerpoint/2010/main" val="2148039127"/>
+        <p14:creationId xmlns:p14="http://schemas.microsoft.com/office/powerpoint/2010/main" xmlns:p="http://schemas.openxmlformats.org/presentationml/2006/main" xmlns:r="http://schemas.openxmlformats.org/officeDocument/2006/relationships" xmlns:a="http://schemas.openxmlformats.org/drawingml/2006/main" xmlns="" val="2148039127"/>
       </p:ext>
     </p:extLst>
   </p:cSld>
   <p:clrMapOvr>
     <a:masterClrMapping/>
   </p:clrMapOvr>
-  <p:transition xmlns:p14="http://schemas.microsoft.com/office/powerpoint/2010/main">
+  <p:transition>
     <p:fade/>
   </p:transition>
   <p:timing>
     <p:tnLst>
       <p:par>
-        <p:cTn xmlns:p14="http://schemas.microsoft.com/office/powerpoint/2010/main" id="1" dur="indefinite" restart="never" nodeType="tmRoot"/>
+        <p:cTn id="1" dur="indefinite" restart="never" nodeType="tmRoot"/>
       </p:par>
     </p:tnLst>
   </p:timing>
@@ -20237,7 +20233,7 @@
 </file>
 
 <file path=ppt/slides/slide17.xml><?xml version="1.0" encoding="utf-8"?>
-<p:sld xmlns:a="http://schemas.openxmlformats.org/drawingml/2006/main" xmlns:r="http://schemas.openxmlformats.org/officeDocument/2006/relationships" xmlns:p="http://schemas.openxmlformats.org/presentationml/2006/main">
+<p:sld xmlns:a="http://schemas.openxmlformats.org/drawingml/2006/main" xmlns:r="http://schemas.openxmlformats.org/officeDocument/2006/relationships" xmlns:mc="http://schemas.openxmlformats.org/markup-compatibility/2006" xmlns:mv="urn:schemas-microsoft-com:mac:vml" xmlns:p="http://schemas.openxmlformats.org/presentationml/2006/main" mc:Ignorable="mv" mc:PreserveAttributes="mv:*">
   <p:cSld>
     <p:spTree>
       <p:nvGrpSpPr>
@@ -20373,7 +20369,7 @@
     </p:spTree>
     <p:extLst>
       <p:ext uri="{BB962C8B-B14F-4D97-AF65-F5344CB8AC3E}">
-        <p14:creationId xmlns:p14="http://schemas.microsoft.com/office/powerpoint/2010/main" val="3613332092"/>
+        <p14:creationId xmlns:p14="http://schemas.microsoft.com/office/powerpoint/2010/main" xmlns:p="http://schemas.openxmlformats.org/presentationml/2006/main" xmlns:r="http://schemas.openxmlformats.org/officeDocument/2006/relationships" xmlns:a="http://schemas.openxmlformats.org/drawingml/2006/main" xmlns="" val="3613332092"/>
       </p:ext>
     </p:extLst>
   </p:cSld>
@@ -20383,7 +20379,7 @@
   <p:timing>
     <p:tnLst>
       <p:par>
-        <p:cTn xmlns:p14="http://schemas.microsoft.com/office/powerpoint/2010/main" id="1" dur="indefinite" restart="never" nodeType="tmRoot"/>
+        <p:cTn id="1" dur="indefinite" restart="never" nodeType="tmRoot"/>
       </p:par>
     </p:tnLst>
   </p:timing>
@@ -20391,7 +20387,7 @@
 </file>
 
 <file path=ppt/slides/slide18.xml><?xml version="1.0" encoding="utf-8"?>
-<p:sld xmlns:a="http://schemas.openxmlformats.org/drawingml/2006/main" xmlns:r="http://schemas.openxmlformats.org/officeDocument/2006/relationships" xmlns:p="http://schemas.openxmlformats.org/presentationml/2006/main">
+<p:sld xmlns:a="http://schemas.openxmlformats.org/drawingml/2006/main" xmlns:r="http://schemas.openxmlformats.org/officeDocument/2006/relationships" xmlns:mc="http://schemas.openxmlformats.org/markup-compatibility/2006" xmlns:mv="urn:schemas-microsoft-com:mac:vml" xmlns:p="http://schemas.openxmlformats.org/presentationml/2006/main" mc:Ignorable="mv" mc:PreserveAttributes="mv:*">
   <p:cSld>
     <p:spTree>
       <p:nvGrpSpPr>
@@ -20472,7 +20468,7 @@
           <p:nvPr>
             <p:extLst>
               <p:ext uri="{D42A27DB-BD31-4B8C-83A1-F6EECF244321}">
-                <p14:modId xmlns:p14="http://schemas.microsoft.com/office/powerpoint/2010/main" val="2215291216"/>
+                <p14:modId xmlns:p14="http://schemas.microsoft.com/office/powerpoint/2010/main" xmlns:p="http://schemas.openxmlformats.org/presentationml/2006/main" xmlns:r="http://schemas.openxmlformats.org/officeDocument/2006/relationships" xmlns:a="http://schemas.openxmlformats.org/drawingml/2006/main" xmlns="" val="2215291216"/>
               </p:ext>
             </p:extLst>
           </p:nvPr>
@@ -20930,7 +20926,7 @@
     </p:spTree>
     <p:extLst>
       <p:ext uri="{BB962C8B-B14F-4D97-AF65-F5344CB8AC3E}">
-        <p14:creationId xmlns:p14="http://schemas.microsoft.com/office/powerpoint/2010/main" val="2576030029"/>
+        <p14:creationId xmlns:p14="http://schemas.microsoft.com/office/powerpoint/2010/main" xmlns:p="http://schemas.openxmlformats.org/presentationml/2006/main" xmlns:r="http://schemas.openxmlformats.org/officeDocument/2006/relationships" xmlns:a="http://schemas.openxmlformats.org/drawingml/2006/main" xmlns="" val="2576030029"/>
       </p:ext>
     </p:extLst>
   </p:cSld>
@@ -20940,7 +20936,7 @@
   <p:timing>
     <p:tnLst>
       <p:par>
-        <p:cTn xmlns:p14="http://schemas.microsoft.com/office/powerpoint/2010/main" id="1" dur="indefinite" restart="never" nodeType="tmRoot"/>
+        <p:cTn id="1" dur="indefinite" restart="never" nodeType="tmRoot"/>
       </p:par>
     </p:tnLst>
   </p:timing>
@@ -20948,7 +20944,7 @@
 </file>
 
 <file path=ppt/slides/slide19.xml><?xml version="1.0" encoding="utf-8"?>
-<p:sld xmlns:a="http://schemas.openxmlformats.org/drawingml/2006/main" xmlns:r="http://schemas.openxmlformats.org/officeDocument/2006/relationships" xmlns:p="http://schemas.openxmlformats.org/presentationml/2006/main">
+<p:sld xmlns:a="http://schemas.openxmlformats.org/drawingml/2006/main" xmlns:r="http://schemas.openxmlformats.org/officeDocument/2006/relationships" xmlns:mc="http://schemas.openxmlformats.org/markup-compatibility/2006" xmlns:mv="urn:schemas-microsoft-com:mac:vml" xmlns:p="http://schemas.openxmlformats.org/presentationml/2006/main" mc:Ignorable="mv" mc:PreserveAttributes="mv:*">
   <p:cSld>
     <p:spTree>
       <p:nvGrpSpPr>
@@ -21171,7 +21167,7 @@
     </p:spTree>
     <p:extLst>
       <p:ext uri="{BB962C8B-B14F-4D97-AF65-F5344CB8AC3E}">
-        <p14:creationId xmlns:p14="http://schemas.microsoft.com/office/powerpoint/2010/main" val="3331036621"/>
+        <p14:creationId xmlns:p14="http://schemas.microsoft.com/office/powerpoint/2010/main" xmlns:p="http://schemas.openxmlformats.org/presentationml/2006/main" xmlns:r="http://schemas.openxmlformats.org/officeDocument/2006/relationships" xmlns:a="http://schemas.openxmlformats.org/drawingml/2006/main" xmlns="" val="3331036621"/>
       </p:ext>
     </p:extLst>
   </p:cSld>
@@ -21181,7 +21177,7 @@
   <p:timing>
     <p:tnLst>
       <p:par>
-        <p:cTn xmlns:p14="http://schemas.microsoft.com/office/powerpoint/2010/main" id="1" dur="indefinite" restart="never" nodeType="tmRoot"/>
+        <p:cTn id="1" dur="indefinite" restart="never" nodeType="tmRoot"/>
       </p:par>
     </p:tnLst>
   </p:timing>
@@ -21189,7 +21185,7 @@
 </file>
 
 <file path=ppt/slides/slide2.xml><?xml version="1.0" encoding="utf-8"?>
-<p:sld xmlns:a="http://schemas.openxmlformats.org/drawingml/2006/main" xmlns:r="http://schemas.openxmlformats.org/officeDocument/2006/relationships" xmlns:p="http://schemas.openxmlformats.org/presentationml/2006/main">
+<p:sld xmlns:a="http://schemas.openxmlformats.org/drawingml/2006/main" xmlns:r="http://schemas.openxmlformats.org/officeDocument/2006/relationships" xmlns:mc="http://schemas.openxmlformats.org/markup-compatibility/2006" xmlns:mv="urn:schemas-microsoft-com:mac:vml" xmlns:p="http://schemas.openxmlformats.org/presentationml/2006/main" mc:Ignorable="mv" mc:PreserveAttributes="mv:*">
   <p:cSld>
     <p:spTree>
       <p:nvGrpSpPr>
@@ -21285,7 +21281,7 @@
     </p:spTree>
     <p:extLst>
       <p:ext uri="{BB962C8B-B14F-4D97-AF65-F5344CB8AC3E}">
-        <p14:creationId xmlns:p14="http://schemas.microsoft.com/office/powerpoint/2010/main" val="2869714835"/>
+        <p14:creationId xmlns:p14="http://schemas.microsoft.com/office/powerpoint/2010/main" xmlns:p="http://schemas.openxmlformats.org/presentationml/2006/main" xmlns:r="http://schemas.openxmlformats.org/officeDocument/2006/relationships" xmlns:a="http://schemas.openxmlformats.org/drawingml/2006/main" xmlns="" val="2869714835"/>
       </p:ext>
     </p:extLst>
   </p:cSld>
@@ -21295,7 +21291,7 @@
   <p:timing>
     <p:tnLst>
       <p:par>
-        <p:cTn xmlns:p14="http://schemas.microsoft.com/office/powerpoint/2010/main" id="1" dur="indefinite" restart="never" nodeType="tmRoot"/>
+        <p:cTn id="1" dur="indefinite" restart="never" nodeType="tmRoot"/>
       </p:par>
     </p:tnLst>
   </p:timing>
@@ -21303,7 +21299,7 @@
 </file>
 
 <file path=ppt/slides/slide20.xml><?xml version="1.0" encoding="utf-8"?>
-<p:sld xmlns:a="http://schemas.openxmlformats.org/drawingml/2006/main" xmlns:r="http://schemas.openxmlformats.org/officeDocument/2006/relationships" xmlns:p="http://schemas.openxmlformats.org/presentationml/2006/main">
+<p:sld xmlns:a="http://schemas.openxmlformats.org/drawingml/2006/main" xmlns:r="http://schemas.openxmlformats.org/officeDocument/2006/relationships" xmlns:mc="http://schemas.openxmlformats.org/markup-compatibility/2006" xmlns:mv="urn:schemas-microsoft-com:mac:vml" xmlns:p="http://schemas.openxmlformats.org/presentationml/2006/main" mc:Ignorable="mv" mc:PreserveAttributes="mv:*">
   <p:cSld>
     <p:spTree>
       <p:nvGrpSpPr>
@@ -21467,20 +21463,20 @@
     </p:spTree>
     <p:extLst>
       <p:ext uri="{BB962C8B-B14F-4D97-AF65-F5344CB8AC3E}">
-        <p14:creationId xmlns:p14="http://schemas.microsoft.com/office/powerpoint/2010/main" val="2957574308"/>
+        <p14:creationId xmlns:p14="http://schemas.microsoft.com/office/powerpoint/2010/main" xmlns:p="http://schemas.openxmlformats.org/presentationml/2006/main" xmlns:r="http://schemas.openxmlformats.org/officeDocument/2006/relationships" xmlns:a="http://schemas.openxmlformats.org/drawingml/2006/main" xmlns="" val="2957574308"/>
       </p:ext>
     </p:extLst>
   </p:cSld>
   <p:clrMapOvr>
     <a:masterClrMapping/>
   </p:clrMapOvr>
-  <p:transition xmlns:p14="http://schemas.microsoft.com/office/powerpoint/2010/main">
+  <p:transition>
     <p:fade/>
   </p:transition>
   <p:timing>
     <p:tnLst>
       <p:par>
-        <p:cTn xmlns:p14="http://schemas.microsoft.com/office/powerpoint/2010/main" id="1" dur="indefinite" restart="never" nodeType="tmRoot"/>
+        <p:cTn id="1" dur="indefinite" restart="never" nodeType="tmRoot"/>
       </p:par>
     </p:tnLst>
   </p:timing>
@@ -21488,7 +21484,7 @@
 </file>
 
 <file path=ppt/slides/slide21.xml><?xml version="1.0" encoding="utf-8"?>
-<p:sld xmlns:a="http://schemas.openxmlformats.org/drawingml/2006/main" xmlns:r="http://schemas.openxmlformats.org/officeDocument/2006/relationships" xmlns:p="http://schemas.openxmlformats.org/presentationml/2006/main">
+<p:sld xmlns:a="http://schemas.openxmlformats.org/drawingml/2006/main" xmlns:r="http://schemas.openxmlformats.org/officeDocument/2006/relationships" xmlns:mc="http://schemas.openxmlformats.org/markup-compatibility/2006" xmlns:mv="urn:schemas-microsoft-com:mac:vml" xmlns:p="http://schemas.openxmlformats.org/presentationml/2006/main" mc:Ignorable="mv" mc:PreserveAttributes="mv:*">
   <p:cSld>
     <p:spTree>
       <p:nvGrpSpPr>
@@ -21632,7 +21628,7 @@
     </p:spTree>
     <p:extLst>
       <p:ext uri="{BB962C8B-B14F-4D97-AF65-F5344CB8AC3E}">
-        <p14:creationId xmlns:p14="http://schemas.microsoft.com/office/powerpoint/2010/main" val="1607893154"/>
+        <p14:creationId xmlns:p14="http://schemas.microsoft.com/office/powerpoint/2010/main" xmlns:p="http://schemas.openxmlformats.org/presentationml/2006/main" xmlns:r="http://schemas.openxmlformats.org/officeDocument/2006/relationships" xmlns:a="http://schemas.openxmlformats.org/drawingml/2006/main" xmlns="" val="1607893154"/>
       </p:ext>
     </p:extLst>
   </p:cSld>
@@ -21642,7 +21638,7 @@
   <p:timing>
     <p:tnLst>
       <p:par>
-        <p:cTn xmlns:p14="http://schemas.microsoft.com/office/powerpoint/2010/main" id="1" dur="indefinite" restart="never" nodeType="tmRoot"/>
+        <p:cTn id="1" dur="indefinite" restart="never" nodeType="tmRoot"/>
       </p:par>
     </p:tnLst>
   </p:timing>
@@ -21650,7 +21646,7 @@
 </file>
 
 <file path=ppt/slides/slide22.xml><?xml version="1.0" encoding="utf-8"?>
-<p:sld xmlns:a="http://schemas.openxmlformats.org/drawingml/2006/main" xmlns:r="http://schemas.openxmlformats.org/officeDocument/2006/relationships" xmlns:p="http://schemas.openxmlformats.org/presentationml/2006/main">
+<p:sld xmlns:a="http://schemas.openxmlformats.org/drawingml/2006/main" xmlns:r="http://schemas.openxmlformats.org/officeDocument/2006/relationships" xmlns:mc="http://schemas.openxmlformats.org/markup-compatibility/2006" xmlns:mv="urn:schemas-microsoft-com:mac:vml" xmlns:p="http://schemas.openxmlformats.org/presentationml/2006/main" mc:Ignorable="mv" mc:PreserveAttributes="mv:*">
   <p:cSld>
     <p:spTree>
       <p:nvGrpSpPr>
@@ -21754,7 +21750,7 @@
     </p:spTree>
     <p:extLst>
       <p:ext uri="{BB962C8B-B14F-4D97-AF65-F5344CB8AC3E}">
-        <p14:creationId xmlns:p14="http://schemas.microsoft.com/office/powerpoint/2010/main" val="3726280395"/>
+        <p14:creationId xmlns:p14="http://schemas.microsoft.com/office/powerpoint/2010/main" xmlns:p="http://schemas.openxmlformats.org/presentationml/2006/main" xmlns:r="http://schemas.openxmlformats.org/officeDocument/2006/relationships" xmlns:a="http://schemas.openxmlformats.org/drawingml/2006/main" xmlns="" val="3726280395"/>
       </p:ext>
     </p:extLst>
   </p:cSld>
@@ -21764,7 +21760,7 @@
   <p:timing>
     <p:tnLst>
       <p:par>
-        <p:cTn xmlns:p14="http://schemas.microsoft.com/office/powerpoint/2010/main" id="1" dur="indefinite" restart="never" nodeType="tmRoot"/>
+        <p:cTn id="1" dur="indefinite" restart="never" nodeType="tmRoot"/>
       </p:par>
     </p:tnLst>
   </p:timing>
@@ -21772,7 +21768,7 @@
 </file>
 
 <file path=ppt/slides/slide23.xml><?xml version="1.0" encoding="utf-8"?>
-<p:sld xmlns:a="http://schemas.openxmlformats.org/drawingml/2006/main" xmlns:r="http://schemas.openxmlformats.org/officeDocument/2006/relationships" xmlns:p="http://schemas.openxmlformats.org/presentationml/2006/main">
+<p:sld xmlns:a="http://schemas.openxmlformats.org/drawingml/2006/main" xmlns:r="http://schemas.openxmlformats.org/officeDocument/2006/relationships" xmlns:mc="http://schemas.openxmlformats.org/markup-compatibility/2006" xmlns:mv="urn:schemas-microsoft-com:mac:vml" xmlns:p="http://schemas.openxmlformats.org/presentationml/2006/main" mc:Ignorable="mv" mc:PreserveAttributes="mv:*">
   <p:cSld>
     <p:spTree>
       <p:nvGrpSpPr>
@@ -21890,7 +21886,7 @@
     </p:spTree>
     <p:extLst>
       <p:ext uri="{BB962C8B-B14F-4D97-AF65-F5344CB8AC3E}">
-        <p14:creationId xmlns:p14="http://schemas.microsoft.com/office/powerpoint/2010/main" val="671441746"/>
+        <p14:creationId xmlns:p14="http://schemas.microsoft.com/office/powerpoint/2010/main" xmlns:p="http://schemas.openxmlformats.org/presentationml/2006/main" xmlns:r="http://schemas.openxmlformats.org/officeDocument/2006/relationships" xmlns:a="http://schemas.openxmlformats.org/drawingml/2006/main" xmlns="" val="671441746"/>
       </p:ext>
     </p:extLst>
   </p:cSld>
@@ -21900,7 +21896,7 @@
   <p:timing>
     <p:tnLst>
       <p:par>
-        <p:cTn xmlns:p14="http://schemas.microsoft.com/office/powerpoint/2010/main" id="1" dur="indefinite" restart="never" nodeType="tmRoot"/>
+        <p:cTn id="1" dur="indefinite" restart="never" nodeType="tmRoot"/>
       </p:par>
     </p:tnLst>
   </p:timing>
@@ -21908,7 +21904,7 @@
 </file>
 
 <file path=ppt/slides/slide24.xml><?xml version="1.0" encoding="utf-8"?>
-<p:sld xmlns:a="http://schemas.openxmlformats.org/drawingml/2006/main" xmlns:r="http://schemas.openxmlformats.org/officeDocument/2006/relationships" xmlns:p="http://schemas.openxmlformats.org/presentationml/2006/main">
+<p:sld xmlns:a="http://schemas.openxmlformats.org/drawingml/2006/main" xmlns:r="http://schemas.openxmlformats.org/officeDocument/2006/relationships" xmlns:mc="http://schemas.openxmlformats.org/markup-compatibility/2006" xmlns:mv="urn:schemas-microsoft-com:mac:vml" xmlns:p="http://schemas.openxmlformats.org/presentationml/2006/main" mc:Ignorable="mv" mc:PreserveAttributes="mv:*">
   <p:cSld>
     <p:spTree>
       <p:nvGrpSpPr>
@@ -22027,7 +22023,7 @@
     </p:spTree>
     <p:extLst>
       <p:ext uri="{BB962C8B-B14F-4D97-AF65-F5344CB8AC3E}">
-        <p14:creationId xmlns:p14="http://schemas.microsoft.com/office/powerpoint/2010/main" val="352947980"/>
+        <p14:creationId xmlns:p14="http://schemas.microsoft.com/office/powerpoint/2010/main" xmlns:p="http://schemas.openxmlformats.org/presentationml/2006/main" xmlns:r="http://schemas.openxmlformats.org/officeDocument/2006/relationships" xmlns:a="http://schemas.openxmlformats.org/drawingml/2006/main" xmlns="" val="352947980"/>
       </p:ext>
     </p:extLst>
   </p:cSld>
@@ -22037,7 +22033,7 @@
   <p:timing>
     <p:tnLst>
       <p:par>
-        <p:cTn xmlns:p14="http://schemas.microsoft.com/office/powerpoint/2010/main" id="1" dur="indefinite" restart="never" nodeType="tmRoot"/>
+        <p:cTn id="1" dur="indefinite" restart="never" nodeType="tmRoot"/>
       </p:par>
     </p:tnLst>
   </p:timing>
@@ -22045,7 +22041,7 @@
 </file>
 
 <file path=ppt/slides/slide25.xml><?xml version="1.0" encoding="utf-8"?>
-<p:sld xmlns:a="http://schemas.openxmlformats.org/drawingml/2006/main" xmlns:r="http://schemas.openxmlformats.org/officeDocument/2006/relationships" xmlns:p="http://schemas.openxmlformats.org/presentationml/2006/main">
+<p:sld xmlns:a="http://schemas.openxmlformats.org/drawingml/2006/main" xmlns:r="http://schemas.openxmlformats.org/officeDocument/2006/relationships" xmlns:mc="http://schemas.openxmlformats.org/markup-compatibility/2006" xmlns:mv="urn:schemas-microsoft-com:mac:vml" xmlns:p="http://schemas.openxmlformats.org/presentationml/2006/main" mc:Ignorable="mv" mc:PreserveAttributes="mv:*">
   <p:cSld>
     <p:spTree>
       <p:nvGrpSpPr>
@@ -22236,7 +22232,7 @@
     </p:spTree>
     <p:extLst>
       <p:ext uri="{BB962C8B-B14F-4D97-AF65-F5344CB8AC3E}">
-        <p14:creationId xmlns:p14="http://schemas.microsoft.com/office/powerpoint/2010/main" val="3388362697"/>
+        <p14:creationId xmlns:p14="http://schemas.microsoft.com/office/powerpoint/2010/main" xmlns:p="http://schemas.openxmlformats.org/presentationml/2006/main" xmlns:r="http://schemas.openxmlformats.org/officeDocument/2006/relationships" xmlns:a="http://schemas.openxmlformats.org/drawingml/2006/main" xmlns="" val="3388362697"/>
       </p:ext>
     </p:extLst>
   </p:cSld>
@@ -22246,7 +22242,7 @@
   <p:timing>
     <p:tnLst>
       <p:par>
-        <p:cTn xmlns:p14="http://schemas.microsoft.com/office/powerpoint/2010/main" id="1" dur="indefinite" restart="never" nodeType="tmRoot"/>
+        <p:cTn id="1" dur="indefinite" restart="never" nodeType="tmRoot"/>
       </p:par>
     </p:tnLst>
   </p:timing>
@@ -22254,7 +22250,7 @@
 </file>
 
 <file path=ppt/slides/slide26.xml><?xml version="1.0" encoding="utf-8"?>
-<p:sld xmlns:a="http://schemas.openxmlformats.org/drawingml/2006/main" xmlns:r="http://schemas.openxmlformats.org/officeDocument/2006/relationships" xmlns:p="http://schemas.openxmlformats.org/presentationml/2006/main">
+<p:sld xmlns:a="http://schemas.openxmlformats.org/drawingml/2006/main" xmlns:r="http://schemas.openxmlformats.org/officeDocument/2006/relationships" xmlns:mc="http://schemas.openxmlformats.org/markup-compatibility/2006" xmlns:mv="urn:schemas-microsoft-com:mac:vml" xmlns:p="http://schemas.openxmlformats.org/presentationml/2006/main" mc:Ignorable="mv" mc:PreserveAttributes="mv:*">
   <p:cSld>
     <p:spTree>
       <p:nvGrpSpPr>
@@ -22353,7 +22349,7 @@
     </p:spTree>
     <p:extLst>
       <p:ext uri="{BB962C8B-B14F-4D97-AF65-F5344CB8AC3E}">
-        <p14:creationId xmlns:p14="http://schemas.microsoft.com/office/powerpoint/2010/main" val="2722111879"/>
+        <p14:creationId xmlns:p14="http://schemas.microsoft.com/office/powerpoint/2010/main" xmlns:p="http://schemas.openxmlformats.org/presentationml/2006/main" xmlns:r="http://schemas.openxmlformats.org/officeDocument/2006/relationships" xmlns:a="http://schemas.openxmlformats.org/drawingml/2006/main" xmlns="" val="2722111879"/>
       </p:ext>
     </p:extLst>
   </p:cSld>
@@ -22363,7 +22359,7 @@
   <p:timing>
     <p:tnLst>
       <p:par>
-        <p:cTn xmlns:p14="http://schemas.microsoft.com/office/powerpoint/2010/main" id="1" dur="indefinite" restart="never" nodeType="tmRoot"/>
+        <p:cTn id="1" dur="indefinite" restart="never" nodeType="tmRoot"/>
       </p:par>
     </p:tnLst>
   </p:timing>
@@ -22371,7 +22367,7 @@
 </file>
 
 <file path=ppt/slides/slide27.xml><?xml version="1.0" encoding="utf-8"?>
-<p:sld xmlns:a="http://schemas.openxmlformats.org/drawingml/2006/main" xmlns:r="http://schemas.openxmlformats.org/officeDocument/2006/relationships" xmlns:p="http://schemas.openxmlformats.org/presentationml/2006/main">
+<p:sld xmlns:a="http://schemas.openxmlformats.org/drawingml/2006/main" xmlns:r="http://schemas.openxmlformats.org/officeDocument/2006/relationships" xmlns:mc="http://schemas.openxmlformats.org/markup-compatibility/2006" xmlns:mv="urn:schemas-microsoft-com:mac:vml" xmlns:p="http://schemas.openxmlformats.org/presentationml/2006/main" mc:Ignorable="mv" mc:PreserveAttributes="mv:*">
   <p:cSld>
     <p:spTree>
       <p:nvGrpSpPr>
@@ -23958,20 +23954,20 @@
     </p:spTree>
     <p:extLst>
       <p:ext uri="{BB962C8B-B14F-4D97-AF65-F5344CB8AC3E}">
-        <p14:creationId xmlns:p14="http://schemas.microsoft.com/office/powerpoint/2010/main" val="3299098867"/>
+        <p14:creationId xmlns:p14="http://schemas.microsoft.com/office/powerpoint/2010/main" xmlns:p="http://schemas.openxmlformats.org/presentationml/2006/main" xmlns:r="http://schemas.openxmlformats.org/officeDocument/2006/relationships" xmlns:a="http://schemas.openxmlformats.org/drawingml/2006/main" xmlns="" val="3299098867"/>
       </p:ext>
     </p:extLst>
   </p:cSld>
   <p:clrMapOvr>
     <a:masterClrMapping/>
   </p:clrMapOvr>
-  <p:transition xmlns:p14="http://schemas.microsoft.com/office/powerpoint/2010/main">
+  <p:transition>
     <p:fade/>
   </p:transition>
   <p:timing>
     <p:tnLst>
       <p:par>
-        <p:cTn xmlns:p14="http://schemas.microsoft.com/office/powerpoint/2010/main" id="1" dur="indefinite" restart="never" nodeType="tmRoot"/>
+        <p:cTn id="1" dur="indefinite" restart="never" nodeType="tmRoot"/>
       </p:par>
     </p:tnLst>
   </p:timing>
@@ -23979,7 +23975,7 @@
 </file>
 
 <file path=ppt/slides/slide28.xml><?xml version="1.0" encoding="utf-8"?>
-<p:sld xmlns:a="http://schemas.openxmlformats.org/drawingml/2006/main" xmlns:r="http://schemas.openxmlformats.org/officeDocument/2006/relationships" xmlns:p="http://schemas.openxmlformats.org/presentationml/2006/main">
+<p:sld xmlns:a="http://schemas.openxmlformats.org/drawingml/2006/main" xmlns:r="http://schemas.openxmlformats.org/officeDocument/2006/relationships" xmlns:mc="http://schemas.openxmlformats.org/markup-compatibility/2006" xmlns:mv="urn:schemas-microsoft-com:mac:vml" xmlns:p="http://schemas.openxmlformats.org/presentationml/2006/main" mc:Ignorable="mv" mc:PreserveAttributes="mv:*">
   <p:cSld>
     <p:spTree>
       <p:nvGrpSpPr>
@@ -24076,18 +24072,18 @@
     </p:spTree>
     <p:extLst>
       <p:ext uri="{BB962C8B-B14F-4D97-AF65-F5344CB8AC3E}">
-        <p14:creationId xmlns:p14="http://schemas.microsoft.com/office/powerpoint/2010/main" val="1466906648"/>
+        <p14:creationId xmlns:p14="http://schemas.microsoft.com/office/powerpoint/2010/main" xmlns:p="http://schemas.openxmlformats.org/presentationml/2006/main" xmlns:r="http://schemas.openxmlformats.org/officeDocument/2006/relationships" xmlns:a="http://schemas.openxmlformats.org/drawingml/2006/main" xmlns="" val="1466906648"/>
       </p:ext>
     </p:extLst>
   </p:cSld>
   <p:clrMapOvr>
     <a:masterClrMapping/>
   </p:clrMapOvr>
-  <p:transition xmlns:p14="http://schemas.microsoft.com/office/powerpoint/2010/main"/>
+  <p:transition/>
   <p:timing>
     <p:tnLst>
       <p:par>
-        <p:cTn xmlns:p14="http://schemas.microsoft.com/office/powerpoint/2010/main" id="1" dur="indefinite" restart="never" nodeType="tmRoot"/>
+        <p:cTn id="1" dur="indefinite" restart="never" nodeType="tmRoot"/>
       </p:par>
     </p:tnLst>
   </p:timing>
@@ -24095,7 +24091,7 @@
 </file>
 
 <file path=ppt/slides/slide29.xml><?xml version="1.0" encoding="utf-8"?>
-<p:sld xmlns:a="http://schemas.openxmlformats.org/drawingml/2006/main" xmlns:r="http://schemas.openxmlformats.org/officeDocument/2006/relationships" xmlns:p="http://schemas.openxmlformats.org/presentationml/2006/main">
+<p:sld xmlns:a="http://schemas.openxmlformats.org/drawingml/2006/main" xmlns:r="http://schemas.openxmlformats.org/officeDocument/2006/relationships" xmlns:mc="http://schemas.openxmlformats.org/markup-compatibility/2006" xmlns:mv="urn:schemas-microsoft-com:mac:vml" xmlns:p="http://schemas.openxmlformats.org/presentationml/2006/main" mc:Ignorable="mv" mc:PreserveAttributes="mv:*">
   <p:cSld>
     <p:spTree>
       <p:nvGrpSpPr>
@@ -24174,7 +24170,7 @@
     </p:spTree>
     <p:extLst>
       <p:ext uri="{BB962C8B-B14F-4D97-AF65-F5344CB8AC3E}">
-        <p14:creationId xmlns:p14="http://schemas.microsoft.com/office/powerpoint/2010/main" val="4283777533"/>
+        <p14:creationId xmlns:p14="http://schemas.microsoft.com/office/powerpoint/2010/main" xmlns:p="http://schemas.openxmlformats.org/presentationml/2006/main" xmlns:r="http://schemas.openxmlformats.org/officeDocument/2006/relationships" xmlns:a="http://schemas.openxmlformats.org/drawingml/2006/main" xmlns="" val="4283777533"/>
       </p:ext>
     </p:extLst>
   </p:cSld>
@@ -24184,7 +24180,7 @@
   <p:timing>
     <p:tnLst>
       <p:par>
-        <p:cTn xmlns:p14="http://schemas.microsoft.com/office/powerpoint/2010/main" id="1" dur="indefinite" restart="never" nodeType="tmRoot"/>
+        <p:cTn id="1" dur="indefinite" restart="never" nodeType="tmRoot"/>
       </p:par>
     </p:tnLst>
   </p:timing>
@@ -24192,7 +24188,7 @@
 </file>
 
 <file path=ppt/slides/slide3.xml><?xml version="1.0" encoding="utf-8"?>
-<p:sld xmlns:a="http://schemas.openxmlformats.org/drawingml/2006/main" xmlns:r="http://schemas.openxmlformats.org/officeDocument/2006/relationships" xmlns:p="http://schemas.openxmlformats.org/presentationml/2006/main">
+<p:sld xmlns:a="http://schemas.openxmlformats.org/drawingml/2006/main" xmlns:r="http://schemas.openxmlformats.org/officeDocument/2006/relationships" xmlns:mc="http://schemas.openxmlformats.org/markup-compatibility/2006" xmlns:mv="urn:schemas-microsoft-com:mac:vml" xmlns:p="http://schemas.openxmlformats.org/presentationml/2006/main" mc:Ignorable="mv" mc:PreserveAttributes="mv:*">
   <p:cSld>
     <p:spTree>
       <p:nvGrpSpPr>
@@ -24287,20 +24283,20 @@
     </p:spTree>
     <p:extLst>
       <p:ext uri="{BB962C8B-B14F-4D97-AF65-F5344CB8AC3E}">
-        <p14:creationId xmlns:p14="http://schemas.microsoft.com/office/powerpoint/2010/main" val="4294007137"/>
+        <p14:creationId xmlns:p14="http://schemas.microsoft.com/office/powerpoint/2010/main" xmlns:p="http://schemas.openxmlformats.org/presentationml/2006/main" xmlns:r="http://schemas.openxmlformats.org/officeDocument/2006/relationships" xmlns:a="http://schemas.openxmlformats.org/drawingml/2006/main" xmlns="" val="4294007137"/>
       </p:ext>
     </p:extLst>
   </p:cSld>
   <p:clrMapOvr>
     <a:masterClrMapping/>
   </p:clrMapOvr>
-  <p:transition xmlns:p14="http://schemas.microsoft.com/office/powerpoint/2010/main">
+  <p:transition>
     <p:fade/>
   </p:transition>
   <p:timing>
     <p:tnLst>
       <p:par>
-        <p:cTn xmlns:p14="http://schemas.microsoft.com/office/powerpoint/2010/main" id="1" dur="indefinite" restart="never" nodeType="tmRoot"/>
+        <p:cTn id="1" dur="indefinite" restart="never" nodeType="tmRoot"/>
       </p:par>
     </p:tnLst>
   </p:timing>
@@ -24308,7 +24304,7 @@
 </file>
 
 <file path=ppt/slides/slide30.xml><?xml version="1.0" encoding="utf-8"?>
-<p:sld xmlns:a="http://schemas.openxmlformats.org/drawingml/2006/main" xmlns:r="http://schemas.openxmlformats.org/officeDocument/2006/relationships" xmlns:p="http://schemas.openxmlformats.org/presentationml/2006/main">
+<p:sld xmlns:a="http://schemas.openxmlformats.org/drawingml/2006/main" xmlns:r="http://schemas.openxmlformats.org/officeDocument/2006/relationships" xmlns:mc="http://schemas.openxmlformats.org/markup-compatibility/2006" xmlns:mv="urn:schemas-microsoft-com:mac:vml" xmlns:p="http://schemas.openxmlformats.org/presentationml/2006/main" mc:Ignorable="mv" mc:PreserveAttributes="mv:*">
   <p:cSld>
     <p:spTree>
       <p:nvGrpSpPr>
@@ -24393,7 +24389,7 @@
     </p:spTree>
     <p:extLst>
       <p:ext uri="{BB962C8B-B14F-4D97-AF65-F5344CB8AC3E}">
-        <p14:creationId xmlns:p14="http://schemas.microsoft.com/office/powerpoint/2010/main" val="3235456975"/>
+        <p14:creationId xmlns:p14="http://schemas.microsoft.com/office/powerpoint/2010/main" xmlns:p="http://schemas.openxmlformats.org/presentationml/2006/main" xmlns:r="http://schemas.openxmlformats.org/officeDocument/2006/relationships" xmlns:a="http://schemas.openxmlformats.org/drawingml/2006/main" xmlns="" val="3235456975"/>
       </p:ext>
     </p:extLst>
   </p:cSld>
@@ -24403,7 +24399,7 @@
   <p:timing>
     <p:tnLst>
       <p:par>
-        <p:cTn xmlns:p14="http://schemas.microsoft.com/office/powerpoint/2010/main" id="1" dur="indefinite" restart="never" nodeType="tmRoot"/>
+        <p:cTn id="1" dur="indefinite" restart="never" nodeType="tmRoot"/>
       </p:par>
     </p:tnLst>
   </p:timing>
@@ -24411,7 +24407,7 @@
 </file>
 
 <file path=ppt/slides/slide31.xml><?xml version="1.0" encoding="utf-8"?>
-<p:sld xmlns:a="http://schemas.openxmlformats.org/drawingml/2006/main" xmlns:r="http://schemas.openxmlformats.org/officeDocument/2006/relationships" xmlns:p="http://schemas.openxmlformats.org/presentationml/2006/main">
+<p:sld xmlns:a="http://schemas.openxmlformats.org/drawingml/2006/main" xmlns:r="http://schemas.openxmlformats.org/officeDocument/2006/relationships" xmlns:mc="http://schemas.openxmlformats.org/markup-compatibility/2006" xmlns:mv="urn:schemas-microsoft-com:mac:vml" xmlns:p="http://schemas.openxmlformats.org/presentationml/2006/main" mc:Ignorable="mv" mc:PreserveAttributes="mv:*">
   <p:cSld>
     <p:spTree>
       <p:nvGrpSpPr>
@@ -24840,7 +24836,7 @@
     </p:spTree>
     <p:extLst>
       <p:ext uri="{BB962C8B-B14F-4D97-AF65-F5344CB8AC3E}">
-        <p14:creationId xmlns:p14="http://schemas.microsoft.com/office/powerpoint/2010/main" val="4285049171"/>
+        <p14:creationId xmlns:p14="http://schemas.microsoft.com/office/powerpoint/2010/main" xmlns:p="http://schemas.openxmlformats.org/presentationml/2006/main" xmlns:r="http://schemas.openxmlformats.org/officeDocument/2006/relationships" xmlns:a="http://schemas.openxmlformats.org/drawingml/2006/main" xmlns="" val="4285049171"/>
       </p:ext>
     </p:extLst>
   </p:cSld>
@@ -24850,7 +24846,7 @@
   <p:timing>
     <p:tnLst>
       <p:par>
-        <p:cTn xmlns:p14="http://schemas.microsoft.com/office/powerpoint/2010/main" id="1" dur="indefinite" restart="never" nodeType="tmRoot"/>
+        <p:cTn id="1" dur="indefinite" restart="never" nodeType="tmRoot"/>
       </p:par>
     </p:tnLst>
   </p:timing>
@@ -24858,7 +24854,7 @@
 </file>
 
 <file path=ppt/slides/slide32.xml><?xml version="1.0" encoding="utf-8"?>
-<p:sld xmlns:a="http://schemas.openxmlformats.org/drawingml/2006/main" xmlns:r="http://schemas.openxmlformats.org/officeDocument/2006/relationships" xmlns:p="http://schemas.openxmlformats.org/presentationml/2006/main">
+<p:sld xmlns:a="http://schemas.openxmlformats.org/drawingml/2006/main" xmlns:r="http://schemas.openxmlformats.org/officeDocument/2006/relationships" xmlns:mc="http://schemas.openxmlformats.org/markup-compatibility/2006" xmlns:mv="urn:schemas-microsoft-com:mac:vml" xmlns:p="http://schemas.openxmlformats.org/presentationml/2006/main" mc:Ignorable="mv" mc:PreserveAttributes="mv:*">
   <p:cSld>
     <p:spTree>
       <p:nvGrpSpPr>
@@ -24955,18 +24951,18 @@
     </p:spTree>
     <p:extLst>
       <p:ext uri="{BB962C8B-B14F-4D97-AF65-F5344CB8AC3E}">
-        <p14:creationId xmlns:p14="http://schemas.microsoft.com/office/powerpoint/2010/main" val="2577458539"/>
+        <p14:creationId xmlns:p14="http://schemas.microsoft.com/office/powerpoint/2010/main" xmlns:p="http://schemas.openxmlformats.org/presentationml/2006/main" xmlns:r="http://schemas.openxmlformats.org/officeDocument/2006/relationships" xmlns:a="http://schemas.openxmlformats.org/drawingml/2006/main" xmlns="" val="2577458539"/>
       </p:ext>
     </p:extLst>
   </p:cSld>
   <p:clrMapOvr>
     <a:masterClrMapping/>
   </p:clrMapOvr>
-  <p:transition xmlns:p14="http://schemas.microsoft.com/office/powerpoint/2010/main"/>
+  <p:transition/>
   <p:timing>
     <p:tnLst>
       <p:par>
-        <p:cTn xmlns:p14="http://schemas.microsoft.com/office/powerpoint/2010/main" id="1" dur="indefinite" restart="never" nodeType="tmRoot"/>
+        <p:cTn id="1" dur="indefinite" restart="never" nodeType="tmRoot"/>
       </p:par>
     </p:tnLst>
   </p:timing>
@@ -24974,7 +24970,7 @@
 </file>
 
 <file path=ppt/slides/slide33.xml><?xml version="1.0" encoding="utf-8"?>
-<p:sld xmlns:a="http://schemas.openxmlformats.org/drawingml/2006/main" xmlns:r="http://schemas.openxmlformats.org/officeDocument/2006/relationships" xmlns:p="http://schemas.openxmlformats.org/presentationml/2006/main">
+<p:sld xmlns:a="http://schemas.openxmlformats.org/drawingml/2006/main" xmlns:r="http://schemas.openxmlformats.org/officeDocument/2006/relationships" xmlns:mc="http://schemas.openxmlformats.org/markup-compatibility/2006" xmlns:mv="urn:schemas-microsoft-com:mac:vml" xmlns:p="http://schemas.openxmlformats.org/presentationml/2006/main" mc:Ignorable="mv" mc:PreserveAttributes="mv:*">
   <p:cSld>
     <p:spTree>
       <p:nvGrpSpPr>
@@ -25016,7 +25012,7 @@
     </p:spTree>
     <p:extLst>
       <p:ext uri="{BB962C8B-B14F-4D97-AF65-F5344CB8AC3E}">
-        <p14:creationId xmlns:p14="http://schemas.microsoft.com/office/powerpoint/2010/main" val="2316399078"/>
+        <p14:creationId xmlns:p14="http://schemas.microsoft.com/office/powerpoint/2010/main" xmlns:p="http://schemas.openxmlformats.org/presentationml/2006/main" xmlns:r="http://schemas.openxmlformats.org/officeDocument/2006/relationships" xmlns:a="http://schemas.openxmlformats.org/drawingml/2006/main" xmlns="" val="2316399078"/>
       </p:ext>
     </p:extLst>
   </p:cSld>
@@ -25026,7 +25022,7 @@
   <p:timing>
     <p:tnLst>
       <p:par>
-        <p:cTn xmlns:p14="http://schemas.microsoft.com/office/powerpoint/2010/main" id="1" dur="indefinite" restart="never" nodeType="tmRoot"/>
+        <p:cTn id="1" dur="indefinite" restart="never" nodeType="tmRoot"/>
       </p:par>
     </p:tnLst>
   </p:timing>
@@ -25034,7 +25030,7 @@
 </file>
 
 <file path=ppt/slides/slide34.xml><?xml version="1.0" encoding="utf-8"?>
-<p:sld xmlns:a="http://schemas.openxmlformats.org/drawingml/2006/main" xmlns:r="http://schemas.openxmlformats.org/officeDocument/2006/relationships" xmlns:p="http://schemas.openxmlformats.org/presentationml/2006/main">
+<p:sld xmlns:a="http://schemas.openxmlformats.org/drawingml/2006/main" xmlns:r="http://schemas.openxmlformats.org/officeDocument/2006/relationships" xmlns:mc="http://schemas.openxmlformats.org/markup-compatibility/2006" xmlns:mv="urn:schemas-microsoft-com:mac:vml" xmlns:p="http://schemas.openxmlformats.org/presentationml/2006/main" mc:Ignorable="mv" mc:PreserveAttributes="mv:*">
   <p:cSld>
     <p:spTree>
       <p:nvGrpSpPr>
@@ -25271,20 +25267,20 @@
     </p:spTree>
     <p:extLst>
       <p:ext uri="{BB962C8B-B14F-4D97-AF65-F5344CB8AC3E}">
-        <p14:creationId xmlns:p14="http://schemas.microsoft.com/office/powerpoint/2010/main" val="1654265014"/>
+        <p14:creationId xmlns:p14="http://schemas.microsoft.com/office/powerpoint/2010/main" xmlns:p="http://schemas.openxmlformats.org/presentationml/2006/main" xmlns:r="http://schemas.openxmlformats.org/officeDocument/2006/relationships" xmlns:a="http://schemas.openxmlformats.org/drawingml/2006/main" xmlns="" val="1654265014"/>
       </p:ext>
     </p:extLst>
   </p:cSld>
   <p:clrMapOvr>
     <a:masterClrMapping/>
   </p:clrMapOvr>
-  <p:transition xmlns:p14="http://schemas.microsoft.com/office/powerpoint/2010/main">
+  <p:transition>
     <p:fade/>
   </p:transition>
   <p:timing>
     <p:tnLst>
       <p:par>
-        <p:cTn xmlns:p14="http://schemas.microsoft.com/office/powerpoint/2010/main" id="1" dur="indefinite" restart="never" nodeType="tmRoot"/>
+        <p:cTn id="1" dur="indefinite" restart="never" nodeType="tmRoot"/>
       </p:par>
     </p:tnLst>
   </p:timing>
@@ -25292,7 +25288,7 @@
 </file>
 
 <file path=ppt/slides/slide35.xml><?xml version="1.0" encoding="utf-8"?>
-<p:sld xmlns:a="http://schemas.openxmlformats.org/drawingml/2006/main" xmlns:r="http://schemas.openxmlformats.org/officeDocument/2006/relationships" xmlns:p="http://schemas.openxmlformats.org/presentationml/2006/main">
+<p:sld xmlns:a="http://schemas.openxmlformats.org/drawingml/2006/main" xmlns:r="http://schemas.openxmlformats.org/officeDocument/2006/relationships" xmlns:mc="http://schemas.openxmlformats.org/markup-compatibility/2006" xmlns:mv="urn:schemas-microsoft-com:mac:vml" xmlns:p="http://schemas.openxmlformats.org/presentationml/2006/main" mc:Ignorable="mv" mc:PreserveAttributes="mv:*">
   <p:cSld>
     <p:spTree>
       <p:nvGrpSpPr>
@@ -25398,18 +25394,18 @@
     </p:spTree>
     <p:extLst>
       <p:ext uri="{BB962C8B-B14F-4D97-AF65-F5344CB8AC3E}">
-        <p14:creationId xmlns:p14="http://schemas.microsoft.com/office/powerpoint/2010/main" val="3893710786"/>
+        <p14:creationId xmlns:p14="http://schemas.microsoft.com/office/powerpoint/2010/main" xmlns:p="http://schemas.openxmlformats.org/presentationml/2006/main" xmlns:r="http://schemas.openxmlformats.org/officeDocument/2006/relationships" xmlns:a="http://schemas.openxmlformats.org/drawingml/2006/main" xmlns="" val="3893710786"/>
       </p:ext>
     </p:extLst>
   </p:cSld>
   <p:clrMapOvr>
     <a:masterClrMapping/>
   </p:clrMapOvr>
-  <p:transition xmlns:p14="http://schemas.microsoft.com/office/powerpoint/2010/main"/>
+  <p:transition/>
   <p:timing>
     <p:tnLst>
       <p:par>
-        <p:cTn xmlns:p14="http://schemas.microsoft.com/office/powerpoint/2010/main" id="1" dur="indefinite" restart="never" nodeType="tmRoot"/>
+        <p:cTn id="1" dur="indefinite" restart="never" nodeType="tmRoot"/>
       </p:par>
     </p:tnLst>
   </p:timing>
@@ -25417,7 +25413,7 @@
 </file>
 
 <file path=ppt/slides/slide36.xml><?xml version="1.0" encoding="utf-8"?>
-<p:sld xmlns:a="http://schemas.openxmlformats.org/drawingml/2006/main" xmlns:r="http://schemas.openxmlformats.org/officeDocument/2006/relationships" xmlns:p="http://schemas.openxmlformats.org/presentationml/2006/main">
+<p:sld xmlns:a="http://schemas.openxmlformats.org/drawingml/2006/main" xmlns:r="http://schemas.openxmlformats.org/officeDocument/2006/relationships" xmlns:mc="http://schemas.openxmlformats.org/markup-compatibility/2006" xmlns:mv="urn:schemas-microsoft-com:mac:vml" xmlns:p="http://schemas.openxmlformats.org/presentationml/2006/main" mc:Ignorable="mv" mc:PreserveAttributes="mv:*">
   <p:cSld>
     <p:spTree>
       <p:nvGrpSpPr>
@@ -25516,18 +25512,18 @@
     </p:spTree>
     <p:extLst>
       <p:ext uri="{BB962C8B-B14F-4D97-AF65-F5344CB8AC3E}">
-        <p14:creationId xmlns:p14="http://schemas.microsoft.com/office/powerpoint/2010/main" val="233310597"/>
+        <p14:creationId xmlns:p14="http://schemas.microsoft.com/office/powerpoint/2010/main" xmlns:p="http://schemas.openxmlformats.org/presentationml/2006/main" xmlns:r="http://schemas.openxmlformats.org/officeDocument/2006/relationships" xmlns:a="http://schemas.openxmlformats.org/drawingml/2006/main" xmlns="" val="233310597"/>
       </p:ext>
     </p:extLst>
   </p:cSld>
   <p:clrMapOvr>
     <a:masterClrMapping/>
   </p:clrMapOvr>
-  <p:transition xmlns:p14="http://schemas.microsoft.com/office/powerpoint/2010/main"/>
+  <p:transition/>
   <p:timing>
     <p:tnLst>
       <p:par>
-        <p:cTn xmlns:p14="http://schemas.microsoft.com/office/powerpoint/2010/main" id="1" dur="indefinite" restart="never" nodeType="tmRoot"/>
+        <p:cTn id="1" dur="indefinite" restart="never" nodeType="tmRoot"/>
       </p:par>
     </p:tnLst>
   </p:timing>
@@ -25535,7 +25531,7 @@
 </file>
 
 <file path=ppt/slides/slide37.xml><?xml version="1.0" encoding="utf-8"?>
-<p:sld xmlns:a="http://schemas.openxmlformats.org/drawingml/2006/main" xmlns:r="http://schemas.openxmlformats.org/officeDocument/2006/relationships" xmlns:p="http://schemas.openxmlformats.org/presentationml/2006/main">
+<p:sld xmlns:a="http://schemas.openxmlformats.org/drawingml/2006/main" xmlns:r="http://schemas.openxmlformats.org/officeDocument/2006/relationships" xmlns:mc="http://schemas.openxmlformats.org/markup-compatibility/2006" xmlns:mv="urn:schemas-microsoft-com:mac:vml" xmlns:p="http://schemas.openxmlformats.org/presentationml/2006/main" mc:Ignorable="mv" mc:PreserveAttributes="mv:*">
   <p:cSld>
     <p:spTree>
       <p:nvGrpSpPr>
@@ -25772,20 +25768,20 @@
     </p:spTree>
     <p:extLst>
       <p:ext uri="{BB962C8B-B14F-4D97-AF65-F5344CB8AC3E}">
-        <p14:creationId xmlns:p14="http://schemas.microsoft.com/office/powerpoint/2010/main" val="2623901188"/>
+        <p14:creationId xmlns:p14="http://schemas.microsoft.com/office/powerpoint/2010/main" xmlns:p="http://schemas.openxmlformats.org/presentationml/2006/main" xmlns:r="http://schemas.openxmlformats.org/officeDocument/2006/relationships" xmlns:a="http://schemas.openxmlformats.org/drawingml/2006/main" xmlns="" val="2623901188"/>
       </p:ext>
     </p:extLst>
   </p:cSld>
   <p:clrMapOvr>
     <a:masterClrMapping/>
   </p:clrMapOvr>
-  <p:transition xmlns:p14="http://schemas.microsoft.com/office/powerpoint/2010/main">
+  <p:transition>
     <p:fade/>
   </p:transition>
   <p:timing>
     <p:tnLst>
       <p:par>
-        <p:cTn xmlns:p14="http://schemas.microsoft.com/office/powerpoint/2010/main" id="1" dur="indefinite" restart="never" nodeType="tmRoot">
+        <p:cTn id="1" dur="indefinite" restart="never" nodeType="tmRoot">
           <p:childTnLst>
             <p:seq concurrent="1" nextAc="seek">
               <p:cTn id="2" dur="indefinite" nodeType="mainSeq">
@@ -26149,7 +26145,7 @@
 </file>
 
 <file path=ppt/slides/slide38.xml><?xml version="1.0" encoding="utf-8"?>
-<p:sld xmlns:a="http://schemas.openxmlformats.org/drawingml/2006/main" xmlns:r="http://schemas.openxmlformats.org/officeDocument/2006/relationships" xmlns:p="http://schemas.openxmlformats.org/presentationml/2006/main">
+<p:sld xmlns:a="http://schemas.openxmlformats.org/drawingml/2006/main" xmlns:r="http://schemas.openxmlformats.org/officeDocument/2006/relationships" xmlns:mc="http://schemas.openxmlformats.org/markup-compatibility/2006" xmlns:mv="urn:schemas-microsoft-com:mac:vml" xmlns:p="http://schemas.openxmlformats.org/presentationml/2006/main" mc:Ignorable="mv" mc:PreserveAttributes="mv:*">
   <p:cSld>
     <p:spTree>
       <p:nvGrpSpPr>
@@ -26469,20 +26465,20 @@
     </p:spTree>
     <p:extLst>
       <p:ext uri="{BB962C8B-B14F-4D97-AF65-F5344CB8AC3E}">
-        <p14:creationId xmlns:p14="http://schemas.microsoft.com/office/powerpoint/2010/main" val="1601013714"/>
+        <p14:creationId xmlns:p14="http://schemas.microsoft.com/office/powerpoint/2010/main" xmlns:p="http://schemas.openxmlformats.org/presentationml/2006/main" xmlns:r="http://schemas.openxmlformats.org/officeDocument/2006/relationships" xmlns:a="http://schemas.openxmlformats.org/drawingml/2006/main" xmlns="" val="1601013714"/>
       </p:ext>
     </p:extLst>
   </p:cSld>
   <p:clrMapOvr>
     <a:masterClrMapping/>
   </p:clrMapOvr>
-  <p:transition xmlns:p14="http://schemas.microsoft.com/office/powerpoint/2010/main">
+  <p:transition>
     <p:fade/>
   </p:transition>
   <p:timing>
     <p:tnLst>
       <p:par>
-        <p:cTn xmlns:p14="http://schemas.microsoft.com/office/powerpoint/2010/main" id="1" dur="indefinite" restart="never" nodeType="tmRoot"/>
+        <p:cTn id="1" dur="indefinite" restart="never" nodeType="tmRoot"/>
       </p:par>
     </p:tnLst>
   </p:timing>
@@ -26490,7 +26486,7 @@
 </file>
 
 <file path=ppt/slides/slide39.xml><?xml version="1.0" encoding="utf-8"?>
-<p:sld xmlns:a="http://schemas.openxmlformats.org/drawingml/2006/main" xmlns:r="http://schemas.openxmlformats.org/officeDocument/2006/relationships" xmlns:p="http://schemas.openxmlformats.org/presentationml/2006/main">
+<p:sld xmlns:a="http://schemas.openxmlformats.org/drawingml/2006/main" xmlns:r="http://schemas.openxmlformats.org/officeDocument/2006/relationships" xmlns:mc="http://schemas.openxmlformats.org/markup-compatibility/2006" xmlns:mv="urn:schemas-microsoft-com:mac:vml" xmlns:p="http://schemas.openxmlformats.org/presentationml/2006/main" mc:Ignorable="mv" mc:PreserveAttributes="mv:*">
   <p:cSld>
     <p:spTree>
       <p:nvGrpSpPr>
@@ -26739,20 +26735,20 @@
     </p:spTree>
     <p:extLst>
       <p:ext uri="{BB962C8B-B14F-4D97-AF65-F5344CB8AC3E}">
-        <p14:creationId xmlns:p14="http://schemas.microsoft.com/office/powerpoint/2010/main" val="1741432607"/>
+        <p14:creationId xmlns:p14="http://schemas.microsoft.com/office/powerpoint/2010/main" xmlns:p="http://schemas.openxmlformats.org/presentationml/2006/main" xmlns:r="http://schemas.openxmlformats.org/officeDocument/2006/relationships" xmlns:a="http://schemas.openxmlformats.org/drawingml/2006/main" xmlns="" val="1741432607"/>
       </p:ext>
     </p:extLst>
   </p:cSld>
   <p:clrMapOvr>
     <a:masterClrMapping/>
   </p:clrMapOvr>
-  <p:transition xmlns:p14="http://schemas.microsoft.com/office/powerpoint/2010/main">
+  <p:transition>
     <p:fade/>
   </p:transition>
   <p:timing>
     <p:tnLst>
       <p:par>
-        <p:cTn xmlns:p14="http://schemas.microsoft.com/office/powerpoint/2010/main" id="1" dur="indefinite" restart="never" nodeType="tmRoot"/>
+        <p:cTn id="1" dur="indefinite" restart="never" nodeType="tmRoot"/>
       </p:par>
     </p:tnLst>
   </p:timing>
@@ -26760,7 +26756,7 @@
 </file>
 
 <file path=ppt/slides/slide4.xml><?xml version="1.0" encoding="utf-8"?>
-<p:sld xmlns:a="http://schemas.openxmlformats.org/drawingml/2006/main" xmlns:r="http://schemas.openxmlformats.org/officeDocument/2006/relationships" xmlns:p="http://schemas.openxmlformats.org/presentationml/2006/main">
+<p:sld xmlns:a="http://schemas.openxmlformats.org/drawingml/2006/main" xmlns:r="http://schemas.openxmlformats.org/officeDocument/2006/relationships" xmlns:mc="http://schemas.openxmlformats.org/markup-compatibility/2006" xmlns:mv="urn:schemas-microsoft-com:mac:vml" xmlns:p="http://schemas.openxmlformats.org/presentationml/2006/main" mc:Ignorable="mv" mc:PreserveAttributes="mv:*">
   <p:cSld>
     <p:spTree>
       <p:nvGrpSpPr>
@@ -26891,7 +26887,7 @@
   <p:timing>
     <p:tnLst>
       <p:par>
-        <p:cTn xmlns:p14="http://schemas.microsoft.com/office/powerpoint/2010/main" id="1" dur="indefinite" restart="never" nodeType="tmRoot"/>
+        <p:cTn id="1" dur="indefinite" restart="never" nodeType="tmRoot"/>
       </p:par>
     </p:tnLst>
   </p:timing>
@@ -26899,7 +26895,7 @@
 </file>
 
 <file path=ppt/slides/slide40.xml><?xml version="1.0" encoding="utf-8"?>
-<p:sld xmlns:a="http://schemas.openxmlformats.org/drawingml/2006/main" xmlns:r="http://schemas.openxmlformats.org/officeDocument/2006/relationships" xmlns:p="http://schemas.openxmlformats.org/presentationml/2006/main">
+<p:sld xmlns:a="http://schemas.openxmlformats.org/drawingml/2006/main" xmlns:r="http://schemas.openxmlformats.org/officeDocument/2006/relationships" xmlns:mc="http://schemas.openxmlformats.org/markup-compatibility/2006" xmlns:mv="urn:schemas-microsoft-com:mac:vml" xmlns:p="http://schemas.openxmlformats.org/presentationml/2006/main" mc:Ignorable="mv" mc:PreserveAttributes="mv:*">
   <p:cSld>
     <p:spTree>
       <p:nvGrpSpPr>
@@ -26985,7 +26981,7 @@
     </p:spTree>
     <p:extLst>
       <p:ext uri="{BB962C8B-B14F-4D97-AF65-F5344CB8AC3E}">
-        <p14:creationId xmlns:p14="http://schemas.microsoft.com/office/powerpoint/2010/main" val="3281303299"/>
+        <p14:creationId xmlns:p14="http://schemas.microsoft.com/office/powerpoint/2010/main" xmlns:p="http://schemas.openxmlformats.org/presentationml/2006/main" xmlns:r="http://schemas.openxmlformats.org/officeDocument/2006/relationships" xmlns:a="http://schemas.openxmlformats.org/drawingml/2006/main" xmlns="" val="3281303299"/>
       </p:ext>
     </p:extLst>
   </p:cSld>
@@ -26995,7 +26991,7 @@
   <p:timing>
     <p:tnLst>
       <p:par>
-        <p:cTn xmlns:p14="http://schemas.microsoft.com/office/powerpoint/2010/main" id="1" dur="indefinite" restart="never" nodeType="tmRoot"/>
+        <p:cTn id="1" dur="indefinite" restart="never" nodeType="tmRoot"/>
       </p:par>
     </p:tnLst>
   </p:timing>
@@ -27003,7 +26999,7 @@
 </file>
 
 <file path=ppt/slides/slide41.xml><?xml version="1.0" encoding="utf-8"?>
-<p:sld xmlns:a="http://schemas.openxmlformats.org/drawingml/2006/main" xmlns:r="http://schemas.openxmlformats.org/officeDocument/2006/relationships" xmlns:p="http://schemas.openxmlformats.org/presentationml/2006/main">
+<p:sld xmlns:a="http://schemas.openxmlformats.org/drawingml/2006/main" xmlns:r="http://schemas.openxmlformats.org/officeDocument/2006/relationships" xmlns:mc="http://schemas.openxmlformats.org/markup-compatibility/2006" xmlns:mv="urn:schemas-microsoft-com:mac:vml" xmlns:p="http://schemas.openxmlformats.org/presentationml/2006/main" mc:Ignorable="mv" mc:PreserveAttributes="mv:*">
   <p:cSld>
     <p:spTree>
       <p:nvGrpSpPr>
@@ -27256,7 +27252,7 @@
     </p:spTree>
     <p:extLst>
       <p:ext uri="{BB962C8B-B14F-4D97-AF65-F5344CB8AC3E}">
-        <p14:creationId xmlns:p14="http://schemas.microsoft.com/office/powerpoint/2010/main" val="2240129033"/>
+        <p14:creationId xmlns:p14="http://schemas.microsoft.com/office/powerpoint/2010/main" xmlns:p="http://schemas.openxmlformats.org/presentationml/2006/main" xmlns:r="http://schemas.openxmlformats.org/officeDocument/2006/relationships" xmlns:a="http://schemas.openxmlformats.org/drawingml/2006/main" xmlns="" val="2240129033"/>
       </p:ext>
     </p:extLst>
   </p:cSld>
@@ -27266,7 +27262,7 @@
   <p:timing>
     <p:tnLst>
       <p:par>
-        <p:cTn xmlns:p14="http://schemas.microsoft.com/office/powerpoint/2010/main" id="1" dur="indefinite" restart="never" nodeType="tmRoot"/>
+        <p:cTn id="1" dur="indefinite" restart="never" nodeType="tmRoot"/>
       </p:par>
     </p:tnLst>
   </p:timing>
@@ -27274,7 +27270,7 @@
 </file>
 
 <file path=ppt/slides/slide42.xml><?xml version="1.0" encoding="utf-8"?>
-<p:sld xmlns:a="http://schemas.openxmlformats.org/drawingml/2006/main" xmlns:r="http://schemas.openxmlformats.org/officeDocument/2006/relationships" xmlns:p="http://schemas.openxmlformats.org/presentationml/2006/main">
+<p:sld xmlns:a="http://schemas.openxmlformats.org/drawingml/2006/main" xmlns:r="http://schemas.openxmlformats.org/officeDocument/2006/relationships" xmlns:mc="http://schemas.openxmlformats.org/markup-compatibility/2006" xmlns:mv="urn:schemas-microsoft-com:mac:vml" xmlns:p="http://schemas.openxmlformats.org/presentationml/2006/main" mc:Ignorable="mv" mc:PreserveAttributes="mv:*">
   <p:cSld>
     <p:spTree>
       <p:nvGrpSpPr>
@@ -27504,7 +27500,7 @@
     </p:spTree>
     <p:extLst>
       <p:ext uri="{BB962C8B-B14F-4D97-AF65-F5344CB8AC3E}">
-        <p14:creationId xmlns:p14="http://schemas.microsoft.com/office/powerpoint/2010/main" val="397773997"/>
+        <p14:creationId xmlns:p14="http://schemas.microsoft.com/office/powerpoint/2010/main" xmlns:p="http://schemas.openxmlformats.org/presentationml/2006/main" xmlns:r="http://schemas.openxmlformats.org/officeDocument/2006/relationships" xmlns:a="http://schemas.openxmlformats.org/drawingml/2006/main" xmlns="" val="397773997"/>
       </p:ext>
     </p:extLst>
   </p:cSld>
@@ -27514,7 +27510,7 @@
   <p:timing>
     <p:tnLst>
       <p:par>
-        <p:cTn xmlns:p14="http://schemas.microsoft.com/office/powerpoint/2010/main" id="1" dur="indefinite" restart="never" nodeType="tmRoot"/>
+        <p:cTn id="1" dur="indefinite" restart="never" nodeType="tmRoot"/>
       </p:par>
     </p:tnLst>
   </p:timing>
@@ -27522,7 +27518,7 @@
 </file>
 
 <file path=ppt/slides/slide43.xml><?xml version="1.0" encoding="utf-8"?>
-<p:sld xmlns:a="http://schemas.openxmlformats.org/drawingml/2006/main" xmlns:r="http://schemas.openxmlformats.org/officeDocument/2006/relationships" xmlns:p="http://schemas.openxmlformats.org/presentationml/2006/main">
+<p:sld xmlns:a="http://schemas.openxmlformats.org/drawingml/2006/main" xmlns:r="http://schemas.openxmlformats.org/officeDocument/2006/relationships" xmlns:mc="http://schemas.openxmlformats.org/markup-compatibility/2006" xmlns:mv="urn:schemas-microsoft-com:mac:vml" xmlns:p="http://schemas.openxmlformats.org/presentationml/2006/main" mc:Ignorable="mv" mc:PreserveAttributes="mv:*">
   <p:cSld>
     <p:spTree>
       <p:nvGrpSpPr>
@@ -27657,7 +27653,7 @@
     </p:spTree>
     <p:extLst>
       <p:ext uri="{BB962C8B-B14F-4D97-AF65-F5344CB8AC3E}">
-        <p14:creationId xmlns:p14="http://schemas.microsoft.com/office/powerpoint/2010/main" val="1250368864"/>
+        <p14:creationId xmlns:p14="http://schemas.microsoft.com/office/powerpoint/2010/main" xmlns:p="http://schemas.openxmlformats.org/presentationml/2006/main" xmlns:r="http://schemas.openxmlformats.org/officeDocument/2006/relationships" xmlns:a="http://schemas.openxmlformats.org/drawingml/2006/main" xmlns="" val="1250368864"/>
       </p:ext>
     </p:extLst>
   </p:cSld>
@@ -27667,7 +27663,7 @@
   <p:timing>
     <p:tnLst>
       <p:par>
-        <p:cTn xmlns:p14="http://schemas.microsoft.com/office/powerpoint/2010/main" id="1" dur="indefinite" restart="never" nodeType="tmRoot"/>
+        <p:cTn id="1" dur="indefinite" restart="never" nodeType="tmRoot"/>
       </p:par>
     </p:tnLst>
   </p:timing>
@@ -27675,7 +27671,7 @@
 </file>
 
 <file path=ppt/slides/slide44.xml><?xml version="1.0" encoding="utf-8"?>
-<p:sld xmlns:a="http://schemas.openxmlformats.org/drawingml/2006/main" xmlns:r="http://schemas.openxmlformats.org/officeDocument/2006/relationships" xmlns:p="http://schemas.openxmlformats.org/presentationml/2006/main">
+<p:sld xmlns:a="http://schemas.openxmlformats.org/drawingml/2006/main" xmlns:r="http://schemas.openxmlformats.org/officeDocument/2006/relationships" xmlns:mc="http://schemas.openxmlformats.org/markup-compatibility/2006" xmlns:mv="urn:schemas-microsoft-com:mac:vml" xmlns:p="http://schemas.openxmlformats.org/presentationml/2006/main" mc:Ignorable="mv" mc:PreserveAttributes="mv:*">
   <p:cSld>
     <p:spTree>
       <p:nvGrpSpPr>
@@ -27774,7 +27770,7 @@
     </p:spTree>
     <p:extLst>
       <p:ext uri="{BB962C8B-B14F-4D97-AF65-F5344CB8AC3E}">
-        <p14:creationId xmlns:p14="http://schemas.microsoft.com/office/powerpoint/2010/main" val="1465688213"/>
+        <p14:creationId xmlns:p14="http://schemas.microsoft.com/office/powerpoint/2010/main" xmlns:p="http://schemas.openxmlformats.org/presentationml/2006/main" xmlns:r="http://schemas.openxmlformats.org/officeDocument/2006/relationships" xmlns:a="http://schemas.openxmlformats.org/drawingml/2006/main" xmlns="" val="1465688213"/>
       </p:ext>
     </p:extLst>
   </p:cSld>
@@ -27784,7 +27780,7 @@
   <p:timing>
     <p:tnLst>
       <p:par>
-        <p:cTn xmlns:p14="http://schemas.microsoft.com/office/powerpoint/2010/main" id="1" dur="indefinite" restart="never" nodeType="tmRoot"/>
+        <p:cTn id="1" dur="indefinite" restart="never" nodeType="tmRoot"/>
       </p:par>
     </p:tnLst>
   </p:timing>
@@ -27792,7 +27788,7 @@
 </file>
 
 <file path=ppt/slides/slide45.xml><?xml version="1.0" encoding="utf-8"?>
-<p:sld xmlns:a="http://schemas.openxmlformats.org/drawingml/2006/main" xmlns:r="http://schemas.openxmlformats.org/officeDocument/2006/relationships" xmlns:p="http://schemas.openxmlformats.org/presentationml/2006/main">
+<p:sld xmlns:a="http://schemas.openxmlformats.org/drawingml/2006/main" xmlns:r="http://schemas.openxmlformats.org/officeDocument/2006/relationships" xmlns:mc="http://schemas.openxmlformats.org/markup-compatibility/2006" xmlns:mv="urn:schemas-microsoft-com:mac:vml" xmlns:p="http://schemas.openxmlformats.org/presentationml/2006/main" mc:Ignorable="mv" mc:PreserveAttributes="mv:*">
   <p:cSld>
     <p:spTree>
       <p:nvGrpSpPr>
@@ -27906,7 +27902,7 @@
     </p:spTree>
     <p:extLst>
       <p:ext uri="{BB962C8B-B14F-4D97-AF65-F5344CB8AC3E}">
-        <p14:creationId xmlns:p14="http://schemas.microsoft.com/office/powerpoint/2010/main" val="1878701326"/>
+        <p14:creationId xmlns:p14="http://schemas.microsoft.com/office/powerpoint/2010/main" xmlns:p="http://schemas.openxmlformats.org/presentationml/2006/main" xmlns:r="http://schemas.openxmlformats.org/officeDocument/2006/relationships" xmlns:a="http://schemas.openxmlformats.org/drawingml/2006/main" xmlns="" val="1878701326"/>
       </p:ext>
     </p:extLst>
   </p:cSld>
@@ -27916,7 +27912,7 @@
   <p:timing>
     <p:tnLst>
       <p:par>
-        <p:cTn xmlns:p14="http://schemas.microsoft.com/office/powerpoint/2010/main" id="1" dur="indefinite" restart="never" nodeType="tmRoot"/>
+        <p:cTn id="1" dur="indefinite" restart="never" nodeType="tmRoot"/>
       </p:par>
     </p:tnLst>
   </p:timing>
@@ -27924,7 +27920,7 @@
 </file>
 
 <file path=ppt/slides/slide46.xml><?xml version="1.0" encoding="utf-8"?>
-<p:sld xmlns:a="http://schemas.openxmlformats.org/drawingml/2006/main" xmlns:r="http://schemas.openxmlformats.org/officeDocument/2006/relationships" xmlns:p="http://schemas.openxmlformats.org/presentationml/2006/main">
+<p:sld xmlns:a="http://schemas.openxmlformats.org/drawingml/2006/main" xmlns:r="http://schemas.openxmlformats.org/officeDocument/2006/relationships" xmlns:mc="http://schemas.openxmlformats.org/markup-compatibility/2006" xmlns:mv="urn:schemas-microsoft-com:mac:vml" xmlns:p="http://schemas.openxmlformats.org/presentationml/2006/main" mc:Ignorable="mv" mc:PreserveAttributes="mv:*">
   <p:cSld>
     <p:spTree>
       <p:nvGrpSpPr>
@@ -28021,18 +28017,18 @@
     </p:spTree>
     <p:extLst>
       <p:ext uri="{BB962C8B-B14F-4D97-AF65-F5344CB8AC3E}">
-        <p14:creationId xmlns:p14="http://schemas.microsoft.com/office/powerpoint/2010/main" val="43620537"/>
+        <p14:creationId xmlns:p14="http://schemas.microsoft.com/office/powerpoint/2010/main" xmlns:p="http://schemas.openxmlformats.org/presentationml/2006/main" xmlns:r="http://schemas.openxmlformats.org/officeDocument/2006/relationships" xmlns:a="http://schemas.openxmlformats.org/drawingml/2006/main" xmlns="" val="43620537"/>
       </p:ext>
     </p:extLst>
   </p:cSld>
   <p:clrMapOvr>
     <a:masterClrMapping/>
   </p:clrMapOvr>
-  <p:transition xmlns:p14="http://schemas.microsoft.com/office/powerpoint/2010/main"/>
+  <p:transition/>
   <p:timing>
     <p:tnLst>
       <p:par>
-        <p:cTn xmlns:p14="http://schemas.microsoft.com/office/powerpoint/2010/main" id="1" dur="indefinite" restart="never" nodeType="tmRoot"/>
+        <p:cTn id="1" dur="indefinite" restart="never" nodeType="tmRoot"/>
       </p:par>
     </p:tnLst>
   </p:timing>
@@ -28040,7 +28036,7 @@
 </file>
 
 <file path=ppt/slides/slide47.xml><?xml version="1.0" encoding="utf-8"?>
-<p:sld xmlns:a="http://schemas.openxmlformats.org/drawingml/2006/main" xmlns:r="http://schemas.openxmlformats.org/officeDocument/2006/relationships" xmlns:p="http://schemas.openxmlformats.org/presentationml/2006/main">
+<p:sld xmlns:a="http://schemas.openxmlformats.org/drawingml/2006/main" xmlns:r="http://schemas.openxmlformats.org/officeDocument/2006/relationships" xmlns:mc="http://schemas.openxmlformats.org/markup-compatibility/2006" xmlns:mv="urn:schemas-microsoft-com:mac:vml" xmlns:p="http://schemas.openxmlformats.org/presentationml/2006/main" mc:Ignorable="mv" mc:PreserveAttributes="mv:*">
   <p:cSld>
     <p:spTree>
       <p:nvGrpSpPr>
@@ -28161,7 +28157,7 @@
     </p:spTree>
     <p:extLst>
       <p:ext uri="{BB962C8B-B14F-4D97-AF65-F5344CB8AC3E}">
-        <p14:creationId xmlns:p14="http://schemas.microsoft.com/office/powerpoint/2010/main" val="3481417406"/>
+        <p14:creationId xmlns:p14="http://schemas.microsoft.com/office/powerpoint/2010/main" xmlns:p="http://schemas.openxmlformats.org/presentationml/2006/main" xmlns:r="http://schemas.openxmlformats.org/officeDocument/2006/relationships" xmlns:a="http://schemas.openxmlformats.org/drawingml/2006/main" xmlns="" val="3481417406"/>
       </p:ext>
     </p:extLst>
   </p:cSld>
@@ -28171,7 +28167,7 @@
   <p:timing>
     <p:tnLst>
       <p:par>
-        <p:cTn xmlns:p14="http://schemas.microsoft.com/office/powerpoint/2010/main" id="1" dur="indefinite" restart="never" nodeType="tmRoot"/>
+        <p:cTn id="1" dur="indefinite" restart="never" nodeType="tmRoot"/>
       </p:par>
     </p:tnLst>
   </p:timing>
@@ -28179,7 +28175,7 @@
 </file>
 
 <file path=ppt/slides/slide48.xml><?xml version="1.0" encoding="utf-8"?>
-<p:sld xmlns:a="http://schemas.openxmlformats.org/drawingml/2006/main" xmlns:r="http://schemas.openxmlformats.org/officeDocument/2006/relationships" xmlns:p="http://schemas.openxmlformats.org/presentationml/2006/main">
+<p:sld xmlns:a="http://schemas.openxmlformats.org/drawingml/2006/main" xmlns:r="http://schemas.openxmlformats.org/officeDocument/2006/relationships" xmlns:mc="http://schemas.openxmlformats.org/markup-compatibility/2006" xmlns:mv="urn:schemas-microsoft-com:mac:vml" xmlns:p="http://schemas.openxmlformats.org/presentationml/2006/main" mc:Ignorable="mv" mc:PreserveAttributes="mv:*">
   <p:cSld>
     <p:spTree>
       <p:nvGrpSpPr>
@@ -28289,13 +28285,13 @@
   <p:clrMapOvr>
     <a:masterClrMapping/>
   </p:clrMapOvr>
-  <p:transition xmlns:p14="http://schemas.microsoft.com/office/powerpoint/2010/main" spd="med">
+  <p:transition spd="med">
     <p:fade/>
   </p:transition>
   <p:timing>
     <p:tnLst>
       <p:par>
-        <p:cTn xmlns:p14="http://schemas.microsoft.com/office/powerpoint/2010/main" id="1" dur="indefinite" restart="never" nodeType="tmRoot"/>
+        <p:cTn id="1" dur="indefinite" restart="never" nodeType="tmRoot"/>
       </p:par>
     </p:tnLst>
   </p:timing>
@@ -28303,7 +28299,7 @@
 </file>
 
 <file path=ppt/slides/slide49.xml><?xml version="1.0" encoding="utf-8"?>
-<p:sld xmlns:a="http://schemas.openxmlformats.org/drawingml/2006/main" xmlns:r="http://schemas.openxmlformats.org/officeDocument/2006/relationships" xmlns:p="http://schemas.openxmlformats.org/presentationml/2006/main">
+<p:sld xmlns:a="http://schemas.openxmlformats.org/drawingml/2006/main" xmlns:r="http://schemas.openxmlformats.org/officeDocument/2006/relationships" xmlns:mc="http://schemas.openxmlformats.org/markup-compatibility/2006" xmlns:mv="urn:schemas-microsoft-com:mac:vml" xmlns:p="http://schemas.openxmlformats.org/presentationml/2006/main" mc:Ignorable="mv" mc:PreserveAttributes="mv:*">
   <p:cSld>
     <p:spTree>
       <p:nvGrpSpPr>
@@ -28397,13 +28393,13 @@
   <p:clrMapOvr>
     <a:masterClrMapping/>
   </p:clrMapOvr>
-  <p:transition xmlns:p14="http://schemas.microsoft.com/office/powerpoint/2010/main" spd="med">
+  <p:transition spd="med">
     <p:fade/>
   </p:transition>
   <p:timing>
     <p:tnLst>
       <p:par>
-        <p:cTn xmlns:p14="http://schemas.microsoft.com/office/powerpoint/2010/main" id="1" dur="indefinite" restart="never" nodeType="tmRoot"/>
+        <p:cTn id="1" dur="indefinite" restart="never" nodeType="tmRoot"/>
       </p:par>
     </p:tnLst>
   </p:timing>
@@ -28411,7 +28407,7 @@
 </file>
 
 <file path=ppt/slides/slide5.xml><?xml version="1.0" encoding="utf-8"?>
-<p:sld xmlns:a="http://schemas.openxmlformats.org/drawingml/2006/main" xmlns:r="http://schemas.openxmlformats.org/officeDocument/2006/relationships" xmlns:p="http://schemas.openxmlformats.org/presentationml/2006/main">
+<p:sld xmlns:a="http://schemas.openxmlformats.org/drawingml/2006/main" xmlns:r="http://schemas.openxmlformats.org/officeDocument/2006/relationships" xmlns:mc="http://schemas.openxmlformats.org/markup-compatibility/2006" xmlns:mv="urn:schemas-microsoft-com:mac:vml" xmlns:p="http://schemas.openxmlformats.org/presentationml/2006/main" mc:Ignorable="mv" mc:PreserveAttributes="mv:*">
   <p:cSld>
     <p:spTree>
       <p:nvGrpSpPr>
@@ -28807,20 +28803,20 @@
     </p:spTree>
     <p:extLst>
       <p:ext uri="{BB962C8B-B14F-4D97-AF65-F5344CB8AC3E}">
-        <p14:creationId xmlns:p14="http://schemas.microsoft.com/office/powerpoint/2010/main" val="1870754953"/>
+        <p14:creationId xmlns:p14="http://schemas.microsoft.com/office/powerpoint/2010/main" xmlns:p="http://schemas.openxmlformats.org/presentationml/2006/main" xmlns:r="http://schemas.openxmlformats.org/officeDocument/2006/relationships" xmlns:a="http://schemas.openxmlformats.org/drawingml/2006/main" xmlns="" val="1870754953"/>
       </p:ext>
     </p:extLst>
   </p:cSld>
   <p:clrMapOvr>
     <a:masterClrMapping/>
   </p:clrMapOvr>
-  <p:transition xmlns:p14="http://schemas.microsoft.com/office/powerpoint/2010/main">
+  <p:transition>
     <p:fade/>
   </p:transition>
   <p:timing>
     <p:tnLst>
       <p:par>
-        <p:cTn xmlns:p14="http://schemas.microsoft.com/office/powerpoint/2010/main" id="1" dur="indefinite" restart="never" nodeType="tmRoot">
+        <p:cTn id="1" dur="indefinite" restart="never" nodeType="tmRoot">
           <p:childTnLst>
             <p:seq concurrent="1" nextAc="seek">
               <p:cTn id="2" dur="indefinite" nodeType="mainSeq">
@@ -29225,7 +29221,7 @@
 </file>
 
 <file path=ppt/slides/slide6.xml><?xml version="1.0" encoding="utf-8"?>
-<p:sld xmlns:a="http://schemas.openxmlformats.org/drawingml/2006/main" xmlns:r="http://schemas.openxmlformats.org/officeDocument/2006/relationships" xmlns:p="http://schemas.openxmlformats.org/presentationml/2006/main">
+<p:sld xmlns:a="http://schemas.openxmlformats.org/drawingml/2006/main" xmlns:r="http://schemas.openxmlformats.org/officeDocument/2006/relationships" xmlns:mc="http://schemas.openxmlformats.org/markup-compatibility/2006" xmlns:mv="urn:schemas-microsoft-com:mac:vml" xmlns:p="http://schemas.openxmlformats.org/presentationml/2006/main" mc:Ignorable="mv" mc:PreserveAttributes="mv:*">
   <p:cSld>
     <p:spTree>
       <p:nvGrpSpPr>
@@ -29394,7 +29390,7 @@
     </p:spTree>
     <p:extLst>
       <p:ext uri="{BB962C8B-B14F-4D97-AF65-F5344CB8AC3E}">
-        <p14:creationId xmlns:p14="http://schemas.microsoft.com/office/powerpoint/2010/main" val="1192425972"/>
+        <p14:creationId xmlns:p14="http://schemas.microsoft.com/office/powerpoint/2010/main" xmlns:p="http://schemas.openxmlformats.org/presentationml/2006/main" xmlns:r="http://schemas.openxmlformats.org/officeDocument/2006/relationships" xmlns:a="http://schemas.openxmlformats.org/drawingml/2006/main" xmlns="" val="1192425972"/>
       </p:ext>
     </p:extLst>
   </p:cSld>
@@ -29404,7 +29400,7 @@
   <p:timing>
     <p:tnLst>
       <p:par>
-        <p:cTn xmlns:p14="http://schemas.microsoft.com/office/powerpoint/2010/main" id="1" dur="indefinite" restart="never" nodeType="tmRoot"/>
+        <p:cTn id="1" dur="indefinite" restart="never" nodeType="tmRoot"/>
       </p:par>
     </p:tnLst>
   </p:timing>
@@ -29412,7 +29408,7 @@
 </file>
 
 <file path=ppt/slides/slide7.xml><?xml version="1.0" encoding="utf-8"?>
-<p:sld xmlns:a="http://schemas.openxmlformats.org/drawingml/2006/main" xmlns:r="http://schemas.openxmlformats.org/officeDocument/2006/relationships" xmlns:p="http://schemas.openxmlformats.org/presentationml/2006/main">
+<p:sld xmlns:a="http://schemas.openxmlformats.org/drawingml/2006/main" xmlns:r="http://schemas.openxmlformats.org/officeDocument/2006/relationships" xmlns:mc="http://schemas.openxmlformats.org/markup-compatibility/2006" xmlns:mv="urn:schemas-microsoft-com:mac:vml" xmlns:p="http://schemas.openxmlformats.org/presentationml/2006/main" mc:Ignorable="mv" mc:PreserveAttributes="mv:*">
   <p:cSld>
     <p:spTree>
       <p:nvGrpSpPr>
@@ -29749,20 +29745,20 @@
     </p:spTree>
     <p:extLst>
       <p:ext uri="{BB962C8B-B14F-4D97-AF65-F5344CB8AC3E}">
-        <p14:creationId xmlns:p14="http://schemas.microsoft.com/office/powerpoint/2010/main" val="2512890044"/>
+        <p14:creationId xmlns:p14="http://schemas.microsoft.com/office/powerpoint/2010/main" xmlns:p="http://schemas.openxmlformats.org/presentationml/2006/main" xmlns:r="http://schemas.openxmlformats.org/officeDocument/2006/relationships" xmlns:a="http://schemas.openxmlformats.org/drawingml/2006/main" xmlns="" val="2512890044"/>
       </p:ext>
     </p:extLst>
   </p:cSld>
   <p:clrMapOvr>
     <a:masterClrMapping/>
   </p:clrMapOvr>
-  <p:transition xmlns:p14="http://schemas.microsoft.com/office/powerpoint/2010/main">
+  <p:transition>
     <p:fade/>
   </p:transition>
   <p:timing>
     <p:tnLst>
       <p:par>
-        <p:cTn xmlns:p14="http://schemas.microsoft.com/office/powerpoint/2010/main" id="1" dur="indefinite" restart="never" nodeType="tmRoot"/>
+        <p:cTn id="1" dur="indefinite" restart="never" nodeType="tmRoot"/>
       </p:par>
     </p:tnLst>
   </p:timing>
@@ -29770,7 +29766,7 @@
 </file>
 
 <file path=ppt/slides/slide8.xml><?xml version="1.0" encoding="utf-8"?>
-<p:sld xmlns:a="http://schemas.openxmlformats.org/drawingml/2006/main" xmlns:r="http://schemas.openxmlformats.org/officeDocument/2006/relationships" xmlns:p="http://schemas.openxmlformats.org/presentationml/2006/main">
+<p:sld xmlns:a="http://schemas.openxmlformats.org/drawingml/2006/main" xmlns:r="http://schemas.openxmlformats.org/officeDocument/2006/relationships" xmlns:mc="http://schemas.openxmlformats.org/markup-compatibility/2006" xmlns:mv="urn:schemas-microsoft-com:mac:vml" xmlns:p="http://schemas.openxmlformats.org/presentationml/2006/main" mc:Ignorable="mv" mc:PreserveAttributes="mv:*">
   <p:cSld>
     <p:spTree>
       <p:nvGrpSpPr>
@@ -29922,20 +29918,20 @@
     </p:spTree>
     <p:extLst>
       <p:ext uri="{BB962C8B-B14F-4D97-AF65-F5344CB8AC3E}">
-        <p14:creationId xmlns:p14="http://schemas.microsoft.com/office/powerpoint/2010/main" val="489322845"/>
+        <p14:creationId xmlns:p14="http://schemas.microsoft.com/office/powerpoint/2010/main" xmlns:p="http://schemas.openxmlformats.org/presentationml/2006/main" xmlns:r="http://schemas.openxmlformats.org/officeDocument/2006/relationships" xmlns:a="http://schemas.openxmlformats.org/drawingml/2006/main" xmlns="" val="489322845"/>
       </p:ext>
     </p:extLst>
   </p:cSld>
   <p:clrMapOvr>
     <a:masterClrMapping/>
   </p:clrMapOvr>
-  <p:transition xmlns:p14="http://schemas.microsoft.com/office/powerpoint/2010/main">
+  <p:transition>
     <p:fade/>
   </p:transition>
   <p:timing>
     <p:tnLst>
       <p:par>
-        <p:cTn xmlns:p14="http://schemas.microsoft.com/office/powerpoint/2010/main" id="1" dur="indefinite" restart="never" nodeType="tmRoot"/>
+        <p:cTn id="1" dur="indefinite" restart="never" nodeType="tmRoot"/>
       </p:par>
     </p:tnLst>
   </p:timing>
@@ -29943,7 +29939,7 @@
 </file>
 
 <file path=ppt/slides/slide9.xml><?xml version="1.0" encoding="utf-8"?>
-<p:sld xmlns:a="http://schemas.openxmlformats.org/drawingml/2006/main" xmlns:r="http://schemas.openxmlformats.org/officeDocument/2006/relationships" xmlns:p="http://schemas.openxmlformats.org/presentationml/2006/main">
+<p:sld xmlns:a="http://schemas.openxmlformats.org/drawingml/2006/main" xmlns:r="http://schemas.openxmlformats.org/officeDocument/2006/relationships" xmlns:mc="http://schemas.openxmlformats.org/markup-compatibility/2006" xmlns:mv="urn:schemas-microsoft-com:mac:vml" xmlns:p="http://schemas.openxmlformats.org/presentationml/2006/main" mc:Ignorable="mv" mc:PreserveAttributes="mv:*">
   <p:cSld>
     <p:spTree>
       <p:nvGrpSpPr>
@@ -30260,20 +30256,20 @@
     </p:spTree>
     <p:extLst>
       <p:ext uri="{BB962C8B-B14F-4D97-AF65-F5344CB8AC3E}">
-        <p14:creationId xmlns:p14="http://schemas.microsoft.com/office/powerpoint/2010/main" val="3881314338"/>
+        <p14:creationId xmlns:p14="http://schemas.microsoft.com/office/powerpoint/2010/main" xmlns:p="http://schemas.openxmlformats.org/presentationml/2006/main" xmlns:r="http://schemas.openxmlformats.org/officeDocument/2006/relationships" xmlns:a="http://schemas.openxmlformats.org/drawingml/2006/main" xmlns="" val="3881314338"/>
       </p:ext>
     </p:extLst>
   </p:cSld>
   <p:clrMapOvr>
     <a:masterClrMapping/>
   </p:clrMapOvr>
-  <p:transition xmlns:p14="http://schemas.microsoft.com/office/powerpoint/2010/main">
+  <p:transition>
     <p:fade/>
   </p:transition>
   <p:timing>
     <p:tnLst>
       <p:par>
-        <p:cTn xmlns:p14="http://schemas.microsoft.com/office/powerpoint/2010/main" id="1" dur="indefinite" restart="never" nodeType="tmRoot"/>
+        <p:cTn id="1" dur="indefinite" restart="never" nodeType="tmRoot"/>
       </p:par>
     </p:tnLst>
   </p:timing>
@@ -30281,7 +30277,7 @@
 </file>
 
 <file path=ppt/tags/tag1.xml><?xml version="1.0" encoding="utf-8"?>
-<p:tagLst xmlns:a="http://schemas.openxmlformats.org/drawingml/2006/main" xmlns:r="http://schemas.openxmlformats.org/officeDocument/2006/relationships" xmlns:p="http://schemas.openxmlformats.org/presentationml/2006/main">
+<p:tagLst xmlns:a="http://schemas.openxmlformats.org/drawingml/2006/main" xmlns:r="http://schemas.openxmlformats.org/officeDocument/2006/relationships" xmlns:mc="http://schemas.openxmlformats.org/markup-compatibility/2006" xmlns:mv="urn:schemas-microsoft-com:mac:vml" xmlns:p="http://schemas.openxmlformats.org/presentationml/2006/main" mc:Ignorable="mv" mc:PreserveAttributes="mv:*">
   <p:tag name="MMPROD_NEXTUNIQUEID" val="10009"/>
   <p:tag name="MMPROD_UIDATA" val="&lt;database version=&quot;7.0&quot;&gt;&lt;object type=&quot;1&quot; unique_id=&quot;10001&quot;&gt;&lt;object type=&quot;8&quot; unique_id=&quot;10002&quot;&gt;&lt;/object&gt;&lt;object type=&quot;2&quot; unique_id=&quot;10003&quot;&gt;&lt;object type=&quot;3&quot; unique_id=&quot;10004&quot;&gt;&lt;property id=&quot;20148&quot; value=&quot;5&quot;/&gt;&lt;property id=&quot;20300&quot; value=&quot;Slide 1&quot;/&gt;&lt;property id=&quot;20307&quot; value=&quot;868&quot;/&gt;&lt;/object&gt;&lt;object type=&quot;3&quot; unique_id=&quot;10005&quot;&gt;&lt;property id=&quot;20148&quot; value=&quot;5&quot;/&gt;&lt;property id=&quot;20300&quot; value=&quot;Slide 2&quot;/&gt;&lt;property id=&quot;20307&quot; value=&quot;869&quot;/&gt;&lt;/object&gt;&lt;object type=&quot;3&quot; unique_id=&quot;10006&quot;&gt;&lt;property id=&quot;20148&quot; value=&quot;5&quot;/&gt;&lt;property id=&quot;20300&quot; value=&quot;Slide 3 - &amp;quot;Developer Training&amp;quot;&quot;/&gt;&lt;property id=&quot;20307&quot; value=&quot;870&quot;/&gt;&lt;/object&gt;&lt;object type=&quot;3&quot; unique_id=&quot;10007&quot;&gt;&lt;property id=&quot;20148&quot; value=&quot;5&quot;/&gt;&lt;property id=&quot;20300&quot; value=&quot;Slide 4&quot;/&gt;&lt;property id=&quot;20307&quot; value=&quot;871&quot;/&gt;&lt;/object&gt;&lt;object type=&quot;3&quot; unique_id=&quot;10008&quot;&gt;&lt;property id=&quot;20148&quot; value=&quot;5&quot;/&gt;&lt;property id=&quot;20300&quot; value=&quot;Slide 5 - &amp;quot;Schedule &amp;amp; Logistics&amp;quot;&quot;/&gt;&lt;property id=&quot;20307&quot; value=&quot;872&quot;/&gt;&lt;/object&gt;&lt;object type=&quot;3&quot; unique_id=&quot;10009&quot;&gt;&lt;property id=&quot;20148&quot; value=&quot;5&quot;/&gt;&lt;property id=&quot;20300&quot; value=&quot;Slide 6 - &amp;quot;Agenda&amp;quot;&quot;/&gt;&lt;property id=&quot;20307&quot; value=&quot;877&quot;/&gt;&lt;/object&gt;&lt;object type=&quot;3&quot; unique_id=&quot;10010&quot;&gt;&lt;property id=&quot;20148&quot; value=&quot;5&quot;/&gt;&lt;property id=&quot;20300&quot; value=&quot;Slide 7 - &amp;quot;Agenda&amp;quot;&quot;/&gt;&lt;property id=&quot;20307&quot; value=&quot;879&quot;/&gt;&lt;/object&gt;&lt;object type=&quot;3&quot; unique_id=&quot;10011&quot;&gt;&lt;property id=&quot;20148&quot; value=&quot;5&quot;/&gt;&lt;property id=&quot;20300&quot; value=&quot;Slide 8 - &amp;quot;Agenda&amp;quot;&quot;/&gt;&lt;property id=&quot;20307&quot; value=&quot;885&quot;/&gt;&lt;/object&gt;&lt;object type=&quot;3&quot; unique_id=&quot;10012&quot;&gt;&lt;property id=&quot;20148&quot; value=&quot;5&quot;/&gt;&lt;property id=&quot;20300&quot; value=&quot;Slide 9 - &amp;quot;Agenda&amp;quot;&quot;/&gt;&lt;property id=&quot;20307&quot; value=&quot;886&quot;/&gt;&lt;/object&gt;&lt;object type=&quot;3&quot; unique_id=&quot;10013&quot;&gt;&lt;property id=&quot;20148&quot; value=&quot;5&quot;/&gt;&lt;property id=&quot;20300&quot; value=&quot;Slide 10 - &amp;quot;Set Up &amp;quot;&quot;/&gt;&lt;property id=&quot;20307&quot; value=&quot;883&quot;/&gt;&lt;/object&gt;&lt;object type=&quot;3&quot; unique_id=&quot;10014&quot;&gt;&lt;property id=&quot;20148&quot; value=&quot;5&quot;/&gt;&lt;property id=&quot;20300&quot; value=&quot;Slide 11&quot;/&gt;&lt;property id=&quot;20307&quot; value=&quot;1072&quot;/&gt;&lt;/object&gt;&lt;object type=&quot;3&quot; unique_id=&quot;10015&quot;&gt;&lt;property id=&quot;20148&quot; value=&quot;5&quot;/&gt;&lt;property id=&quot;20300&quot; value=&quot;Slide 12 - &amp;quot;The Player API&amp;quot;&quot;/&gt;&lt;property id=&quot;20307&quot; value=&quot;816&quot;/&gt;&lt;/object&gt;&lt;object type=&quot;3&quot; unique_id=&quot;10016&quot;&gt;&lt;property id=&quot;20148&quot; value=&quot;5&quot;/&gt;&lt;property id=&quot;20300&quot; value=&quot;Slide 13 - &amp;quot;Player API Classes&amp;quot;&quot;/&gt;&lt;property id=&quot;20307&quot; value=&quot;820&quot;/&gt;&lt;/object&gt;&lt;object type=&quot;3&quot; unique_id=&quot;10017&quot;&gt;&lt;property id=&quot;20148&quot; value=&quot;5&quot;/&gt;&lt;property id=&quot;20300&quot; value=&quot;Slide 14 - &amp;quot;Reference/SDK&amp;quot;&quot;/&gt;&lt;property id=&quot;20307&quot; value=&quot;821&quot;/&gt;&lt;/object&gt;&lt;object type=&quot;3&quot; unique_id=&quot;10018&quot;&gt;&lt;property id=&quot;20148&quot; value=&quot;5&quot;/&gt;&lt;property id=&quot;20300&quot; value=&quot;Slide 15 - &amp;quot;General Steps to Use Player API&amp;quot;&quot;/&gt;&lt;property id=&quot;20307&quot; value=&quot;822&quot;/&gt;&lt;/object&gt;&lt;object type=&quot;3&quot; unique_id=&quot;10019&quot;&gt;&lt;property id=&quot;20148&quot; value=&quot;5&quot;/&gt;&lt;property id=&quot;20300&quot; value=&quot;Slide 16 - &amp;quot;Remember: The Player API is EVENT-DRIVEN&amp;quot;&quot;/&gt;&lt;property id=&quot;20307&quot; value=&quot;823&quot;/&gt;&lt;/object&gt;&lt;object type=&quot;3&quot; unique_id=&quot;10020&quot;&gt;&lt;property id=&quot;20148&quot; value=&quot;5&quot;/&gt;&lt;property id=&quot;20300&quot; value=&quot;Slide 17 - &amp;quot;The JavaScript Player API&amp;quot;&quot;/&gt;&lt;property id=&quot;20307&quot; value=&quot;824&quot;/&gt;&lt;/object&gt;&lt;object type=&quot;3&quot; unique_id=&quot;10021&quot;&gt;&lt;property id=&quot;20148&quot; value=&quot;5&quot;/&gt;&lt;property id=&quot;20300&quot; value=&quot;Slide 18 - &amp;quot;JavaScript Approach&amp;quot;&quot;/&gt;&lt;property id=&quot;20307&quot; value=&quot;825&quot;/&gt;&lt;/object&gt;&lt;object type=&quot;3&quot; unique_id=&quot;10022&quot;&gt;&lt;property id=&quot;20148&quot; value=&quot;5&quot;/&gt;&lt;property id=&quot;20300&quot; value=&quot;Slide 19 - &amp;quot;Studio Generated JS Code&amp;quot;&quot;/&gt;&lt;property id=&quot;20307&quot; value=&quot;826&quot;/&gt;&lt;/object&gt;&lt;object type=&quot;3&quot; unique_id=&quot;10023&quot;&gt;&lt;property id=&quot;20148&quot; value=&quot;5&quot;/&gt;&lt;property id=&quot;20300&quot; value=&quot;Slide 20 - &amp;quot;Getting Player and Module References&amp;quot;&quot;/&gt;&lt;property id=&quot;20307&quot; value=&quot;827&quot;/&gt;&lt;/object&gt;&lt;object type=&quot;3&quot; unique_id=&quot;10024&quot;&gt;&lt;property id=&quot;20148&quot; value=&quot;5&quot;/&gt;&lt;property id=&quot;20300&quot; value=&quot;Slide 21 - &amp;quot;Waiting for templateReady&amp;quot;&quot;/&gt;&lt;property id=&quot;20307&quot; value=&quot;828&quot;/&gt;&lt;/object&gt;&lt;object type=&quot;3&quot; unique_id=&quot;10025&quot;&gt;&lt;property id=&quot;20148&quot; value=&quot;5&quot;/&gt;&lt;property id=&quot;20300&quot; value=&quot;Slide 22&quot;/&gt;&lt;property id=&quot;20307&quot; value=&quot;829&quot;/&gt;&lt;/object&gt;&lt;object type=&quot;3&quot; unique_id=&quot;10026&quot;&gt;&lt;property id=&quot;20148&quot; value=&quot;5&quot;/&gt;&lt;property id=&quot;20300&quot; value=&quot;Slide 23 - &amp;quot;Exercise 1: Preparing Player for JavaScript&amp;quot;&quot;/&gt;&lt;property id=&quot;20307&quot; value=&quot;830&quot;/&gt;&lt;/object&gt;&lt;object type=&quot;3&quot; unique_id=&quot;10027&quot;&gt;&lt;property id=&quot;20148&quot; value=&quot;5&quot;/&gt;&lt;property id=&quot;20300&quot; value=&quot;Slide 24 - &amp;quot;Player Modules&amp;quot;&quot;/&gt;&lt;property id=&quot;20307&quot; value=&quot;831&quot;/&gt;&lt;/object&gt;&lt;object type=&quot;3&quot; unique_id=&quot;10028&quot;&gt;&lt;property id=&quot;20148&quot; value=&quot;5&quot;/&gt;&lt;property id=&quot;20300&quot; value=&quot;Slide 25 - &amp;quot;Accessing Modules&amp;quot;&quot;/&gt;&lt;property id=&quot;20307&quot; value=&quot;832&quot;/&gt;&lt;/object&gt;&lt;object type=&quot;3&quot; unique_id=&quot;10029&quot;&gt;&lt;property id=&quot;20148&quot; value=&quot;5&quot;/&gt;&lt;property id=&quot;20300&quot; value=&quot;Slide 26 - &amp;quot;Data Transfer Objects&amp;quot;&quot;/&gt;&lt;property id=&quot;20307&quot; value=&quot;833&quot;/&gt;&lt;/object&gt;&lt;object type=&quot;3&quot; unique_id=&quot;10030&quot;&gt;&lt;property id=&quot;20148&quot; value=&quot;5&quot;/&gt;&lt;property id=&quot;20300&quot; value=&quot;Slide 27&quot;/&gt;&lt;property id=&quot;20307&quot; value=&quot;834&quot;/&gt;&lt;/object&gt;&lt;object type=&quot;3&quot; unique_id=&quot;10031&quot;&gt;&lt;property id=&quot;20148&quot; value=&quot;5&quot;/&gt;&lt;property id=&quot;20300&quot; value=&quot;Slide 28 - &amp;quot;Exercise 2: Accessing Data in Player&amp;quot;&quot;/&gt;&lt;property id=&quot;20307&quot; value=&quot;835&quot;/&gt;&lt;/object&gt;&lt;object type=&quot;3&quot; unique_id=&quot;10032&quot;&gt;&lt;property id=&quot;20148&quot; value=&quot;5&quot;/&gt;&lt;property id=&quot;20300&quot; value=&quot;Slide 29 - &amp;quot;Event Objects&amp;quot;&quot;/&gt;&lt;property id=&quot;20307&quot; value=&quot;836&quot;/&gt;&lt;/object&gt;&lt;object type=&quot;3&quot; unique_id=&quot;10033&quot;&gt;&lt;property id=&quot;20148&quot; value=&quot;5&quot;/&gt;&lt;property id=&quot;20300&quot; value=&quot;Slide 30 - &amp;quot;Synchronous and Asynchronous Methods&amp;quot;&quot;/&gt;&lt;property id=&quot;20307&quot; value=&quot;837&quot;/&gt;&lt;/object&gt;&lt;object type=&quot;3&quot; unique_id=&quot;10034&quot;&gt;&lt;property id=&quot;20148&quot; value=&quot;5&quot;/&gt;&lt;property id=&quot;20300&quot; value=&quot;Slide 31 - &amp;quot;Using Synchronous and Asynchronous Methods&amp;quot;&quot;/&gt;&lt;property id=&quot;20307&quot; value=&quot;838&quot;/&gt;&lt;/object&gt;&lt;object type=&quot;3&quot; unique_id=&quot;10035&quot;&gt;&lt;property id=&quot;20148&quot; value=&quot;5&quot;/&gt;&lt;property id=&quot;20300&quot; value=&quot;Slide 32&quot;/&gt;&lt;property id=&quot;20307&quot; value=&quot;839&quot;/&gt;&lt;/object&gt;&lt;object type=&quot;3&quot; unique_id=&quot;10036&quot;&gt;&lt;property id=&quot;20148&quot; value=&quot;5&quot;/&gt;&lt;property id=&quot;20300&quot; value=&quot;Slide 33 - &amp;quot;Exercise 3: Loading Additional Content&amp;quot;&quot;/&gt;&lt;property id=&quot;20307&quot; value=&quot;840&quot;/&gt;&lt;/object&gt;&lt;object type=&quot;3&quot; unique_id=&quot;10037&quot;&gt;&lt;property id=&quot;20148&quot; value=&quot;5&quot;/&gt;&lt;property id=&quot;20300&quot; value=&quot;Slide 34 - &amp;quot;Search Methods&amp;quot;&quot;/&gt;&lt;property id=&quot;20307&quot; value=&quot;841&quot;/&gt;&lt;/object&gt;&lt;object type=&quot;3&quot; unique_id=&quot;10038&quot;&gt;&lt;property id=&quot;20148&quot; value=&quot;5&quot;/&gt;&lt;property id=&quot;20300&quot; value=&quot;Slide 35 - &amp;quot;Finding Related Videos&amp;quot;&quot;/&gt;&lt;property id=&quot;20307&quot; value=&quot;842&quot;/&gt;&lt;/object&gt;&lt;object type=&quot;3&quot; unique_id=&quot;10039&quot;&gt;&lt;property id=&quot;20148&quot; value=&quot;5&quot;/&gt;&lt;property id=&quot;20300&quot; value=&quot;Slide 36&quot;/&gt;&lt;property id=&quot;20307&quot; value=&quot;843&quot;/&gt;&lt;/object&gt;&lt;object type=&quot;3&quot; unique_id=&quot;10040&quot;&gt;&lt;property id=&quot;20148&quot; value=&quot;5&quot;/&gt;&lt;property id=&quot;20300&quot; value=&quot;Slide 37 - &amp;quot;Exercise 4: Adding Search from HTML UI&amp;quot;&quot;/&gt;&lt;property id=&quot;20307&quot; value=&quot;844&quot;/&gt;&lt;/object&gt;&lt;object type=&quot;3&quot; unique_id=&quot;10041&quot;&gt;&lt;property id=&quot;20148&quot; value=&quot;5&quot;/&gt;&lt;property id=&quot;20300&quot; value=&quot;Slide 38 - &amp;quot;The ActionScript Player API&amp;quot;&quot;/&gt;&lt;property id=&quot;20307&quot; value=&quot;845&quot;/&gt;&lt;/object&gt;&lt;object type=&quot;3&quot; unique_id=&quot;10042&quot;&gt;&lt;property id=&quot;20148&quot; value=&quot;5&quot;/&gt;&lt;property id=&quot;20300&quot; value=&quot;Slide 39 - &amp;quot;Player Interaction through ActionScript&amp;quot;&quot;/&gt;&lt;property id=&quot;20307&quot; value=&quot;846&quot;/&gt;&lt;/object&gt;&lt;object type=&quot;3&quot; unique_id=&quot;10043&quot;&gt;&lt;property id=&quot;20148&quot; value=&quot;5&quot;/&gt;&lt;property id=&quot;20300&quot; value=&quot;Slide 40 - &amp;quot;ActionScript Shell Approach&amp;quot;&quot;/&gt;&lt;property id=&quot;20307&quot; value=&quot;847&quot;/&gt;&lt;/object&gt;&lt;object type=&quot;3&quot; unique_id=&quot;10044&quot;&gt;&lt;property id=&quot;20148&quot; value=&quot;5&quot;/&gt;&lt;property id=&quot;20300&quot; value=&quot;Slide 41 - &amp;quot;API Wrapper Classes&amp;quot;&quot;/&gt;&lt;property id=&quot;20307&quot; value=&quot;848&quot;/&gt;&lt;/object&gt;&lt;object type=&quot;3&quot; unique_id=&quot;10045&quot;&gt;&lt;property id=&quot;20148&quot; value=&quot;5&quot;/&gt;&lt;property id=&quot;20300&quot; value=&quot;Slide 42 - &amp;quot;Using BrightcovePlayerWrapper&amp;quot;&quot;/&gt;&lt;property id=&quot;20307&quot; value=&quot;849&quot;/&gt;&lt;/object&gt;&lt;object type=&quot;3&quot; unique_id=&quot;10046&quot;&gt;&lt;property id=&quot;20148&quot; value=&quot;5&quot;/&gt;&lt;property id=&quot;20300&quot; value=&quot;Slide 43 - &amp;quot;Scenario 1: Instantiating in Flash Timeline&amp;quot;&quot;/&gt;&lt;property id=&quot;20307&quot; value=&quot;850&quot;/&gt;&lt;/object&gt;&lt;object type=&quot;3&quot; unique_id=&quot;10047&quot;&gt;&lt;property id=&quot;20148&quot; value=&quot;5&quot;/&gt;&lt;property id=&quot;20300&quot; value=&quot;Slide 44 - &amp;quot;Scenario 2: Instantiating in ActionScript Class&amp;quot;&quot;/&gt;&lt;property id=&quot;20307&quot; value=&quot;851&quot;/&gt;&lt;/object&gt;&lt;object type=&quot;3&quot; unique_id=&quot;10048&quot;&gt;&lt;property id=&quot;20148&quot; value=&quot;5&quot;/&gt;&lt;property id=&quot;20300&quot; value=&quot;Slide 45 - &amp;quot;Using BrightcoveFlexComponent&amp;quot;&quot;/&gt;&lt;property id=&quot;20307&quot; value=&quot;852&quot;/&gt;&lt;/object&gt;&lt;object type=&quot;3&quot; unique_id=&quot;10049&quot;&gt;&lt;property id=&quot;20148&quot; value=&quot;5&quot;/&gt;&lt;property id=&quot;20300&quot; value=&quot;Slide 46 - &amp;quot;Scenario 3: Using Flex MXML Markup&amp;quot;&quot;/&gt;&lt;property id=&quot;20307&quot; value=&quot;853&quot;/&gt;&lt;/object&gt;&lt;object type=&quot;3&quot; unique_id=&quot;10050&quot;&gt;&lt;property id=&quot;20148&quot; value=&quot;5&quot;/&gt;&lt;property id=&quot;20300&quot; value=&quot;Slide 47 - &amp;quot;Scenario 4: Using ActionScript in Flex&amp;quot;&quot;/&gt;&lt;property id=&quot;20307&quot; value=&quot;854&quot;/&gt;&lt;/object&gt;&lt;object type=&quot;3&quot; unique_id=&quot;10051&quot;&gt;&lt;property id=&quot;20148&quot; value=&quot;5&quot;/&gt;&lt;property id=&quot;20300&quot; value=&quot;Slide 48 - &amp;quot;Enabling Full Screen&amp;amp;#x09;&amp;quot;&quot;/&gt;&lt;property id=&quot;20307&quot; value=&quot;855&quot;/&gt;&lt;/object&gt;&lt;object type=&quot;3&quot; unique_id=&quot;10052&quot;&gt;&lt;property id=&quot;20148&quot; value=&quot;5&quot;/&gt;&lt;property id=&quot;20300&quot; value=&quot;Slide 49 - &amp;quot;Module SWF Approach&amp;quot;&quot;/&gt;&lt;property id=&quot;20307&quot; value=&quot;856&quot;/&gt;&lt;/object&gt;&lt;object type=&quot;3&quot; unique_id=&quot;10053&quot;&gt;&lt;property id=&quot;20148&quot; value=&quot;5&quot;/&gt;&lt;property id=&quot;20300&quot; value=&quot;Slide 50 - &amp;quot;Scenario 5: Creating a Module SWF&amp;quot;&quot;/&gt;&lt;property id=&quot;20307&quot; value=&quot;857&quot;/&gt;&lt;/object&gt;&lt;object type=&quot;3&quot; unique_id=&quot;10054&quot;&gt;&lt;property id=&quot;20148&quot; value=&quot;5&quot;/&gt;&lt;property id=&quot;20300&quot; value=&quot;Slide 51&quot;/&gt;&lt;property id=&quot;20307&quot; value=&quot;858&quot;/&gt;&lt;/object&gt;&lt;object type=&quot;3&quot; unique_id=&quot;10055&quot;&gt;&lt;property id=&quot;20148&quot; value=&quot;5&quot;/&gt;&lt;property id=&quot;20300&quot; value=&quot;Slide 52 - &amp;quot;Exercise 5: Preparing Player for ActionScript&amp;quot;&quot;/&gt;&lt;property id=&quot;20307&quot; value=&quot;859&quot;/&gt;&lt;/object&gt;&lt;object type=&quot;3&quot; unique_id=&quot;10056&quot;&gt;&lt;property id=&quot;20148&quot; value=&quot;5&quot;/&gt;&lt;property id=&quot;20300&quot; value=&quot;Slide 53&quot;/&gt;&lt;property id=&quot;20307&quot; value=&quot;860&quot;/&gt;&lt;/object&gt;&lt;object type=&quot;3&quot; unique_id=&quot;10057&quot;&gt;&lt;property id=&quot;20148&quot; value=&quot;5&quot;/&gt;&lt;property id=&quot;20300&quot; value=&quot;Slide 54 - &amp;quot;Exercise 6: Accessing Data in Player&amp;quot;&quot;/&gt;&lt;property id=&quot;20307&quot; value=&quot;861&quot;/&gt;&lt;/object&gt;&lt;object type=&quot;3&quot; unique_id=&quot;10058&quot;&gt;&lt;property id=&quot;20148&quot; value=&quot;5&quot;/&gt;&lt;property id=&quot;20300&quot; value=&quot;Slide 55 - &amp;quot;Media Events&amp;quot;&quot;/&gt;&lt;property id=&quot;20307&quot; value=&quot;862&quot;/&gt;&lt;/object&gt;&lt;object type=&quot;3&quot; unique_id=&quot;10059&quot;&gt;&lt;property id=&quot;20148&quot; value=&quot;5&quot;/&gt;&lt;property id=&quot;20300&quot; value=&quot;Slide 56&quot;/&gt;&lt;property id=&quot;20307&quot; value=&quot;863&quot;/&gt;&lt;/object&gt;&lt;object type=&quot;3&quot; unique_id=&quot;10060&quot;&gt;&lt;property id=&quot;20148&quot; value=&quot;5&quot;/&gt;&lt;property id=&quot;20300&quot; value=&quot;Slide 57 - &amp;quot;Exercise 7: Playing a Playlist in a Video Player&amp;quot;&quot;/&gt;&lt;property id=&quot;20307&quot; value=&quot;864&quot;/&gt;&lt;/object&gt;&lt;object type=&quot;3&quot; unique_id=&quot;10061&quot;&gt;&lt;property id=&quot;20148&quot; value=&quot;5&quot;/&gt;&lt;property id=&quot;20300&quot; value=&quot;Slide 58 - &amp;quot;Additional Media&amp;quot;&quot;/&gt;&lt;property id=&quot;20307&quot; value=&quot;865&quot;/&gt;&lt;/object&gt;&lt;object type=&quot;3&quot; unique_id=&quot;10062&quot;&gt;&lt;property id=&quot;20148&quot; value=&quot;5&quot;/&gt;&lt;property id=&quot;20300&quot; value=&quot;Slide 59&quot;/&gt;&lt;property id=&quot;20307&quot; value=&quot;866&quot;/&gt;&lt;/object&gt;&lt;object type=&quot;3&quot; unique_id=&quot;10063&quot;&gt;&lt;property id=&quot;20148&quot; value=&quot;5&quot;/&gt;&lt;property id=&quot;20300&quot; value=&quot;Slide 60 - &amp;quot;Exercise 8: Surface Playlist in Player Menu&amp;quot;&quot;/&gt;&lt;property id=&quot;20307&quot; value=&quot;867&quot;/&gt;&lt;/object&gt;&lt;object type=&quot;3&quot; unique_id=&quot;10064&quot;&gt;&lt;property id=&quot;20148&quot; value=&quot;5&quot;/&gt;&lt;property id=&quot;20300&quot; value=&quot;Slide 61&quot;/&gt;&lt;property id=&quot;20307&quot; value=&quot;1073&quot;/&gt;&lt;/object&gt;&lt;object type=&quot;3&quot; unique_id=&quot;10065&quot;&gt;&lt;property id=&quot;20148&quot; value=&quot;5&quot;/&gt;&lt;property id=&quot;20300&quot; value=&quot;Slide 62 - &amp;quot;Section II: The Media API&amp;quot;&quot;/&gt;&lt;property id=&quot;20307&quot; value=&quot;1028&quot;/&gt;&lt;/object&gt;&lt;object type=&quot;3&quot; unique_id=&quot;10066&quot;&gt;&lt;property id=&quot;20148&quot; value=&quot;5&quot;/&gt;&lt;property id=&quot;20300&quot; value=&quot;Slide 63 - &amp;quot;What is the Media API?&amp;quot;&quot;/&gt;&lt;property id=&quot;20307&quot; value=&quot;1029&quot;/&gt;&lt;/object&gt;&lt;object type=&quot;3&quot; unique_id=&quot;10067&quot;&gt;&lt;property id=&quot;20148&quot; value=&quot;5&quot;/&gt;&lt;property id=&quot;20300&quot; value=&quot;Slide 64 - &amp;quot;Media API &amp;amp; Security&amp;quot;&quot;/&gt;&lt;property id=&quot;20307&quot; value=&quot;1030&quot;/&gt;&lt;/object&gt;&lt;object type=&quot;3&quot; unique_id=&quot;10068&quot;&gt;&lt;property id=&quot;20148&quot; value=&quot;5&quot;/&gt;&lt;property id=&quot;20300&quot; value=&quot;Slide 65 - &amp;quot;Media API &amp;amp; Security&amp;quot;&quot;/&gt;&lt;property id=&quot;20307&quot; value=&quot;1031&quot;/&gt;&lt;/object&gt;&lt;object type=&quot;3&quot; unique_id=&quot;10069&quot;&gt;&lt;property id=&quot;20148&quot; value=&quot;5&quot;/&gt;&lt;property id=&quot;20300&quot; value=&quot;Slide 66 - &amp;quot;Media API Data Format&amp;quot;&quot;/&gt;&lt;property id=&quot;20307&quot; value=&quot;1032&quot;/&gt;&lt;/object&gt;&lt;object type=&quot;3&quot; unique_id=&quot;10070&quot;&gt;&lt;property id=&quot;20148&quot; value=&quot;5&quot;/&gt;&lt;property id=&quot;20300&quot; value=&quot;Slide 67 - &amp;quot;JSON Format&amp;quot;&quot;/&gt;&lt;property id=&quot;20307&quot; value=&quot;1033&quot;/&gt;&lt;/object&gt;&lt;object type=&quot;3&quot; unique_id=&quot;10071&quot;&gt;&lt;property id=&quot;20148&quot; value=&quot;5&quot;/&gt;&lt;property id=&quot;20300&quot; value=&quot;Slide 68 - &amp;quot;JSON Format&amp;quot;&quot;/&gt;&lt;property id=&quot;20307&quot; value=&quot;1034&quot;/&gt;&lt;/object&gt;&lt;object type=&quot;3&quot; unique_id=&quot;10072&quot;&gt;&lt;property id=&quot;20148&quot; value=&quot;5&quot;/&gt;&lt;property id=&quot;20300&quot; value=&quot;Slide 69 - &amp;quot;Example JSON Object&amp;quot;&quot;/&gt;&lt;property id=&quot;20307&quot; value=&quot;1035&quot;/&gt;&lt;/object&gt;&lt;object type=&quot;3&quot; unique_id=&quot;10073&quot;&gt;&lt;property id=&quot;20148&quot; value=&quot;5&quot;/&gt;&lt;property id=&quot;20300&quot; value=&quot;Slide 70 - &amp;quot;The Media API – Read Methods &amp;quot;&quot;/&gt;&lt;property id=&quot;20307&quot; value=&quot;1036&quot;/&gt;&lt;/object&gt;&lt;object type=&quot;3&quot; unique_id=&quot;10074&quot;&gt;&lt;property id=&quot;20148&quot; value=&quot;5&quot;/&gt;&lt;property id=&quot;20300&quot; value=&quot;Slide 71 - &amp;quot;Read API – Typical Applications&amp;quot;&quot;/&gt;&lt;property id=&quot;20307&quot; value=&quot;1037&quot;/&gt;&lt;/object&gt;&lt;object type=&quot;3&quot; unique_id=&quot;10075&quot;&gt;&lt;property id=&quot;20148&quot; value=&quot;5&quot;/&gt;&lt;property id=&quot;20300&quot; value=&quot;Slide 72 - &amp;quot;Read API Data Format&amp;quot;&quot;/&gt;&lt;property id=&quot;20307&quot; value=&quot;1038&quot;/&gt;&lt;/object&gt;&lt;object type=&quot;3&quot; unique_id=&quot;10076&quot;&gt;&lt;property id=&quot;20148&quot; value=&quot;5&quot;/&gt;&lt;property id=&quot;20300&quot; value=&quot;Slide 73 - &amp;quot;The Main READ API’s&amp;quot;&quot;/&gt;&lt;property id=&quot;20307&quot; value=&quot;1039&quot;/&gt;&lt;/object&gt;&lt;object type=&quot;3&quot; unique_id=&quot;10077&quot;&gt;&lt;property id=&quot;20148&quot; value=&quot;5&quot;/&gt;&lt;property id=&quot;20300&quot; value=&quot;Slide 74 - &amp;quot;Video READ API – Example &amp;quot;&quot;/&gt;&lt;property id=&quot;20307&quot; value=&quot;1040&quot;/&gt;&lt;/object&gt;&lt;object type=&quot;3&quot; unique_id=&quot;10078&quot;&gt;&lt;property id=&quot;20148&quot; value=&quot;5&quot;/&gt;&lt;property id=&quot;20300&quot; value=&quot;Slide 75 - &amp;quot;Constructing a Read API Request&amp;quot;&quot;/&gt;&lt;property id=&quot;20307&quot; value=&quot;1041&quot;/&gt;&lt;/object&gt;&lt;object type=&quot;3&quot; unique_id=&quot;10079&quot;&gt;&lt;property id=&quot;20148&quot; value=&quot;5&quot;/&gt;&lt;property id=&quot;20300&quot; value=&quot;Slide 76 - &amp;quot;Displaying Metadata&amp;quot;&quot;/&gt;&lt;property id=&quot;20307&quot; value=&quot;1042&quot;/&gt;&lt;/object&gt;&lt;object type=&quot;3&quot; unique_id=&quot;10080&quot;&gt;&lt;property id=&quot;20148&quot; value=&quot;5&quot;/&gt;&lt;property id=&quot;20300&quot; value=&quot;Slide 77 - &amp;quot;Parsing the JSON response&amp;quot;&quot;/&gt;&lt;property id=&quot;20307&quot; value=&quot;1043&quot;/&gt;&lt;/object&gt;&lt;object type=&quot;3&quot; unique_id=&quot;10081&quot;&gt;&lt;property id=&quot;20148&quot; value=&quot;5&quot;/&gt;&lt;property id=&quot;20300&quot; value=&quot;Slide 78 - &amp;quot;Checking for Errors&amp;quot;&quot;/&gt;&lt;property id=&quot;20307&quot; value=&quot;1044&quot;/&gt;&lt;/object&gt;&lt;object type=&quot;3&quot; unique_id=&quot;10082&quot;&gt;&lt;property id=&quot;20148&quot; value=&quot;5&quot;/&gt;&lt;property id=&quot;20300&quot; value=&quot;Slide 79 - &amp;quot;Paging Read API Results&amp;quot;&quot;/&gt;&lt;property id=&quot;20307&quot; value=&quot;1045&quot;/&gt;&lt;/object&gt;&lt;object type=&quot;3&quot; unique_id=&quot;10083&quot;&gt;&lt;property id=&quot;20148&quot; value=&quot;5&quot;/&gt;&lt;property id=&quot;20300&quot; value=&quot;Slide 80 - &amp;quot;Limiting Response Size&amp;quot;&quot;/&gt;&lt;property id=&quot;20307&quot; value=&quot;1046&quot;/&gt;&lt;/object&gt;&lt;object type=&quot;3&quot; unique_id=&quot;10084&quot;&gt;&lt;property id=&quot;20148&quot; value=&quot;5&quot;/&gt;&lt;property id=&quot;20300&quot; value=&quot;Slide 81 - &amp;quot;Sorting Data&amp;quot;&quot;/&gt;&lt;property id=&quot;20307&quot; value=&quot;1047&quot;/&gt;&lt;/object&gt;&lt;object type=&quot;3&quot; unique_id=&quot;10085&quot;&gt;&lt;property id=&quot;20148&quot; value=&quot;5&quot;/&gt;&lt;property id=&quot;20300&quot; value=&quot;Slide 82 - &amp;quot;Read API Results as XML&amp;quot;&quot;/&gt;&lt;property id=&quot;20307&quot; value=&quot;1048&quot;/&gt;&lt;/object&gt;&lt;object type=&quot;3&quot; unique_id=&quot;10086&quot;&gt;&lt;property id=&quot;20148&quot; value=&quot;5&quot;/&gt;&lt;property id=&quot;20300&quot; value=&quot;Slide 83&quot;/&gt;&lt;property id=&quot;20307&quot; value=&quot;1049&quot;/&gt;&lt;/object&gt;&lt;object type=&quot;3&quot; unique_id=&quot;10087&quot;&gt;&lt;property id=&quot;20148&quot; value=&quot;5&quot;/&gt;&lt;property id=&quot;20300&quot; value=&quot;Slide 84 - &amp;quot;Exercise 9: Part 1: Displaying the Short Description&amp;quot;&quot;/&gt;&lt;property id=&quot;20307&quot; value=&quot;1050&quot;/&gt;&lt;/object&gt;&lt;object type=&quot;3&quot; unique_id=&quot;10088&quot;&gt;&lt;property id=&quot;20148&quot; value=&quot;5&quot;/&gt;&lt;property id=&quot;20300&quot; value=&quot;Slide 85&quot;/&gt;&lt;property id=&quot;20307&quot; value=&quot;1051&quot;/&gt;&lt;/object&gt;&lt;object type=&quot;3&quot; unique_id=&quot;10089&quot;&gt;&lt;property id=&quot;20148&quot; value=&quot;5&quot;/&gt;&lt;property id=&quot;20300&quot; value=&quot;Slide 86 - &amp;quot;Exercise 10: The Read API - Part 2&amp;quot;&quot;/&gt;&lt;property id=&quot;20307&quot; value=&quot;1052&quot;/&gt;&lt;/object&gt;&lt;object type=&quot;3&quot; unique_id=&quot;10090&quot;&gt;&lt;property id=&quot;20148&quot; value=&quot;5&quot;/&gt;&lt;property id=&quot;20300&quot; value=&quot;Slide 87 - &amp;quot;Read API : Enhancing SEO&amp;quot;&quot;/&gt;&lt;property id=&quot;20307&quot; value=&quot;1053&quot;/&gt;&lt;/object&gt;&lt;object type=&quot;3&quot; unique_id=&quot;10091&quot;&gt;&lt;property id=&quot;20148&quot; value=&quot;5&quot;/&gt;&lt;property id=&quot;20300&quot; value=&quot;Slide 88&quot;/&gt;&lt;property id=&quot;20307&quot; value=&quot;1054&quot;/&gt;&lt;/object&gt;&lt;object type=&quot;3&quot; unique_id=&quot;10092&quot;&gt;&lt;property id=&quot;20148&quot; value=&quot;5&quot;/&gt;&lt;property id=&quot;20300&quot; value=&quot;Slide 89 - &amp;quot;Exercise 11: The Read API - Part 3&amp;quot;&quot;/&gt;&lt;property id=&quot;20307&quot; value=&quot;1055&quot;/&gt;&lt;/object&gt;&lt;object type=&quot;3&quot; unique_id=&quot;10093&quot;&gt;&lt;property id=&quot;20148&quot; value=&quot;5&quot;/&gt;&lt;property id=&quot;20300&quot; value=&quot;Slide 90 - &amp;quot;The Media API – Write Methods &amp;quot;&quot;/&gt;&lt;property id=&quot;20307&quot; value=&quot;1056&quot;/&gt;&lt;/object&gt;&lt;object type=&quot;3&quot; unique_id=&quot;10094&quot;&gt;&lt;property id=&quot;20148&quot; value=&quot;5&quot;/&gt;&lt;property id=&quot;20300&quot; value=&quot;Slide 91 - &amp;quot;Write API – Typical Applications&amp;quot;&quot;/&gt;&lt;property id=&quot;20307&quot; value=&quot;1057&quot;/&gt;&lt;/object&gt;&lt;object type=&quot;3&quot; unique_id=&quot;10095&quot;&gt;&lt;property id=&quot;20148&quot; value=&quot;5&quot;/&gt;&lt;property id=&quot;20300&quot; value=&quot;Slide 92 - &amp;quot;Write API&amp;quot;&quot;/&gt;&lt;property id=&quot;20307&quot; value=&quot;1058&quot;/&gt;&lt;/object&gt;&lt;object type=&quot;3&quot; unique_id=&quot;10096&quot;&gt;&lt;property id=&quot;20148&quot; value=&quot;5&quot;/&gt;&lt;property id=&quot;20300&quot; value=&quot;Slide 93 - &amp;quot;The Main WRITE API’s&amp;quot;&quot;/&gt;&lt;property id=&quot;20307&quot; value=&quot;1059&quot;/&gt;&lt;/object&gt;&lt;object type=&quot;3&quot; unique_id=&quot;10097&quot;&gt;&lt;property id=&quot;20148&quot; value=&quot;5&quot;/&gt;&lt;property id=&quot;20300&quot; value=&quot;Slide 94 - &amp;quot;JSON-RPC&amp;quot;&quot;/&gt;&lt;property id=&quot;20307&quot; value=&quot;1060&quot;/&gt;&lt;/object&gt;&lt;object type=&quot;3&quot; unique_id=&quot;10098&quot;&gt;&lt;property id=&quot;20148&quot; value=&quot;5&quot;/&gt;&lt;property id=&quot;20300&quot; value=&quot;Slide 95 - &amp;quot;JSON-RPC Request&amp;quot;&quot;/&gt;&lt;property id=&quot;20307&quot; value=&quot;1061&quot;/&gt;&lt;/object&gt;&lt;object type=&quot;3&quot; unique_id=&quot;10099&quot;&gt;&lt;property id=&quot;20148&quot; value=&quot;5&quot;/&gt;&lt;property id=&quot;20300&quot; value=&quot;Slide 96 - &amp;quot;JSON-RPC Request&amp;quot;&quot;/&gt;&lt;property id=&quot;20307&quot; value=&quot;1062&quot;/&gt;&lt;/object&gt;&lt;object type=&quot;3&quot; unique_id=&quot;10100&quot;&gt;&lt;property id=&quot;20148&quot; value=&quot;5&quot;/&gt;&lt;property id=&quot;20300&quot; value=&quot;Slide 97 - &amp;quot;JSON-RPC Response&amp;quot;&quot;/&gt;&lt;property id=&quot;20307&quot; value=&quot;1063&quot;/&gt;&lt;/object&gt;&lt;object type=&quot;3&quot; unique_id=&quot;10101&quot;&gt;&lt;property id=&quot;20148&quot; value=&quot;5&quot;/&gt;&lt;property id=&quot;20300&quot; value=&quot;Slide 98 - &amp;quot;Constructing a Write API Request&amp;quot;&quot;/&gt;&lt;property id=&quot;20307&quot; value=&quot;1064&quot;/&gt;&lt;/object&gt;&lt;object type=&quot;3&quot; unique_id=&quot;10102&quot;&gt;&lt;property id=&quot;20148&quot; value=&quot;5&quot;/&gt;&lt;property id=&quot;20300&quot; value=&quot;Slide 99 - &amp;quot;Constructing a Write API Request with Upload&amp;quot;&quot;/&gt;&lt;property id=&quot;20307&quot; value=&quot;1065&quot;/&gt;&lt;/object&gt;&lt;object type=&quot;3&quot; unique_id=&quot;10103&quot;&gt;&lt;property id=&quot;20148&quot; value=&quot;5&quot;/&gt;&lt;property id=&quot;20300&quot; value=&quot;Slide 100 - &amp;quot;Write API Debugging Tools&amp;quot;&quot;/&gt;&lt;property id=&quot;20307&quot; value=&quot;1066&quot;/&gt;&lt;/object&gt;&lt;object type=&quot;3&quot; unique_id=&quot;10104&quot;&gt;&lt;property id=&quot;20148&quot; value=&quot;5&quot;/&gt;&lt;property id=&quot;20300&quot; value=&quot;Slide 101&quot;/&gt;&lt;property id=&quot;20307&quot; value=&quot;1067&quot;/&gt;&lt;/object&gt;&lt;object type=&quot;3&quot; unique_id=&quot;10105&quot;&gt;&lt;property id=&quot;20148&quot; value=&quot;5&quot;/&gt;&lt;property id=&quot;20300&quot; value=&quot;Slide 102 - &amp;quot;Exercise 12: Writing an Ingestion Tool&amp;quot;&quot;/&gt;&lt;property id=&quot;20307&quot; value=&quot;1068&quot;/&gt;&lt;/object&gt;&lt;object type=&quot;3&quot; unique_id=&quot;10106&quot;&gt;&lt;property id=&quot;20148&quot; value=&quot;5&quot;/&gt;&lt;property id=&quot;20300&quot; value=&quot;Slide 103 - &amp;quot;Advanced Media API : SEO&amp;quot;&quot;/&gt;&lt;property id=&quot;20307&quot; value=&quot;1069&quot;/&gt;&lt;/object&gt;&lt;object type=&quot;3&quot; unique_id=&quot;10107&quot;&gt;&lt;property id=&quot;20148&quot; value=&quot;5&quot;/&gt;&lt;property id=&quot;20300&quot; value=&quot;Slide 104 - &amp;quot;Open-Source SDKs&amp;quot;&quot;/&gt;&lt;property id=&quot;20307&quot; value=&quot;1070&quot;/&gt;&lt;/object&gt;&lt;object type=&quot;3&quot; unique_id=&quot;10108&quot;&gt;&lt;property id=&quot;20148&quot; value=&quot;5&quot;/&gt;&lt;property id=&quot;20300&quot; value=&quot;Slide 105 - &amp;quot;Section III: The Brightcove Ad API&amp;quot;&quot;/&gt;&lt;property id=&quot;20307&quot; value=&quot;888&quot;/&gt;&lt;/object&gt;&lt;object type=&quot;3&quot; unique_id=&quot;10109&quot;&gt;&lt;property id=&quot;20148&quot; value=&quot;5&quot;/&gt;&lt;property id=&quot;20300&quot; value=&quot;Slide 106&quot;/&gt;&lt;property id=&quot;20307&quot; value=&quot;1074&quot;/&gt;&lt;/object&gt;&lt;object type=&quot;3&quot; unique_id=&quot;10110&quot;&gt;&lt;property id=&quot;20148&quot; value=&quot;5&quot;/&gt;&lt;property id=&quot;20300&quot; value=&quot;Slide 107 - &amp;quot;Overview of Advertising&amp;quot;&quot;/&gt;&lt;property id=&quot;20307&quot; value=&quot;889&quot;/&gt;&lt;/object&gt;&lt;object type=&quot;3&quot; unique_id=&quot;10111&quot;&gt;&lt;property id=&quot;20148&quot; value=&quot;5&quot;/&gt;&lt;property id=&quot;20300&quot; value=&quot;Slide 108 - &amp;quot;Advertising Workflow&amp;quot;&quot;/&gt;&lt;property id=&quot;20307&quot; value=&quot;890&quot;/&gt;&lt;/object&gt;&lt;object type=&quot;3&quot; unique_id=&quot;10112&quot;&gt;&lt;property id=&quot;20148&quot; value=&quot;5&quot;/&gt;&lt;property id=&quot;20300&quot; value=&quot;Slide 109 - &amp;quot;Ad Policy&amp;quot;&quot;/&gt;&lt;property id=&quot;20307&quot; value=&quot;891&quot;/&gt;&lt;/object&gt;&lt;object type=&quot;3&quot; unique_id=&quot;10113&quot;&gt;&lt;property id=&quot;20148&quot; value=&quot;5&quot;/&gt;&lt;property id=&quot;20300&quot; value=&quot;Slide 110 - &amp;quot;Ad Servers&amp;quot;&quot;/&gt;&lt;property id=&quot;20307&quot; value=&quot;892&quot;/&gt;&lt;/object&gt;&lt;object type=&quot;3&quot; unique_id=&quot;10114&quot;&gt;&lt;property id=&quot;20148&quot; value=&quot;5&quot;/&gt;&lt;property id=&quot;20300&quot; value=&quot;Slide 111 - &amp;quot;Connecting to Ad Servers&amp;quot;&quot;/&gt;&lt;property id=&quot;20307&quot; value=&quot;893&quot;/&gt;&lt;/object&gt;&lt;object type=&quot;3&quot; unique_id=&quot;10115&quot;&gt;&lt;property id=&quot;20148&quot; value=&quot;5&quot;/&gt;&lt;property id=&quot;20300&quot; value=&quot;Slide 112 - &amp;quot;Supported ad XML and Ad Formats&amp;quot;&quot;/&gt;&lt;property id=&quot;20307&quot; value=&quot;894&quot;/&gt;&lt;/object&gt;&lt;object type=&quot;3&quot; unique_id=&quot;10116&quot;&gt;&lt;property id=&quot;20148&quot; value=&quot;5&quot;/&gt;&lt;property id=&quot;20300&quot; value=&quot;Slide 113 - &amp;quot;Basics of the Player Ad API&amp;quot;&quot;/&gt;&lt;property id=&quot;20307&quot; value=&quot;895&quot;/&gt;&lt;/object&gt;&lt;object type=&quot;3&quot; unique_id=&quot;10117&quot;&gt;&lt;property id=&quot;20148&quot; value=&quot;5&quot;/&gt;&lt;property id=&quot;20300&quot; value=&quot;Slide 114 - &amp;quot;Player Ad API&amp;quot;&quot;/&gt;&lt;property id=&quot;20307&quot; value=&quot;896&quot;/&gt;&lt;/object&gt;&lt;object type=&quot;3&quot; unique_id=&quot;10118&quot;&gt;&lt;property id=&quot;20148&quot; value=&quot;5&quot;/&gt;&lt;property id=&quot;20300&quot; value=&quot;Slide 115 - &amp;quot;Basic API use&amp;quot;&quot;/&gt;&lt;property id=&quot;20307&quot; value=&quot;897&quot;/&gt;&lt;/object&gt;&lt;object type=&quot;3&quot; unique_id=&quot;10119&quot;&gt;&lt;property id=&quot;20148&quot; value=&quot;5&quot;/&gt;&lt;property id=&quot;20300&quot; value=&quot;Slide 116 - &amp;quot;Exercise 13: Ad Events in JavaScript&amp;quot;&quot;/&gt;&lt;property id=&quot;20307&quot; value=&quot;898&quot;/&gt;&lt;/object&gt;&lt;object type=&quot;3&quot; unique_id=&quot;10120&quot;&gt;&lt;property id=&quot;20148&quot; value=&quot;5&quot;/&gt;&lt;property id=&quot;20300&quot; value=&quot;Slide 117 - &amp;quot;Exercise 13&amp;quot;&quot;/&gt;&lt;property id=&quot;20307&quot; value=&quot;899&quot;/&gt;&lt;/object&gt;&lt;object type=&quot;3&quot; unique_id=&quot;10121&quot;&gt;&lt;property id=&quot;20148&quot; value=&quot;5&quot;/&gt;&lt;property id=&quot;20300&quot; value=&quot;Slide 118 - &amp;quot;Player Configuration&amp;quot;&quot;/&gt;&lt;property id=&quot;20307&quot; value=&quot;900&quot;/&gt;&lt;/object&gt;&lt;object type=&quot;3&quot; unique_id=&quot;10122&quot;&gt;&lt;property id=&quot;20148&quot; value=&quot;5&quot;/&gt;&lt;property id=&quot;20300&quot; value=&quot;Slide 119 - &amp;quot;Player Configuration Parameters for Ads&amp;quot;&quot;/&gt;&lt;property id=&quot;20307&quot; value=&quot;901&quot;/&gt;&lt;/object&gt;&lt;object type=&quot;3&quot; unique_id=&quot;10123&quot;&gt;&lt;property id=&quot;20148&quot; value=&quot;5&quot;/&gt;&lt;property id=&quot;20300&quot; value=&quot;Slide 120 - &amp;quot;Player Configuration Parameters for Ads&amp;quot;&quot;/&gt;&lt;property id=&quot;20307&quot; value=&quot;902&quot;/&gt;&lt;/object&gt;&lt;object type=&quot;3&quot; unique_id=&quot;10124&quot;&gt;&lt;property id=&quot;20148&quot; value=&quot;5&quot;/&gt;&lt;property id=&quot;20300&quot; value=&quot;Slide 121 - &amp;quot;Player Ad API&amp;quot;&quot;/&gt;&lt;property id=&quot;20307&quot; value=&quot;903&quot;/&gt;&lt;/object&gt;&lt;object type=&quot;3&quot; unique_id=&quot;10125&quot;&gt;&lt;property id=&quot;20148&quot; value=&quot;5&quot;/&gt;&lt;property id=&quot;20300&quot; value=&quot;Slide 122 - &amp;quot;Getting Ad Information&amp;quot;&quot;/&gt;&lt;property id=&quot;20307&quot; value=&quot;904&quot;/&gt;&lt;/object&gt;&lt;object type=&quot;3&quot; unique_id=&quot;10126&quot;&gt;&lt;property id=&quot;20148&quot; value=&quot;5&quot;/&gt;&lt;property id=&quot;20300&quot; value=&quot;Slide 123 - &amp;quot;Setting Ad Information&amp;quot;&quot;/&gt;&lt;property id=&quot;20307&quot; value=&quot;905&quot;/&gt;&lt;/object&gt;&lt;object type=&quot;3&quot; unique_id=&quot;10127&quot;&gt;&lt;property id=&quot;20148&quot; value=&quot;5&quot;/&gt;&lt;property id=&quot;20300&quot; value=&quot;Slide 124 - &amp;quot;Dynamically Requesting an Ad&amp;quot;&quot;/&gt;&lt;property id=&quot;20307&quot; value=&quot;906&quot;/&gt;&lt;/object&gt;&lt;object type=&quot;3&quot; unique_id=&quot;10128&quot;&gt;&lt;property id=&quot;20148&quot; value=&quot;5&quot;/&gt;&lt;property id=&quot;20300&quot; value=&quot;Slide 125 - &amp;quot;Override Ad Calls&amp;quot;&quot;/&gt;&lt;property id=&quot;20307&quot; value=&quot;907&quot;/&gt;&lt;/object&gt;&lt;object type=&quot;3&quot; unique_id=&quot;10129&quot;&gt;&lt;property id=&quot;20148&quot; value=&quot;5&quot;/&gt;&lt;property id=&quot;20300&quot; value=&quot;Slide 126 - &amp;quot;External Ad Calls&amp;quot;&quot;/&gt;&lt;property id=&quot;20307&quot; value=&quot;908&quot;/&gt;&lt;/object&gt;&lt;object type=&quot;3&quot; unique_id=&quot;10130&quot;&gt;&lt;property id=&quot;20148&quot; value=&quot;5&quot;/&gt;&lt;property id=&quot;20300&quot; value=&quot;Slide 127&quot;/&gt;&lt;property id=&quot;20307&quot; value=&quot;909&quot;/&gt;&lt;/object&gt;&lt;object type=&quot;3&quot; unique_id=&quot;10131&quot;&gt;&lt;property id=&quot;20148&quot; value=&quot;5&quot;/&gt;&lt;property id=&quot;20300&quot; value=&quot;Slide 128 - &amp;quot;Exercise 14: Handling an External Ad&amp;quot;&quot;/&gt;&lt;property id=&quot;20307&quot; value=&quot;910&quot;/&gt;&lt;/object&gt;&lt;object type=&quot;3&quot; unique_id=&quot;10132&quot;&gt;&lt;property id=&quot;20148&quot; value=&quot;5&quot;/&gt;&lt;property id=&quot;20300&quot; value=&quot;Slide 129 - &amp;quot;Exercise 14&amp;quot;&quot;/&gt;&lt;property id=&quot;20307&quot; value=&quot;911&quot;/&gt;&lt;/object&gt;&lt;object type=&quot;3&quot; unique_id=&quot;10133&quot;&gt;&lt;property id=&quot;20148&quot; value=&quot;5&quot;/&gt;&lt;property id=&quot;20300&quot; value=&quot;Slide 130 - &amp;quot;Advanced Ad development&amp;quot;&quot;/&gt;&lt;property id=&quot;20307&quot; value=&quot;912&quot;/&gt;&lt;/object&gt;&lt;object type=&quot;3&quot; unique_id=&quot;10134&quot;&gt;&lt;property id=&quot;20148&quot; value=&quot;5&quot;/&gt;&lt;property id=&quot;20300&quot; value=&quot;Slide 131 - &amp;quot;Custom Ad Rules&amp;quot;&quot;/&gt;&lt;property id=&quot;20307&quot; value=&quot;917&quot;/&gt;&lt;/object&gt;&lt;object type=&quot;3&quot; unique_id=&quot;10135&quot;&gt;&lt;property id=&quot;20148&quot; value=&quot;5&quot;/&gt;&lt;property id=&quot;20300&quot; value=&quot;Slide 132 - &amp;quot;Custom Ad Translators&amp;quot;&quot;/&gt;&lt;property id=&quot;20307&quot; value=&quot;913&quot;/&gt;&lt;/object&gt;&lt;object type=&quot;3&quot; unique_id=&quot;10136&quot;&gt;&lt;property id=&quot;20148&quot; value=&quot;5&quot;/&gt;&lt;property id=&quot;20300&quot; value=&quot;Slide 133 - &amp;quot;Custom Ad Display SWFs&amp;quot;&quot;/&gt;&lt;property id=&quot;20307&quot; value=&quot;914&quot;/&gt;&lt;/object&gt;&lt;object type=&quot;3&quot; unique_id=&quot;10137&quot;&gt;&lt;property id=&quot;20148&quot; value=&quot;5&quot;/&gt;&lt;property id=&quot;20300&quot; value=&quot;Slide 134 - &amp;quot;Section IV: Resources&amp;quot;&quot;/&gt;&lt;property id=&quot;20307&quot; value=&quot;918&quot;/&gt;&lt;/object&gt;&lt;object type=&quot;3&quot; unique_id=&quot;10138&quot;&gt;&lt;property id=&quot;20148&quot; value=&quot;5&quot;/&gt;&lt;property id=&quot;20300&quot; value=&quot;Slide 135 - &amp;quot;Resources on the Web&amp;quot;&quot;/&gt;&lt;property id=&quot;20307&quot; value=&quot;921&quot;/&gt;&lt;/object&gt;&lt;object type=&quot;3&quot; unique_id=&quot;10139&quot;&gt;&lt;property id=&quot;20148&quot; value=&quot;5&quot;/&gt;&lt;property id=&quot;20300&quot; value=&quot;Slide 136 - &amp;quot;Resources off the Web&amp;quot;&quot;/&gt;&lt;property id=&quot;20307&quot; value=&quot;922&quot;/&gt;&lt;/object&gt;&lt;object type=&quot;3&quot; unique_id=&quot;10140&quot;&gt;&lt;property id=&quot;20148&quot; value=&quot;5&quot;/&gt;&lt;property id=&quot;20300&quot; value=&quot;Slide 137&quot;/&gt;&lt;property id=&quot;20307&quot; value=&quot;1075&quot;/&gt;&lt;/object&gt;&lt;/object&gt;&lt;/object&gt;&lt;/database&gt;"/>
   <p:tag name="SECTOMILLISECCONVERTED" val="1"/>
